--- a/docs/Figure2.pptx
+++ b/docs/Figure2.pptx
@@ -2948,170 +2948,6 @@
           <a:chExt cx="0" cy="0"/>
         </a:xfrm>
       </p:grpSpPr>
-      <p:cxnSp>
-        <p:nvCxnSpPr>
-          <p:cNvPr id="71" name="直接连接符 70">
-            <a:extLst>
-              <a:ext uri="{FF2B5EF4-FFF2-40B4-BE49-F238E27FC236}">
-                <a16:creationId xmlns:a16="http://schemas.microsoft.com/office/drawing/2014/main" id="{0A29B32A-6794-473F-880E-A75799FBC17A}"/>
-              </a:ext>
-            </a:extLst>
-          </p:cNvPr>
-          <p:cNvCxnSpPr>
-            <a:cxnSpLocks/>
-            <a:stCxn id="79" idx="3"/>
-            <a:endCxn id="80" idx="1"/>
-          </p:cNvCxnSpPr>
-          <p:nvPr/>
-        </p:nvCxnSpPr>
-        <p:spPr>
-          <a:xfrm flipV="1">
-            <a:off x="4367201" y="4896018"/>
-            <a:ext cx="969591" cy="567972"/>
-          </a:xfrm>
-          <a:prstGeom prst="line">
-            <a:avLst/>
-          </a:prstGeom>
-          <a:ln w="19050"/>
-        </p:spPr>
-        <p:style>
-          <a:lnRef idx="1">
-            <a:schemeClr val="accent1"/>
-          </a:lnRef>
-          <a:fillRef idx="0">
-            <a:schemeClr val="accent1"/>
-          </a:fillRef>
-          <a:effectRef idx="0">
-            <a:schemeClr val="accent1"/>
-          </a:effectRef>
-          <a:fontRef idx="minor">
-            <a:schemeClr val="tx1"/>
-          </a:fontRef>
-        </p:style>
-      </p:cxnSp>
-      <p:cxnSp>
-        <p:nvCxnSpPr>
-          <p:cNvPr id="72" name="直接连接符 71">
-            <a:extLst>
-              <a:ext uri="{FF2B5EF4-FFF2-40B4-BE49-F238E27FC236}">
-                <a16:creationId xmlns:a16="http://schemas.microsoft.com/office/drawing/2014/main" id="{6BA824C6-4E95-4ED1-A34A-468B0D73E40C}"/>
-              </a:ext>
-            </a:extLst>
-          </p:cNvPr>
-          <p:cNvCxnSpPr>
-            <a:cxnSpLocks/>
-            <a:stCxn id="79" idx="3"/>
-            <a:endCxn id="82" idx="1"/>
-          </p:cNvCxnSpPr>
-          <p:nvPr/>
-        </p:nvCxnSpPr>
-        <p:spPr>
-          <a:xfrm>
-            <a:off x="4367201" y="5463990"/>
-            <a:ext cx="969591" cy="565571"/>
-          </a:xfrm>
-          <a:prstGeom prst="line">
-            <a:avLst/>
-          </a:prstGeom>
-          <a:ln w="19050"/>
-        </p:spPr>
-        <p:style>
-          <a:lnRef idx="1">
-            <a:schemeClr val="accent1"/>
-          </a:lnRef>
-          <a:fillRef idx="0">
-            <a:schemeClr val="accent1"/>
-          </a:fillRef>
-          <a:effectRef idx="0">
-            <a:schemeClr val="accent1"/>
-          </a:effectRef>
-          <a:fontRef idx="minor">
-            <a:schemeClr val="tx1"/>
-          </a:fontRef>
-        </p:style>
-      </p:cxnSp>
-      <p:cxnSp>
-        <p:nvCxnSpPr>
-          <p:cNvPr id="73" name="直接连接符 72">
-            <a:extLst>
-              <a:ext uri="{FF2B5EF4-FFF2-40B4-BE49-F238E27FC236}">
-                <a16:creationId xmlns:a16="http://schemas.microsoft.com/office/drawing/2014/main" id="{53749BA8-680D-456A-B9DA-209F834EA834}"/>
-              </a:ext>
-            </a:extLst>
-          </p:cNvPr>
-          <p:cNvCxnSpPr>
-            <a:cxnSpLocks/>
-            <a:stCxn id="82" idx="3"/>
-            <a:endCxn id="81" idx="1"/>
-          </p:cNvCxnSpPr>
-          <p:nvPr/>
-        </p:nvCxnSpPr>
-        <p:spPr>
-          <a:xfrm flipV="1">
-            <a:off x="6224490" y="5463990"/>
-            <a:ext cx="1102838" cy="565571"/>
-          </a:xfrm>
-          <a:prstGeom prst="line">
-            <a:avLst/>
-          </a:prstGeom>
-          <a:ln w="19050"/>
-        </p:spPr>
-        <p:style>
-          <a:lnRef idx="1">
-            <a:schemeClr val="accent1"/>
-          </a:lnRef>
-          <a:fillRef idx="0">
-            <a:schemeClr val="accent1"/>
-          </a:fillRef>
-          <a:effectRef idx="0">
-            <a:schemeClr val="accent1"/>
-          </a:effectRef>
-          <a:fontRef idx="minor">
-            <a:schemeClr val="tx1"/>
-          </a:fontRef>
-        </p:style>
-      </p:cxnSp>
-      <p:cxnSp>
-        <p:nvCxnSpPr>
-          <p:cNvPr id="74" name="直接连接符 73">
-            <a:extLst>
-              <a:ext uri="{FF2B5EF4-FFF2-40B4-BE49-F238E27FC236}">
-                <a16:creationId xmlns:a16="http://schemas.microsoft.com/office/drawing/2014/main" id="{6FEDBD61-269F-4AB2-A798-66D424161B74}"/>
-              </a:ext>
-            </a:extLst>
-          </p:cNvPr>
-          <p:cNvCxnSpPr>
-            <a:cxnSpLocks/>
-            <a:stCxn id="81" idx="1"/>
-            <a:endCxn id="80" idx="3"/>
-          </p:cNvCxnSpPr>
-          <p:nvPr/>
-        </p:nvCxnSpPr>
-        <p:spPr>
-          <a:xfrm flipH="1" flipV="1">
-            <a:off x="6224490" y="4896018"/>
-            <a:ext cx="1102838" cy="567972"/>
-          </a:xfrm>
-          <a:prstGeom prst="line">
-            <a:avLst/>
-          </a:prstGeom>
-          <a:ln w="19050"/>
-        </p:spPr>
-        <p:style>
-          <a:lnRef idx="1">
-            <a:schemeClr val="accent1"/>
-          </a:lnRef>
-          <a:fillRef idx="0">
-            <a:schemeClr val="accent1"/>
-          </a:fillRef>
-          <a:effectRef idx="0">
-            <a:schemeClr val="accent1"/>
-          </a:effectRef>
-          <a:fontRef idx="minor">
-            <a:schemeClr val="tx1"/>
-          </a:fontRef>
-        </p:style>
-      </p:cxnSp>
       <p:sp>
         <p:nvSpPr>
           <p:cNvPr id="75" name="文本框 74">
@@ -3308,15 +3144,13 @@
           </a:prstGeom>
         </p:spPr>
         <p:style>
-          <a:lnRef idx="2">
-            <a:schemeClr val="accent1">
-              <a:shade val="50000"/>
-            </a:schemeClr>
+          <a:lnRef idx="3">
+            <a:schemeClr val="lt1"/>
           </a:lnRef>
           <a:fillRef idx="1">
             <a:schemeClr val="accent1"/>
           </a:fillRef>
-          <a:effectRef idx="0">
+          <a:effectRef idx="1">
             <a:schemeClr val="accent1"/>
           </a:effectRef>
           <a:fontRef idx="minor">
@@ -3366,15 +3200,13 @@
           </a:prstGeom>
         </p:spPr>
         <p:style>
-          <a:lnRef idx="2">
-            <a:schemeClr val="accent1">
-              <a:shade val="50000"/>
-            </a:schemeClr>
+          <a:lnRef idx="3">
+            <a:schemeClr val="lt1"/>
           </a:lnRef>
           <a:fillRef idx="1">
             <a:schemeClr val="accent1"/>
           </a:fillRef>
-          <a:effectRef idx="0">
+          <a:effectRef idx="1">
             <a:schemeClr val="accent1"/>
           </a:effectRef>
           <a:fontRef idx="minor">
@@ -3424,15 +3256,13 @@
           </a:prstGeom>
         </p:spPr>
         <p:style>
-          <a:lnRef idx="2">
-            <a:schemeClr val="accent1">
-              <a:shade val="50000"/>
-            </a:schemeClr>
+          <a:lnRef idx="3">
+            <a:schemeClr val="lt1"/>
           </a:lnRef>
           <a:fillRef idx="1">
             <a:schemeClr val="accent1"/>
           </a:fillRef>
-          <a:effectRef idx="0">
+          <a:effectRef idx="1">
             <a:schemeClr val="accent1"/>
           </a:effectRef>
           <a:fontRef idx="minor">
@@ -3475,15 +3305,13 @@
           </a:prstGeom>
         </p:spPr>
         <p:style>
-          <a:lnRef idx="2">
-            <a:schemeClr val="accent1">
-              <a:shade val="50000"/>
-            </a:schemeClr>
+          <a:lnRef idx="3">
+            <a:schemeClr val="lt1"/>
           </a:lnRef>
           <a:fillRef idx="1">
             <a:schemeClr val="accent1"/>
           </a:fillRef>
-          <a:effectRef idx="0">
+          <a:effectRef idx="1">
             <a:schemeClr val="accent1"/>
           </a:effectRef>
           <a:fontRef idx="minor">
@@ -3516,111 +3344,6 @@
           <a:xfrm flipV="1">
             <a:off x="4353219" y="1815980"/>
             <a:ext cx="969591" cy="567972"/>
-          </a:xfrm>
-          <a:prstGeom prst="line">
-            <a:avLst/>
-          </a:prstGeom>
-          <a:ln w="19050"/>
-        </p:spPr>
-        <p:style>
-          <a:lnRef idx="1">
-            <a:schemeClr val="accent1"/>
-          </a:lnRef>
-          <a:fillRef idx="0">
-            <a:schemeClr val="accent1"/>
-          </a:fillRef>
-          <a:effectRef idx="0">
-            <a:schemeClr val="accent1"/>
-          </a:effectRef>
-          <a:fontRef idx="minor">
-            <a:schemeClr val="tx1"/>
-          </a:fontRef>
-        </p:style>
-      </p:cxnSp>
-      <p:cxnSp>
-        <p:nvCxnSpPr>
-          <p:cNvPr id="21" name="直接连接符 20"/>
-          <p:cNvCxnSpPr>
-            <a:cxnSpLocks/>
-            <a:stCxn id="3" idx="3"/>
-            <a:endCxn id="66" idx="1"/>
-          </p:cNvCxnSpPr>
-          <p:nvPr/>
-        </p:nvCxnSpPr>
-        <p:spPr>
-          <a:xfrm>
-            <a:off x="4353219" y="2383952"/>
-            <a:ext cx="969591" cy="565571"/>
-          </a:xfrm>
-          <a:prstGeom prst="line">
-            <a:avLst/>
-          </a:prstGeom>
-          <a:ln w="19050"/>
-        </p:spPr>
-        <p:style>
-          <a:lnRef idx="1">
-            <a:schemeClr val="accent1"/>
-          </a:lnRef>
-          <a:fillRef idx="0">
-            <a:schemeClr val="accent1"/>
-          </a:fillRef>
-          <a:effectRef idx="0">
-            <a:schemeClr val="accent1"/>
-          </a:effectRef>
-          <a:fontRef idx="minor">
-            <a:schemeClr val="tx1"/>
-          </a:fontRef>
-        </p:style>
-      </p:cxnSp>
-      <p:cxnSp>
-        <p:nvCxnSpPr>
-          <p:cNvPr id="22" name="直接连接符 21"/>
-          <p:cNvCxnSpPr>
-            <a:cxnSpLocks/>
-            <a:stCxn id="66" idx="3"/>
-            <a:endCxn id="60" idx="1"/>
-          </p:cNvCxnSpPr>
-          <p:nvPr/>
-        </p:nvCxnSpPr>
-        <p:spPr>
-          <a:xfrm flipV="1">
-            <a:off x="6210508" y="2383952"/>
-            <a:ext cx="1102838" cy="565571"/>
-          </a:xfrm>
-          <a:prstGeom prst="line">
-            <a:avLst/>
-          </a:prstGeom>
-          <a:ln w="19050"/>
-        </p:spPr>
-        <p:style>
-          <a:lnRef idx="1">
-            <a:schemeClr val="accent1"/>
-          </a:lnRef>
-          <a:fillRef idx="0">
-            <a:schemeClr val="accent1"/>
-          </a:fillRef>
-          <a:effectRef idx="0">
-            <a:schemeClr val="accent1"/>
-          </a:effectRef>
-          <a:fontRef idx="minor">
-            <a:schemeClr val="tx1"/>
-          </a:fontRef>
-        </p:style>
-      </p:cxnSp>
-      <p:cxnSp>
-        <p:nvCxnSpPr>
-          <p:cNvPr id="23" name="直接连接符 22"/>
-          <p:cNvCxnSpPr>
-            <a:cxnSpLocks/>
-            <a:stCxn id="60" idx="1"/>
-            <a:endCxn id="52" idx="3"/>
-          </p:cNvCxnSpPr>
-          <p:nvPr/>
-        </p:nvCxnSpPr>
-        <p:spPr>
-          <a:xfrm flipH="1" flipV="1">
-            <a:off x="6210508" y="1815980"/>
-            <a:ext cx="1102838" cy="567972"/>
           </a:xfrm>
           <a:prstGeom prst="line">
             <a:avLst/>
@@ -3902,6 +3625,7 @@
                 <a:prstGeom prst="rect">
                   <a:avLst/>
                 </a:prstGeom>
+                <a:ln w="19050"/>
               </p:spPr>
               <p:style>
                 <a:lnRef idx="2">
@@ -3925,7 +3649,7 @@
                 <a:p>
                   <a:pPr algn="ctr"/>
                   <a:r>
-                    <a:rPr lang="en-US" altLang="zh-CN" dirty="0">
+                    <a:rPr lang="en-US" altLang="zh-CN">
                       <a:latin typeface="Times New Roman" panose="02020603050405020304" pitchFamily="18" charset="0"/>
                       <a:cs typeface="Times New Roman" panose="02020603050405020304" pitchFamily="18" charset="0"/>
                     </a:rPr>
@@ -3952,6 +3676,7 @@
                 <a:prstGeom prst="rect">
                   <a:avLst/>
                 </a:prstGeom>
+                <a:ln w="19050"/>
               </p:spPr>
               <p:style>
                 <a:lnRef idx="2">
@@ -3975,7 +3700,7 @@
                 <a:p>
                   <a:pPr algn="ctr"/>
                   <a:r>
-                    <a:rPr lang="en-US" altLang="zh-CN" dirty="0">
+                    <a:rPr lang="en-US" altLang="zh-CN">
                       <a:latin typeface="Times New Roman" panose="02020603050405020304" pitchFamily="18" charset="0"/>
                       <a:cs typeface="Times New Roman" panose="02020603050405020304" pitchFamily="18" charset="0"/>
                     </a:rPr>
@@ -4002,6 +3727,7 @@
                 <a:prstGeom prst="rect">
                   <a:avLst/>
                 </a:prstGeom>
+                <a:ln w="19050"/>
               </p:spPr>
               <p:style>
                 <a:lnRef idx="2">
@@ -4025,7 +3751,7 @@
                 <a:p>
                   <a:pPr algn="ctr"/>
                   <a:r>
-                    <a:rPr lang="en-US" altLang="zh-CN" dirty="0">
+                    <a:rPr lang="en-US" altLang="zh-CN">
                       <a:latin typeface="Times New Roman" panose="02020603050405020304" pitchFamily="18" charset="0"/>
                       <a:cs typeface="Times New Roman" panose="02020603050405020304" pitchFamily="18" charset="0"/>
                     </a:rPr>
@@ -4182,7 +3908,7 @@
                 <a:lstStyle/>
                 <a:p>
                   <a:r>
-                    <a:rPr lang="en-US" altLang="zh-CN" i="1" dirty="0">
+                    <a:rPr lang="en-US" altLang="zh-CN" i="1">
                       <a:latin typeface="Times New Roman" panose="02020603050405020304" pitchFamily="18" charset="0"/>
                       <a:cs typeface="Times New Roman" panose="02020603050405020304" pitchFamily="18" charset="0"/>
                     </a:rPr>
@@ -4276,7 +4002,7 @@
               <a:lstStyle/>
               <a:p>
                 <a:r>
-                  <a:rPr lang="en-US" altLang="zh-CN" sz="1400" dirty="0">
+                  <a:rPr lang="en-US" altLang="zh-CN" sz="1400">
                     <a:latin typeface="Times New Roman" panose="02020603050405020304" pitchFamily="18" charset="0"/>
                     <a:cs typeface="Times New Roman" panose="02020603050405020304" pitchFamily="18" charset="0"/>
                   </a:rPr>
@@ -4319,7 +4045,7 @@
             <a:lstStyle/>
             <a:p>
               <a:r>
-                <a:rPr lang="en-US" altLang="zh-CN" sz="1400" dirty="0">
+                <a:rPr lang="en-US" altLang="zh-CN" sz="1400">
                   <a:latin typeface="Times New Roman" panose="02020603050405020304" pitchFamily="18" charset="0"/>
                   <a:cs typeface="Times New Roman" panose="02020603050405020304" pitchFamily="18" charset="0"/>
                 </a:rPr>
@@ -4361,7 +4087,7 @@
             <a:lstStyle/>
             <a:p>
               <a:r>
-                <a:rPr lang="en-US" altLang="zh-CN" sz="1400" dirty="0">
+                <a:rPr lang="en-US" altLang="zh-CN" sz="1400">
                   <a:latin typeface="Times New Roman" panose="02020603050405020304" pitchFamily="18" charset="0"/>
                   <a:cs typeface="Times New Roman" panose="02020603050405020304" pitchFamily="18" charset="0"/>
                 </a:rPr>
@@ -4567,6 +4293,7 @@
           <a:prstGeom prst="rect">
             <a:avLst/>
           </a:prstGeom>
+          <a:ln w="19050"/>
         </p:spPr>
         <p:style>
           <a:lnRef idx="2">
@@ -4590,7 +4317,7 @@
           <a:p>
             <a:pPr algn="ctr"/>
             <a:r>
-              <a:rPr lang="en-US" altLang="zh-CN" sz="1400" dirty="0">
+              <a:rPr lang="en-US" altLang="zh-CN" sz="1400">
                 <a:latin typeface="Times New Roman" panose="02020603050405020304" pitchFamily="18" charset="0"/>
                 <a:cs typeface="Times New Roman" panose="02020603050405020304" pitchFamily="18" charset="0"/>
               </a:rPr>
@@ -4623,6 +4350,7 @@
           <a:prstGeom prst="rect">
             <a:avLst/>
           </a:prstGeom>
+          <a:ln w="19050"/>
         </p:spPr>
         <p:style>
           <a:lnRef idx="2">
@@ -4646,7 +4374,7 @@
           <a:p>
             <a:pPr algn="ctr"/>
             <a:r>
-              <a:rPr lang="en-US" altLang="zh-CN" sz="1400" dirty="0">
+              <a:rPr lang="en-US" altLang="zh-CN" sz="1400">
                 <a:latin typeface="Times New Roman" panose="02020603050405020304" pitchFamily="18" charset="0"/>
                 <a:cs typeface="Times New Roman" panose="02020603050405020304" pitchFamily="18" charset="0"/>
               </a:rPr>
@@ -4679,6 +4407,7 @@
           <a:prstGeom prst="rect">
             <a:avLst/>
           </a:prstGeom>
+          <a:ln w="19050"/>
         </p:spPr>
         <p:style>
           <a:lnRef idx="2">
@@ -4702,7 +4431,7 @@
           <a:p>
             <a:pPr algn="ctr"/>
             <a:r>
-              <a:rPr lang="en-US" altLang="zh-CN" sz="1400" dirty="0">
+              <a:rPr lang="en-US" altLang="zh-CN" sz="1400">
                 <a:latin typeface="Times New Roman" panose="02020603050405020304" pitchFamily="18" charset="0"/>
                 <a:cs typeface="Times New Roman" panose="02020603050405020304" pitchFamily="18" charset="0"/>
               </a:rPr>
@@ -4828,15 +4557,13 @@
           </a:prstGeom>
         </p:spPr>
         <p:style>
-          <a:lnRef idx="2">
-            <a:schemeClr val="accent1">
-              <a:shade val="50000"/>
-            </a:schemeClr>
+          <a:lnRef idx="3">
+            <a:schemeClr val="lt1"/>
           </a:lnRef>
           <a:fillRef idx="1">
             <a:schemeClr val="accent1"/>
           </a:fillRef>
-          <a:effectRef idx="0">
+          <a:effectRef idx="1">
             <a:schemeClr val="accent1"/>
           </a:effectRef>
           <a:fontRef idx="minor">
@@ -4886,15 +4613,13 @@
           </a:prstGeom>
         </p:spPr>
         <p:style>
-          <a:lnRef idx="2">
-            <a:schemeClr val="accent1">
-              <a:shade val="50000"/>
-            </a:schemeClr>
+          <a:lnRef idx="3">
+            <a:schemeClr val="lt1"/>
           </a:lnRef>
           <a:fillRef idx="1">
             <a:schemeClr val="accent1"/>
           </a:fillRef>
-          <a:effectRef idx="0">
+          <a:effectRef idx="1">
             <a:schemeClr val="accent1"/>
           </a:effectRef>
           <a:fontRef idx="minor">
@@ -4944,15 +4669,13 @@
           </a:prstGeom>
         </p:spPr>
         <p:style>
-          <a:lnRef idx="2">
-            <a:schemeClr val="accent1">
-              <a:shade val="50000"/>
-            </a:schemeClr>
+          <a:lnRef idx="3">
+            <a:schemeClr val="lt1"/>
           </a:lnRef>
           <a:fillRef idx="1">
             <a:schemeClr val="accent1"/>
           </a:fillRef>
-          <a:effectRef idx="0">
+          <a:effectRef idx="1">
             <a:schemeClr val="accent1"/>
           </a:effectRef>
           <a:fontRef idx="minor">
@@ -5002,15 +4725,13 @@
           </a:prstGeom>
         </p:spPr>
         <p:style>
-          <a:lnRef idx="2">
-            <a:schemeClr val="accent1">
-              <a:shade val="50000"/>
-            </a:schemeClr>
+          <a:lnRef idx="3">
+            <a:schemeClr val="lt1"/>
           </a:lnRef>
           <a:fillRef idx="1">
             <a:schemeClr val="accent1"/>
           </a:fillRef>
-          <a:effectRef idx="0">
+          <a:effectRef idx="1">
             <a:schemeClr val="accent1"/>
           </a:effectRef>
           <a:fontRef idx="minor">
@@ -5036,6 +4757,345 @@
           </a:p>
         </p:txBody>
       </p:sp>
+      <p:cxnSp>
+        <p:nvCxnSpPr>
+          <p:cNvPr id="5" name="直接箭头连接符 4">
+            <a:extLst>
+              <a:ext uri="{FF2B5EF4-FFF2-40B4-BE49-F238E27FC236}">
+                <a16:creationId xmlns:a16="http://schemas.microsoft.com/office/drawing/2014/main" id="{0C4CE7C3-73F9-48E3-A172-74E43E30963D}"/>
+              </a:ext>
+            </a:extLst>
+          </p:cNvPr>
+          <p:cNvCxnSpPr>
+            <a:stCxn id="3" idx="3"/>
+            <a:endCxn id="52" idx="1"/>
+          </p:cNvCxnSpPr>
+          <p:nvPr/>
+        </p:nvCxnSpPr>
+        <p:spPr>
+          <a:xfrm flipV="1">
+            <a:off x="4353219" y="1815980"/>
+            <a:ext cx="969591" cy="567972"/>
+          </a:xfrm>
+          <a:prstGeom prst="straightConnector1">
+            <a:avLst/>
+          </a:prstGeom>
+          <a:ln>
+            <a:tailEnd type="triangle"/>
+          </a:ln>
+        </p:spPr>
+        <p:style>
+          <a:lnRef idx="3">
+            <a:schemeClr val="accent1"/>
+          </a:lnRef>
+          <a:fillRef idx="0">
+            <a:schemeClr val="accent1"/>
+          </a:fillRef>
+          <a:effectRef idx="2">
+            <a:schemeClr val="accent1"/>
+          </a:effectRef>
+          <a:fontRef idx="minor">
+            <a:schemeClr val="tx1"/>
+          </a:fontRef>
+        </p:style>
+      </p:cxnSp>
+      <p:cxnSp>
+        <p:nvCxnSpPr>
+          <p:cNvPr id="53" name="直接箭头连接符 52">
+            <a:extLst>
+              <a:ext uri="{FF2B5EF4-FFF2-40B4-BE49-F238E27FC236}">
+                <a16:creationId xmlns:a16="http://schemas.microsoft.com/office/drawing/2014/main" id="{AF87C116-9A8E-493F-89A6-0BBC8DD01347}"/>
+              </a:ext>
+            </a:extLst>
+          </p:cNvPr>
+          <p:cNvCxnSpPr>
+            <a:cxnSpLocks/>
+            <a:endCxn id="66" idx="1"/>
+          </p:cNvCxnSpPr>
+          <p:nvPr/>
+        </p:nvCxnSpPr>
+        <p:spPr>
+          <a:xfrm>
+            <a:off x="4353219" y="2505674"/>
+            <a:ext cx="969591" cy="443849"/>
+          </a:xfrm>
+          <a:prstGeom prst="straightConnector1">
+            <a:avLst/>
+          </a:prstGeom>
+          <a:ln>
+            <a:tailEnd type="triangle"/>
+          </a:ln>
+        </p:spPr>
+        <p:style>
+          <a:lnRef idx="3">
+            <a:schemeClr val="accent1"/>
+          </a:lnRef>
+          <a:fillRef idx="0">
+            <a:schemeClr val="accent1"/>
+          </a:fillRef>
+          <a:effectRef idx="2">
+            <a:schemeClr val="accent1"/>
+          </a:effectRef>
+          <a:fontRef idx="minor">
+            <a:schemeClr val="tx1"/>
+          </a:fontRef>
+        </p:style>
+      </p:cxnSp>
+      <p:cxnSp>
+        <p:nvCxnSpPr>
+          <p:cNvPr id="57" name="直接箭头连接符 56">
+            <a:extLst>
+              <a:ext uri="{FF2B5EF4-FFF2-40B4-BE49-F238E27FC236}">
+                <a16:creationId xmlns:a16="http://schemas.microsoft.com/office/drawing/2014/main" id="{AF56F0E7-7625-425D-AF11-6A3E337DEC2F}"/>
+              </a:ext>
+            </a:extLst>
+          </p:cNvPr>
+          <p:cNvCxnSpPr>
+            <a:cxnSpLocks/>
+            <a:stCxn id="52" idx="3"/>
+            <a:endCxn id="60" idx="1"/>
+          </p:cNvCxnSpPr>
+          <p:nvPr/>
+        </p:nvCxnSpPr>
+        <p:spPr>
+          <a:xfrm>
+            <a:off x="6210508" y="1815980"/>
+            <a:ext cx="1102838" cy="567972"/>
+          </a:xfrm>
+          <a:prstGeom prst="straightConnector1">
+            <a:avLst/>
+          </a:prstGeom>
+          <a:ln>
+            <a:tailEnd type="triangle"/>
+          </a:ln>
+        </p:spPr>
+        <p:style>
+          <a:lnRef idx="3">
+            <a:schemeClr val="accent1"/>
+          </a:lnRef>
+          <a:fillRef idx="0">
+            <a:schemeClr val="accent1"/>
+          </a:fillRef>
+          <a:effectRef idx="2">
+            <a:schemeClr val="accent1"/>
+          </a:effectRef>
+          <a:fontRef idx="minor">
+            <a:schemeClr val="tx1"/>
+          </a:fontRef>
+        </p:style>
+      </p:cxnSp>
+      <p:cxnSp>
+        <p:nvCxnSpPr>
+          <p:cNvPr id="61" name="直接箭头连接符 60">
+            <a:extLst>
+              <a:ext uri="{FF2B5EF4-FFF2-40B4-BE49-F238E27FC236}">
+                <a16:creationId xmlns:a16="http://schemas.microsoft.com/office/drawing/2014/main" id="{55CEC222-4C16-4366-8CF3-3BAD47B50181}"/>
+              </a:ext>
+            </a:extLst>
+          </p:cNvPr>
+          <p:cNvCxnSpPr>
+            <a:cxnSpLocks/>
+            <a:stCxn id="66" idx="3"/>
+          </p:cNvCxnSpPr>
+          <p:nvPr/>
+        </p:nvCxnSpPr>
+        <p:spPr>
+          <a:xfrm flipV="1">
+            <a:off x="6210508" y="2529982"/>
+            <a:ext cx="1102838" cy="419541"/>
+          </a:xfrm>
+          <a:prstGeom prst="straightConnector1">
+            <a:avLst/>
+          </a:prstGeom>
+          <a:ln>
+            <a:tailEnd type="triangle"/>
+          </a:ln>
+        </p:spPr>
+        <p:style>
+          <a:lnRef idx="3">
+            <a:schemeClr val="accent1"/>
+          </a:lnRef>
+          <a:fillRef idx="0">
+            <a:schemeClr val="accent1"/>
+          </a:fillRef>
+          <a:effectRef idx="2">
+            <a:schemeClr val="accent1"/>
+          </a:effectRef>
+          <a:fontRef idx="minor">
+            <a:schemeClr val="tx1"/>
+          </a:fontRef>
+        </p:style>
+      </p:cxnSp>
+      <p:cxnSp>
+        <p:nvCxnSpPr>
+          <p:cNvPr id="62" name="直接箭头连接符 61">
+            <a:extLst>
+              <a:ext uri="{FF2B5EF4-FFF2-40B4-BE49-F238E27FC236}">
+                <a16:creationId xmlns:a16="http://schemas.microsoft.com/office/drawing/2014/main" id="{5A2015B3-DCA9-41D8-8D4C-583C8A254689}"/>
+              </a:ext>
+            </a:extLst>
+          </p:cNvPr>
+          <p:cNvCxnSpPr>
+            <a:cxnSpLocks/>
+            <a:stCxn id="79" idx="3"/>
+            <a:endCxn id="80" idx="1"/>
+          </p:cNvCxnSpPr>
+          <p:nvPr/>
+        </p:nvCxnSpPr>
+        <p:spPr>
+          <a:xfrm flipV="1">
+            <a:off x="4367201" y="4896018"/>
+            <a:ext cx="969591" cy="567972"/>
+          </a:xfrm>
+          <a:prstGeom prst="straightConnector1">
+            <a:avLst/>
+          </a:prstGeom>
+          <a:ln>
+            <a:tailEnd type="triangle"/>
+          </a:ln>
+        </p:spPr>
+        <p:style>
+          <a:lnRef idx="3">
+            <a:schemeClr val="accent1"/>
+          </a:lnRef>
+          <a:fillRef idx="0">
+            <a:schemeClr val="accent1"/>
+          </a:fillRef>
+          <a:effectRef idx="2">
+            <a:schemeClr val="accent1"/>
+          </a:effectRef>
+          <a:fontRef idx="minor">
+            <a:schemeClr val="tx1"/>
+          </a:fontRef>
+        </p:style>
+      </p:cxnSp>
+      <p:cxnSp>
+        <p:nvCxnSpPr>
+          <p:cNvPr id="65" name="直接箭头连接符 64">
+            <a:extLst>
+              <a:ext uri="{FF2B5EF4-FFF2-40B4-BE49-F238E27FC236}">
+                <a16:creationId xmlns:a16="http://schemas.microsoft.com/office/drawing/2014/main" id="{FE59EB64-F0CA-45E6-BBF1-32A498F70D9A}"/>
+              </a:ext>
+            </a:extLst>
+          </p:cNvPr>
+          <p:cNvCxnSpPr>
+            <a:cxnSpLocks/>
+            <a:endCxn id="82" idx="1"/>
+          </p:cNvCxnSpPr>
+          <p:nvPr/>
+        </p:nvCxnSpPr>
+        <p:spPr>
+          <a:xfrm>
+            <a:off x="4367201" y="5585712"/>
+            <a:ext cx="969591" cy="443849"/>
+          </a:xfrm>
+          <a:prstGeom prst="straightConnector1">
+            <a:avLst/>
+          </a:prstGeom>
+          <a:ln>
+            <a:tailEnd type="triangle"/>
+          </a:ln>
+        </p:spPr>
+        <p:style>
+          <a:lnRef idx="3">
+            <a:schemeClr val="accent1"/>
+          </a:lnRef>
+          <a:fillRef idx="0">
+            <a:schemeClr val="accent1"/>
+          </a:fillRef>
+          <a:effectRef idx="2">
+            <a:schemeClr val="accent1"/>
+          </a:effectRef>
+          <a:fontRef idx="minor">
+            <a:schemeClr val="tx1"/>
+          </a:fontRef>
+        </p:style>
+      </p:cxnSp>
+      <p:cxnSp>
+        <p:nvCxnSpPr>
+          <p:cNvPr id="68" name="直接箭头连接符 67">
+            <a:extLst>
+              <a:ext uri="{FF2B5EF4-FFF2-40B4-BE49-F238E27FC236}">
+                <a16:creationId xmlns:a16="http://schemas.microsoft.com/office/drawing/2014/main" id="{462F0A89-92D5-4D7C-9EE3-E2E9E205E422}"/>
+              </a:ext>
+            </a:extLst>
+          </p:cNvPr>
+          <p:cNvCxnSpPr>
+            <a:cxnSpLocks/>
+            <a:stCxn id="80" idx="3"/>
+            <a:endCxn id="81" idx="1"/>
+          </p:cNvCxnSpPr>
+          <p:nvPr/>
+        </p:nvCxnSpPr>
+        <p:spPr>
+          <a:xfrm>
+            <a:off x="6224490" y="4896018"/>
+            <a:ext cx="1102838" cy="567972"/>
+          </a:xfrm>
+          <a:prstGeom prst="straightConnector1">
+            <a:avLst/>
+          </a:prstGeom>
+          <a:ln>
+            <a:tailEnd type="triangle"/>
+          </a:ln>
+        </p:spPr>
+        <p:style>
+          <a:lnRef idx="3">
+            <a:schemeClr val="accent1"/>
+          </a:lnRef>
+          <a:fillRef idx="0">
+            <a:schemeClr val="accent1"/>
+          </a:fillRef>
+          <a:effectRef idx="2">
+            <a:schemeClr val="accent1"/>
+          </a:effectRef>
+          <a:fontRef idx="minor">
+            <a:schemeClr val="tx1"/>
+          </a:fontRef>
+        </p:style>
+      </p:cxnSp>
+      <p:cxnSp>
+        <p:nvCxnSpPr>
+          <p:cNvPr id="83" name="直接箭头连接符 82">
+            <a:extLst>
+              <a:ext uri="{FF2B5EF4-FFF2-40B4-BE49-F238E27FC236}">
+                <a16:creationId xmlns:a16="http://schemas.microsoft.com/office/drawing/2014/main" id="{D4D39D6F-C587-40BB-ADEC-3B753491E15E}"/>
+              </a:ext>
+            </a:extLst>
+          </p:cNvPr>
+          <p:cNvCxnSpPr>
+            <a:cxnSpLocks/>
+            <a:stCxn id="82" idx="3"/>
+          </p:cNvCxnSpPr>
+          <p:nvPr/>
+        </p:nvCxnSpPr>
+        <p:spPr>
+          <a:xfrm flipV="1">
+            <a:off x="6224490" y="5610020"/>
+            <a:ext cx="1088856" cy="419541"/>
+          </a:xfrm>
+          <a:prstGeom prst="straightConnector1">
+            <a:avLst/>
+          </a:prstGeom>
+          <a:ln>
+            <a:tailEnd type="triangle"/>
+          </a:ln>
+        </p:spPr>
+        <p:style>
+          <a:lnRef idx="3">
+            <a:schemeClr val="accent1"/>
+          </a:lnRef>
+          <a:fillRef idx="0">
+            <a:schemeClr val="accent1"/>
+          </a:fillRef>
+          <a:effectRef idx="2">
+            <a:schemeClr val="accent1"/>
+          </a:effectRef>
+          <a:fontRef idx="minor">
+            <a:schemeClr val="tx1"/>
+          </a:fontRef>
+        </p:style>
+      </p:cxnSp>
     </p:spTree>
     <p:extLst>
       <p:ext uri="{BB962C8B-B14F-4D97-AF65-F5344CB8AC3E}">

--- a/docs/Figure2.pptx
+++ b/docs/Figure2.pptx
@@ -6,6 +6,8 @@
   </p:sldMasterIdLst>
   <p:sldIdLst>
     <p:sldId id="265" r:id="rId2"/>
+    <p:sldId id="266" r:id="rId3"/>
+    <p:sldId id="267" r:id="rId4"/>
   </p:sldIdLst>
   <p:sldSz cx="12192000" cy="6858000"/>
   <p:notesSz cx="6858000" cy="9144000"/>
@@ -2932,7 +2934,7 @@
 </file>
 
 <file path=ppt/slides/slide1.xml><?xml version="1.0" encoding="utf-8"?>
-<p:sld xmlns:a="http://schemas.openxmlformats.org/drawingml/2006/main" xmlns:r="http://schemas.openxmlformats.org/officeDocument/2006/relationships" xmlns:p="http://schemas.openxmlformats.org/presentationml/2006/main">
+<p:sld xmlns:a="http://schemas.openxmlformats.org/drawingml/2006/main" xmlns:r="http://schemas.openxmlformats.org/officeDocument/2006/relationships" xmlns:p="http://schemas.openxmlformats.org/presentationml/2006/main" show="0">
   <p:cSld>
     <p:spTree>
       <p:nvGrpSpPr>
@@ -3142,6 +3144,9 @@
               <a:gd name="adj" fmla="val 27062"/>
             </a:avLst>
           </a:prstGeom>
+          <a:ln>
+            <a:noFill/>
+          </a:ln>
         </p:spPr>
         <p:style>
           <a:lnRef idx="3">
@@ -3198,6 +3203,9 @@
               <a:gd name="adj" fmla="val 27062"/>
             </a:avLst>
           </a:prstGeom>
+          <a:ln>
+            <a:noFill/>
+          </a:ln>
         </p:spPr>
         <p:style>
           <a:lnRef idx="3">
@@ -3254,6 +3262,9 @@
               <a:gd name="adj" fmla="val 27062"/>
             </a:avLst>
           </a:prstGeom>
+          <a:ln>
+            <a:noFill/>
+          </a:ln>
         </p:spPr>
         <p:style>
           <a:lnRef idx="3">
@@ -3303,6 +3314,9 @@
               <a:gd name="adj" fmla="val 27062"/>
             </a:avLst>
           </a:prstGeom>
+          <a:ln>
+            <a:noFill/>
+          </a:ln>
         </p:spPr>
         <p:style>
           <a:lnRef idx="3">
@@ -4555,6 +4569,9 @@
               <a:gd name="adj" fmla="val 27062"/>
             </a:avLst>
           </a:prstGeom>
+          <a:ln>
+            <a:noFill/>
+          </a:ln>
         </p:spPr>
         <p:style>
           <a:lnRef idx="3">
@@ -4611,6 +4628,9 @@
               <a:gd name="adj" fmla="val 27062"/>
             </a:avLst>
           </a:prstGeom>
+          <a:ln>
+            <a:noFill/>
+          </a:ln>
         </p:spPr>
         <p:style>
           <a:lnRef idx="3">
@@ -4667,6 +4687,9 @@
               <a:gd name="adj" fmla="val 27062"/>
             </a:avLst>
           </a:prstGeom>
+          <a:ln>
+            <a:noFill/>
+          </a:ln>
         </p:spPr>
         <p:style>
           <a:lnRef idx="3">
@@ -4723,6 +4746,9 @@
               <a:gd name="adj" fmla="val 27062"/>
             </a:avLst>
           </a:prstGeom>
+          <a:ln>
+            <a:noFill/>
+          </a:ln>
         </p:spPr>
         <p:style>
           <a:lnRef idx="3">
@@ -4937,14 +4963,12 @@
           </p:cNvPr>
           <p:cNvCxnSpPr>
             <a:cxnSpLocks/>
-            <a:stCxn id="79" idx="3"/>
-            <a:endCxn id="80" idx="1"/>
           </p:cNvCxnSpPr>
           <p:nvPr/>
         </p:nvCxnSpPr>
         <p:spPr>
           <a:xfrm flipV="1">
-            <a:off x="4367201" y="4896018"/>
+            <a:off x="4367201" y="4872206"/>
             <a:ext cx="969591" cy="567972"/>
           </a:xfrm>
           <a:prstGeom prst="straightConnector1">
@@ -5071,8 +5095,233 @@
         </p:nvCxnSpPr>
         <p:spPr>
           <a:xfrm flipV="1">
-            <a:off x="6224490" y="5610020"/>
-            <a:ext cx="1088856" cy="419541"/>
+            <a:off x="6224490" y="5610021"/>
+            <a:ext cx="1088856" cy="419540"/>
+          </a:xfrm>
+          <a:prstGeom prst="straightConnector1">
+            <a:avLst/>
+          </a:prstGeom>
+          <a:ln>
+            <a:tailEnd type="triangle"/>
+          </a:ln>
+        </p:spPr>
+        <p:style>
+          <a:lnRef idx="3">
+            <a:schemeClr val="accent1"/>
+          </a:lnRef>
+          <a:fillRef idx="0">
+            <a:schemeClr val="accent1"/>
+          </a:fillRef>
+          <a:effectRef idx="2">
+            <a:schemeClr val="accent1"/>
+          </a:effectRef>
+          <a:fontRef idx="minor">
+            <a:schemeClr val="tx1"/>
+          </a:fontRef>
+        </p:style>
+      </p:cxnSp>
+      <p:cxnSp>
+        <p:nvCxnSpPr>
+          <p:cNvPr id="54" name="直接箭头连接符 53">
+            <a:extLst>
+              <a:ext uri="{FF2B5EF4-FFF2-40B4-BE49-F238E27FC236}">
+                <a16:creationId xmlns:a16="http://schemas.microsoft.com/office/drawing/2014/main" id="{7BE7DFEA-379D-4B16-8233-F34FD9A1C0AC}"/>
+              </a:ext>
+            </a:extLst>
+          </p:cNvPr>
+          <p:cNvCxnSpPr>
+            <a:cxnSpLocks/>
+          </p:cNvCxnSpPr>
+          <p:nvPr/>
+        </p:nvCxnSpPr>
+        <p:spPr>
+          <a:xfrm flipV="1">
+            <a:off x="4360210" y="4757845"/>
+            <a:ext cx="969591" cy="567972"/>
+          </a:xfrm>
+          <a:prstGeom prst="straightConnector1">
+            <a:avLst/>
+          </a:prstGeom>
+          <a:ln w="12700" cap="flat" cmpd="sng" algn="ctr">
+            <a:solidFill>
+              <a:schemeClr val="accent6"/>
+            </a:solidFill>
+            <a:prstDash val="dash"/>
+            <a:round/>
+            <a:headEnd type="none" w="med" len="med"/>
+            <a:tailEnd type="arrow" w="med" len="med"/>
+          </a:ln>
+        </p:spPr>
+        <p:style>
+          <a:lnRef idx="0">
+            <a:scrgbClr r="0" g="0" b="0"/>
+          </a:lnRef>
+          <a:fillRef idx="0">
+            <a:scrgbClr r="0" g="0" b="0"/>
+          </a:fillRef>
+          <a:effectRef idx="0">
+            <a:scrgbClr r="0" g="0" b="0"/>
+          </a:effectRef>
+          <a:fontRef idx="minor">
+            <a:schemeClr val="tx1"/>
+          </a:fontRef>
+        </p:style>
+      </p:cxnSp>
+      <p:cxnSp>
+        <p:nvCxnSpPr>
+          <p:cNvPr id="55" name="直接箭头连接符 54">
+            <a:extLst>
+              <a:ext uri="{FF2B5EF4-FFF2-40B4-BE49-F238E27FC236}">
+                <a16:creationId xmlns:a16="http://schemas.microsoft.com/office/drawing/2014/main" id="{14D7E903-3AA5-472F-8EF5-C256958A35B1}"/>
+              </a:ext>
+            </a:extLst>
+          </p:cNvPr>
+          <p:cNvCxnSpPr>
+            <a:cxnSpLocks/>
+          </p:cNvCxnSpPr>
+          <p:nvPr/>
+        </p:nvCxnSpPr>
+        <p:spPr>
+          <a:xfrm>
+            <a:off x="6217499" y="4784927"/>
+            <a:ext cx="253151" cy="138588"/>
+          </a:xfrm>
+          <a:prstGeom prst="straightConnector1">
+            <a:avLst/>
+          </a:prstGeom>
+          <a:ln w="12700" cap="flat" cmpd="sng" algn="ctr">
+            <a:solidFill>
+              <a:schemeClr val="accent6"/>
+            </a:solidFill>
+            <a:prstDash val="dash"/>
+            <a:round/>
+            <a:headEnd type="none" w="med" len="med"/>
+            <a:tailEnd type="arrow" w="med" len="med"/>
+          </a:ln>
+        </p:spPr>
+        <p:style>
+          <a:lnRef idx="0">
+            <a:scrgbClr r="0" g="0" b="0"/>
+          </a:lnRef>
+          <a:fillRef idx="0">
+            <a:scrgbClr r="0" g="0" b="0"/>
+          </a:fillRef>
+          <a:effectRef idx="0">
+            <a:scrgbClr r="0" g="0" b="0"/>
+          </a:effectRef>
+          <a:fontRef idx="minor">
+            <a:schemeClr val="tx1"/>
+          </a:fontRef>
+        </p:style>
+      </p:cxnSp>
+      <p:cxnSp>
+        <p:nvCxnSpPr>
+          <p:cNvPr id="63" name="直接箭头连接符 62">
+            <a:extLst>
+              <a:ext uri="{FF2B5EF4-FFF2-40B4-BE49-F238E27FC236}">
+                <a16:creationId xmlns:a16="http://schemas.microsoft.com/office/drawing/2014/main" id="{A01E5C03-1D95-4A34-B22C-011714E0F820}"/>
+              </a:ext>
+            </a:extLst>
+          </p:cNvPr>
+          <p:cNvCxnSpPr>
+            <a:cxnSpLocks/>
+          </p:cNvCxnSpPr>
+          <p:nvPr/>
+        </p:nvCxnSpPr>
+        <p:spPr>
+          <a:xfrm>
+            <a:off x="3250381" y="5361299"/>
+            <a:ext cx="229707" cy="0"/>
+          </a:xfrm>
+          <a:prstGeom prst="straightConnector1">
+            <a:avLst/>
+          </a:prstGeom>
+          <a:ln w="12700" cap="flat" cmpd="sng" algn="ctr">
+            <a:solidFill>
+              <a:schemeClr val="accent6"/>
+            </a:solidFill>
+            <a:prstDash val="dash"/>
+            <a:round/>
+            <a:headEnd type="none" w="med" len="med"/>
+            <a:tailEnd type="arrow" w="med" len="med"/>
+          </a:ln>
+        </p:spPr>
+        <p:style>
+          <a:lnRef idx="0">
+            <a:scrgbClr r="0" g="0" b="0"/>
+          </a:lnRef>
+          <a:fillRef idx="0">
+            <a:scrgbClr r="0" g="0" b="0"/>
+          </a:fillRef>
+          <a:effectRef idx="0">
+            <a:scrgbClr r="0" g="0" b="0"/>
+          </a:effectRef>
+          <a:fontRef idx="minor">
+            <a:schemeClr val="tx1"/>
+          </a:fontRef>
+        </p:style>
+      </p:cxnSp>
+      <p:cxnSp>
+        <p:nvCxnSpPr>
+          <p:cNvPr id="84" name="直接箭头连接符 83">
+            <a:extLst>
+              <a:ext uri="{FF2B5EF4-FFF2-40B4-BE49-F238E27FC236}">
+                <a16:creationId xmlns:a16="http://schemas.microsoft.com/office/drawing/2014/main" id="{FBCB822F-1F57-4060-8F7C-704EFCAC6988}"/>
+              </a:ext>
+            </a:extLst>
+          </p:cNvPr>
+          <p:cNvCxnSpPr>
+            <a:cxnSpLocks/>
+            <a:endCxn id="3" idx="1"/>
+          </p:cNvCxnSpPr>
+          <p:nvPr/>
+        </p:nvCxnSpPr>
+        <p:spPr>
+          <a:xfrm flipV="1">
+            <a:off x="3250381" y="2383952"/>
+            <a:ext cx="215140" cy="2702"/>
+          </a:xfrm>
+          <a:prstGeom prst="straightConnector1">
+            <a:avLst/>
+          </a:prstGeom>
+          <a:ln>
+            <a:tailEnd type="triangle"/>
+          </a:ln>
+        </p:spPr>
+        <p:style>
+          <a:lnRef idx="3">
+            <a:schemeClr val="accent1"/>
+          </a:lnRef>
+          <a:fillRef idx="0">
+            <a:schemeClr val="accent1"/>
+          </a:fillRef>
+          <a:effectRef idx="2">
+            <a:schemeClr val="accent1"/>
+          </a:effectRef>
+          <a:fontRef idx="minor">
+            <a:schemeClr val="tx1"/>
+          </a:fontRef>
+        </p:style>
+      </p:cxnSp>
+      <p:cxnSp>
+        <p:nvCxnSpPr>
+          <p:cNvPr id="85" name="直接箭头连接符 84">
+            <a:extLst>
+              <a:ext uri="{FF2B5EF4-FFF2-40B4-BE49-F238E27FC236}">
+                <a16:creationId xmlns:a16="http://schemas.microsoft.com/office/drawing/2014/main" id="{D0ABD40D-234D-48D8-A8E4-10D2F560FF2B}"/>
+              </a:ext>
+            </a:extLst>
+          </p:cNvPr>
+          <p:cNvCxnSpPr>
+            <a:cxnSpLocks/>
+            <a:endCxn id="79" idx="1"/>
+          </p:cNvCxnSpPr>
+          <p:nvPr/>
+        </p:nvCxnSpPr>
+        <p:spPr>
+          <a:xfrm>
+            <a:off x="3250381" y="5463990"/>
+            <a:ext cx="229122" cy="0"/>
           </a:xfrm>
           <a:prstGeom prst="straightConnector1">
             <a:avLst/>
@@ -5100,6 +5349,2311 @@
     <p:extLst>
       <p:ext uri="{BB962C8B-B14F-4D97-AF65-F5344CB8AC3E}">
         <p14:creationId xmlns:p14="http://schemas.microsoft.com/office/powerpoint/2010/main" val="2158545166"/>
+      </p:ext>
+    </p:extLst>
+  </p:cSld>
+  <p:clrMapOvr>
+    <a:masterClrMapping/>
+  </p:clrMapOvr>
+</p:sld>
+</file>
+
+<file path=ppt/slides/slide2.xml><?xml version="1.0" encoding="utf-8"?>
+<p:sld xmlns:a="http://schemas.openxmlformats.org/drawingml/2006/main" xmlns:r="http://schemas.openxmlformats.org/officeDocument/2006/relationships" xmlns:p="http://schemas.openxmlformats.org/presentationml/2006/main">
+  <p:cSld>
+    <p:spTree>
+      <p:nvGrpSpPr>
+        <p:cNvPr id="1" name=""/>
+        <p:cNvGrpSpPr/>
+        <p:nvPr/>
+      </p:nvGrpSpPr>
+      <p:grpSpPr>
+        <a:xfrm>
+          <a:off x="0" y="0"/>
+          <a:ext cx="0" cy="0"/>
+          <a:chOff x="0" y="0"/>
+          <a:chExt cx="0" cy="0"/>
+        </a:xfrm>
+      </p:grpSpPr>
+      <p:cxnSp>
+        <p:nvCxnSpPr>
+          <p:cNvPr id="118" name="直接连接符 117">
+            <a:extLst>
+              <a:ext uri="{FF2B5EF4-FFF2-40B4-BE49-F238E27FC236}">
+                <a16:creationId xmlns:a16="http://schemas.microsoft.com/office/drawing/2014/main" id="{E4EDE736-E9C8-4BC0-B433-FB49357F870C}"/>
+              </a:ext>
+            </a:extLst>
+          </p:cNvPr>
+          <p:cNvCxnSpPr>
+            <a:cxnSpLocks/>
+            <a:stCxn id="146" idx="3"/>
+            <a:endCxn id="147" idx="1"/>
+          </p:cNvCxnSpPr>
+          <p:nvPr/>
+        </p:nvCxnSpPr>
+        <p:spPr>
+          <a:xfrm flipV="1">
+            <a:off x="4305594" y="3168530"/>
+            <a:ext cx="969591" cy="567972"/>
+          </a:xfrm>
+          <a:prstGeom prst="line">
+            <a:avLst/>
+          </a:prstGeom>
+          <a:ln w="19050"/>
+        </p:spPr>
+        <p:style>
+          <a:lnRef idx="1">
+            <a:schemeClr val="accent1"/>
+          </a:lnRef>
+          <a:fillRef idx="0">
+            <a:schemeClr val="accent1"/>
+          </a:fillRef>
+          <a:effectRef idx="0">
+            <a:schemeClr val="accent1"/>
+          </a:effectRef>
+          <a:fontRef idx="minor">
+            <a:schemeClr val="tx1"/>
+          </a:fontRef>
+        </p:style>
+      </p:cxnSp>
+      <p:grpSp>
+        <p:nvGrpSpPr>
+          <p:cNvPr id="123" name="组合 122">
+            <a:extLst>
+              <a:ext uri="{FF2B5EF4-FFF2-40B4-BE49-F238E27FC236}">
+                <a16:creationId xmlns:a16="http://schemas.microsoft.com/office/drawing/2014/main" id="{AA1C4EA3-E6E5-48CF-8D1C-23ED8D8B36C2}"/>
+              </a:ext>
+            </a:extLst>
+          </p:cNvPr>
+          <p:cNvGrpSpPr/>
+          <p:nvPr/>
+        </p:nvGrpSpPr>
+        <p:grpSpPr>
+          <a:xfrm>
+            <a:off x="3417896" y="1679923"/>
+            <a:ext cx="2635857" cy="1399359"/>
+            <a:chOff x="2730902" y="68731"/>
+            <a:chExt cx="2635857" cy="1399359"/>
+          </a:xfrm>
+        </p:grpSpPr>
+        <p:grpSp>
+          <p:nvGrpSpPr>
+            <p:cNvPr id="124" name="组合 123">
+              <a:extLst>
+                <a:ext uri="{FF2B5EF4-FFF2-40B4-BE49-F238E27FC236}">
+                  <a16:creationId xmlns:a16="http://schemas.microsoft.com/office/drawing/2014/main" id="{24B8B23F-471C-4B73-B523-BCE1C28E4109}"/>
+                </a:ext>
+              </a:extLst>
+            </p:cNvPr>
+            <p:cNvGrpSpPr/>
+            <p:nvPr/>
+          </p:nvGrpSpPr>
+          <p:grpSpPr>
+            <a:xfrm>
+              <a:off x="2730902" y="68731"/>
+              <a:ext cx="2635857" cy="1399359"/>
+              <a:chOff x="2730902" y="68731"/>
+              <a:chExt cx="2635857" cy="1399359"/>
+            </a:xfrm>
+          </p:grpSpPr>
+          <p:grpSp>
+            <p:nvGrpSpPr>
+              <p:cNvPr id="127" name="组合 126">
+                <a:extLst>
+                  <a:ext uri="{FF2B5EF4-FFF2-40B4-BE49-F238E27FC236}">
+                    <a16:creationId xmlns:a16="http://schemas.microsoft.com/office/drawing/2014/main" id="{D1B3F97C-DE24-40F2-B078-86D15EE5C943}"/>
+                  </a:ext>
+                </a:extLst>
+              </p:cNvPr>
+              <p:cNvGrpSpPr/>
+              <p:nvPr/>
+            </p:nvGrpSpPr>
+            <p:grpSpPr>
+              <a:xfrm>
+                <a:off x="2730902" y="68731"/>
+                <a:ext cx="2635857" cy="1399359"/>
+                <a:chOff x="2547176" y="1080081"/>
+                <a:chExt cx="2635857" cy="1399359"/>
+              </a:xfrm>
+            </p:grpSpPr>
+            <p:sp>
+              <p:nvSpPr>
+                <p:cNvPr id="129" name="矩形 128">
+                  <a:extLst>
+                    <a:ext uri="{FF2B5EF4-FFF2-40B4-BE49-F238E27FC236}">
+                      <a16:creationId xmlns:a16="http://schemas.microsoft.com/office/drawing/2014/main" id="{33B34ABB-DF58-41BA-968A-433BA7A60FEB}"/>
+                    </a:ext>
+                  </a:extLst>
+                </p:cNvPr>
+                <p:cNvSpPr/>
+                <p:nvPr/>
+              </p:nvSpPr>
+              <p:spPr>
+                <a:xfrm>
+                  <a:off x="2678128" y="1449594"/>
+                  <a:ext cx="576000" cy="411583"/>
+                </a:xfrm>
+                <a:prstGeom prst="rect">
+                  <a:avLst/>
+                </a:prstGeom>
+                <a:ln w="19050"/>
+              </p:spPr>
+              <p:style>
+                <a:lnRef idx="2">
+                  <a:schemeClr val="accent6">
+                    <a:shade val="50000"/>
+                  </a:schemeClr>
+                </a:lnRef>
+                <a:fillRef idx="1">
+                  <a:schemeClr val="accent6"/>
+                </a:fillRef>
+                <a:effectRef idx="0">
+                  <a:schemeClr val="accent6"/>
+                </a:effectRef>
+                <a:fontRef idx="minor">
+                  <a:schemeClr val="lt1"/>
+                </a:fontRef>
+              </p:style>
+              <p:txBody>
+                <a:bodyPr rtlCol="0" anchor="ctr"/>
+                <a:lstStyle/>
+                <a:p>
+                  <a:pPr algn="ctr"/>
+                  <a:r>
+                    <a:rPr lang="en-US" altLang="zh-CN">
+                      <a:latin typeface="Times New Roman" panose="02020603050405020304" pitchFamily="18" charset="0"/>
+                      <a:cs typeface="Times New Roman" panose="02020603050405020304" pitchFamily="18" charset="0"/>
+                    </a:rPr>
+                    <a:t>50</a:t>
+                  </a:r>
+                  <a:endParaRPr lang="zh-CN" altLang="en-US" dirty="0">
+                    <a:latin typeface="Times New Roman" panose="02020603050405020304" pitchFamily="18" charset="0"/>
+                    <a:cs typeface="Times New Roman" panose="02020603050405020304" pitchFamily="18" charset="0"/>
+                  </a:endParaRPr>
+                </a:p>
+              </p:txBody>
+            </p:sp>
+            <p:sp>
+              <p:nvSpPr>
+                <p:cNvPr id="130" name="矩形 129">
+                  <a:extLst>
+                    <a:ext uri="{FF2B5EF4-FFF2-40B4-BE49-F238E27FC236}">
+                      <a16:creationId xmlns:a16="http://schemas.microsoft.com/office/drawing/2014/main" id="{7D9C3729-10AD-43DB-B76C-2BEE4CCFBE40}"/>
+                    </a:ext>
+                  </a:extLst>
+                </p:cNvPr>
+                <p:cNvSpPr/>
+                <p:nvPr/>
+              </p:nvSpPr>
+              <p:spPr>
+                <a:xfrm>
+                  <a:off x="3562628" y="1201271"/>
+                  <a:ext cx="576000" cy="411583"/>
+                </a:xfrm>
+                <a:prstGeom prst="rect">
+                  <a:avLst/>
+                </a:prstGeom>
+                <a:ln w="19050"/>
+              </p:spPr>
+              <p:style>
+                <a:lnRef idx="2">
+                  <a:schemeClr val="accent6">
+                    <a:shade val="50000"/>
+                  </a:schemeClr>
+                </a:lnRef>
+                <a:fillRef idx="1">
+                  <a:schemeClr val="accent6"/>
+                </a:fillRef>
+                <a:effectRef idx="0">
+                  <a:schemeClr val="accent6"/>
+                </a:effectRef>
+                <a:fontRef idx="minor">
+                  <a:schemeClr val="lt1"/>
+                </a:fontRef>
+              </p:style>
+              <p:txBody>
+                <a:bodyPr rtlCol="0" anchor="ctr"/>
+                <a:lstStyle/>
+                <a:p>
+                  <a:pPr algn="ctr"/>
+                  <a:r>
+                    <a:rPr lang="en-US" altLang="zh-CN">
+                      <a:latin typeface="Times New Roman" panose="02020603050405020304" pitchFamily="18" charset="0"/>
+                      <a:cs typeface="Times New Roman" panose="02020603050405020304" pitchFamily="18" charset="0"/>
+                    </a:rPr>
+                    <a:t>60</a:t>
+                  </a:r>
+                  <a:endParaRPr lang="zh-CN" altLang="en-US" dirty="0">
+                    <a:latin typeface="Times New Roman" panose="02020603050405020304" pitchFamily="18" charset="0"/>
+                    <a:cs typeface="Times New Roman" panose="02020603050405020304" pitchFamily="18" charset="0"/>
+                  </a:endParaRPr>
+                </a:p>
+              </p:txBody>
+            </p:sp>
+            <p:sp>
+              <p:nvSpPr>
+                <p:cNvPr id="131" name="矩形 130">
+                  <a:extLst>
+                    <a:ext uri="{FF2B5EF4-FFF2-40B4-BE49-F238E27FC236}">
+                      <a16:creationId xmlns:a16="http://schemas.microsoft.com/office/drawing/2014/main" id="{85DF7857-CBD3-4A3E-9C42-85321DFEEF3C}"/>
+                    </a:ext>
+                  </a:extLst>
+                </p:cNvPr>
+                <p:cNvSpPr/>
+                <p:nvPr/>
+              </p:nvSpPr>
+              <p:spPr>
+                <a:xfrm>
+                  <a:off x="4469043" y="1449594"/>
+                  <a:ext cx="576000" cy="411583"/>
+                </a:xfrm>
+                <a:prstGeom prst="rect">
+                  <a:avLst/>
+                </a:prstGeom>
+                <a:ln w="19050"/>
+              </p:spPr>
+              <p:style>
+                <a:lnRef idx="2">
+                  <a:schemeClr val="accent6">
+                    <a:shade val="50000"/>
+                  </a:schemeClr>
+                </a:lnRef>
+                <a:fillRef idx="1">
+                  <a:schemeClr val="accent6"/>
+                </a:fillRef>
+                <a:effectRef idx="0">
+                  <a:schemeClr val="accent6"/>
+                </a:effectRef>
+                <a:fontRef idx="minor">
+                  <a:schemeClr val="lt1"/>
+                </a:fontRef>
+              </p:style>
+              <p:txBody>
+                <a:bodyPr rtlCol="0" anchor="ctr"/>
+                <a:lstStyle/>
+                <a:p>
+                  <a:pPr algn="ctr"/>
+                  <a:r>
+                    <a:rPr lang="en-US" altLang="zh-CN">
+                      <a:latin typeface="Times New Roman" panose="02020603050405020304" pitchFamily="18" charset="0"/>
+                      <a:cs typeface="Times New Roman" panose="02020603050405020304" pitchFamily="18" charset="0"/>
+                    </a:rPr>
+                    <a:t>70</a:t>
+                  </a:r>
+                  <a:endParaRPr lang="zh-CN" altLang="en-US" dirty="0">
+                    <a:latin typeface="Times New Roman" panose="02020603050405020304" pitchFamily="18" charset="0"/>
+                    <a:cs typeface="Times New Roman" panose="02020603050405020304" pitchFamily="18" charset="0"/>
+                  </a:endParaRPr>
+                </a:p>
+              </p:txBody>
+            </p:sp>
+            <p:cxnSp>
+              <p:nvCxnSpPr>
+                <p:cNvPr id="132" name="直接箭头连接符 131">
+                  <a:extLst>
+                    <a:ext uri="{FF2B5EF4-FFF2-40B4-BE49-F238E27FC236}">
+                      <a16:creationId xmlns:a16="http://schemas.microsoft.com/office/drawing/2014/main" id="{63A01581-6ABC-41DB-B79C-D5C2219F1FD5}"/>
+                    </a:ext>
+                  </a:extLst>
+                </p:cNvPr>
+                <p:cNvCxnSpPr>
+                  <a:cxnSpLocks/>
+                  <a:stCxn id="129" idx="3"/>
+                  <a:endCxn id="130" idx="1"/>
+                </p:cNvCxnSpPr>
+                <p:nvPr/>
+              </p:nvCxnSpPr>
+              <p:spPr>
+                <a:xfrm flipV="1">
+                  <a:off x="3254128" y="1407063"/>
+                  <a:ext cx="308500" cy="248323"/>
+                </a:xfrm>
+                <a:prstGeom prst="straightConnector1">
+                  <a:avLst/>
+                </a:prstGeom>
+                <a:ln w="19050">
+                  <a:tailEnd type="triangle"/>
+                </a:ln>
+              </p:spPr>
+              <p:style>
+                <a:lnRef idx="1">
+                  <a:schemeClr val="accent6"/>
+                </a:lnRef>
+                <a:fillRef idx="0">
+                  <a:schemeClr val="accent6"/>
+                </a:fillRef>
+                <a:effectRef idx="0">
+                  <a:schemeClr val="accent6"/>
+                </a:effectRef>
+                <a:fontRef idx="minor">
+                  <a:schemeClr val="tx1"/>
+                </a:fontRef>
+              </p:style>
+            </p:cxnSp>
+            <p:cxnSp>
+              <p:nvCxnSpPr>
+                <p:cNvPr id="133" name="直接箭头连接符 132">
+                  <a:extLst>
+                    <a:ext uri="{FF2B5EF4-FFF2-40B4-BE49-F238E27FC236}">
+                      <a16:creationId xmlns:a16="http://schemas.microsoft.com/office/drawing/2014/main" id="{8E77CFF5-5EBC-4A60-AF51-B280159699C4}"/>
+                    </a:ext>
+                  </a:extLst>
+                </p:cNvPr>
+                <p:cNvCxnSpPr>
+                  <a:cxnSpLocks/>
+                  <a:stCxn id="130" idx="3"/>
+                  <a:endCxn id="131" idx="1"/>
+                </p:cNvCxnSpPr>
+                <p:nvPr/>
+              </p:nvCxnSpPr>
+              <p:spPr>
+                <a:xfrm>
+                  <a:off x="4138628" y="1407063"/>
+                  <a:ext cx="330415" cy="248323"/>
+                </a:xfrm>
+                <a:prstGeom prst="straightConnector1">
+                  <a:avLst/>
+                </a:prstGeom>
+                <a:ln w="19050">
+                  <a:tailEnd type="triangle"/>
+                </a:ln>
+              </p:spPr>
+              <p:style>
+                <a:lnRef idx="1">
+                  <a:schemeClr val="accent6"/>
+                </a:lnRef>
+                <a:fillRef idx="0">
+                  <a:schemeClr val="accent6"/>
+                </a:fillRef>
+                <a:effectRef idx="0">
+                  <a:schemeClr val="accent6"/>
+                </a:effectRef>
+                <a:fontRef idx="minor">
+                  <a:schemeClr val="tx1"/>
+                </a:fontRef>
+              </p:style>
+            </p:cxnSp>
+            <p:cxnSp>
+              <p:nvCxnSpPr>
+                <p:cNvPr id="134" name="直接箭头连接符 133">
+                  <a:extLst>
+                    <a:ext uri="{FF2B5EF4-FFF2-40B4-BE49-F238E27FC236}">
+                      <a16:creationId xmlns:a16="http://schemas.microsoft.com/office/drawing/2014/main" id="{F5C9352E-6B06-4ED8-B0A9-54C03D26F8DB}"/>
+                    </a:ext>
+                  </a:extLst>
+                </p:cNvPr>
+                <p:cNvCxnSpPr>
+                  <a:cxnSpLocks/>
+                </p:cNvCxnSpPr>
+                <p:nvPr/>
+              </p:nvCxnSpPr>
+              <p:spPr>
+                <a:xfrm>
+                  <a:off x="3160251" y="1983698"/>
+                  <a:ext cx="192730" cy="495742"/>
+                </a:xfrm>
+                <a:prstGeom prst="straightConnector1">
+                  <a:avLst/>
+                </a:prstGeom>
+                <a:ln>
+                  <a:tailEnd type="triangle"/>
+                </a:ln>
+              </p:spPr>
+              <p:style>
+                <a:lnRef idx="3">
+                  <a:schemeClr val="dk1"/>
+                </a:lnRef>
+                <a:fillRef idx="0">
+                  <a:schemeClr val="dk1"/>
+                </a:fillRef>
+                <a:effectRef idx="2">
+                  <a:schemeClr val="dk1"/>
+                </a:effectRef>
+                <a:fontRef idx="minor">
+                  <a:schemeClr val="tx1"/>
+                </a:fontRef>
+              </p:style>
+            </p:cxnSp>
+            <p:sp>
+              <p:nvSpPr>
+                <p:cNvPr id="135" name="文本框 134">
+                  <a:extLst>
+                    <a:ext uri="{FF2B5EF4-FFF2-40B4-BE49-F238E27FC236}">
+                      <a16:creationId xmlns:a16="http://schemas.microsoft.com/office/drawing/2014/main" id="{79103940-872E-4713-A673-96B036EFCEBE}"/>
+                    </a:ext>
+                  </a:extLst>
+                </p:cNvPr>
+                <p:cNvSpPr txBox="1"/>
+                <p:nvPr/>
+              </p:nvSpPr>
+              <p:spPr>
+                <a:xfrm>
+                  <a:off x="3268521" y="1980712"/>
+                  <a:ext cx="684803" cy="369332"/>
+                </a:xfrm>
+                <a:prstGeom prst="rect">
+                  <a:avLst/>
+                </a:prstGeom>
+                <a:noFill/>
+              </p:spPr>
+              <p:txBody>
+                <a:bodyPr wrap="none" rtlCol="0">
+                  <a:spAutoFit/>
+                </a:bodyPr>
+                <a:lstStyle/>
+                <a:p>
+                  <a:r>
+                    <a:rPr lang="en-US" altLang="zh-CN" i="1">
+                      <a:latin typeface="Times New Roman" panose="02020603050405020304" pitchFamily="18" charset="0"/>
+                      <a:cs typeface="Times New Roman" panose="02020603050405020304" pitchFamily="18" charset="0"/>
+                    </a:rPr>
+                    <a:t>place</a:t>
+                  </a:r>
+                  <a:endParaRPr lang="zh-CN" altLang="en-US" i="1" dirty="0">
+                    <a:latin typeface="Times New Roman" panose="02020603050405020304" pitchFamily="18" charset="0"/>
+                    <a:cs typeface="Times New Roman" panose="02020603050405020304" pitchFamily="18" charset="0"/>
+                  </a:endParaRPr>
+                </a:p>
+              </p:txBody>
+            </p:sp>
+            <p:sp>
+              <p:nvSpPr>
+                <p:cNvPr id="136" name="矩形 135">
+                  <a:extLst>
+                    <a:ext uri="{FF2B5EF4-FFF2-40B4-BE49-F238E27FC236}">
+                      <a16:creationId xmlns:a16="http://schemas.microsoft.com/office/drawing/2014/main" id="{D213E298-5466-42C0-9B4D-AF916ABC9675}"/>
+                    </a:ext>
+                  </a:extLst>
+                </p:cNvPr>
+                <p:cNvSpPr/>
+                <p:nvPr/>
+              </p:nvSpPr>
+              <p:spPr>
+                <a:xfrm>
+                  <a:off x="2547176" y="1080081"/>
+                  <a:ext cx="2635857" cy="904301"/>
+                </a:xfrm>
+                <a:prstGeom prst="rect">
+                  <a:avLst/>
+                </a:prstGeom>
+                <a:noFill/>
+                <a:ln w="12700">
+                  <a:prstDash val="dash"/>
+                </a:ln>
+              </p:spPr>
+              <p:style>
+                <a:lnRef idx="2">
+                  <a:schemeClr val="dk1"/>
+                </a:lnRef>
+                <a:fillRef idx="1">
+                  <a:schemeClr val="lt1"/>
+                </a:fillRef>
+                <a:effectRef idx="0">
+                  <a:schemeClr val="dk1"/>
+                </a:effectRef>
+                <a:fontRef idx="minor">
+                  <a:schemeClr val="dk1"/>
+                </a:fontRef>
+              </p:style>
+              <p:txBody>
+                <a:bodyPr rtlCol="0" anchor="ctr"/>
+                <a:lstStyle/>
+                <a:p>
+                  <a:pPr algn="ctr"/>
+                  <a:endParaRPr lang="zh-CN" altLang="en-US">
+                    <a:latin typeface="Times New Roman" panose="02020603050405020304" pitchFamily="18" charset="0"/>
+                    <a:cs typeface="Times New Roman" panose="02020603050405020304" pitchFamily="18" charset="0"/>
+                  </a:endParaRPr>
+                </a:p>
+              </p:txBody>
+            </p:sp>
+          </p:grpSp>
+          <p:sp>
+            <p:nvSpPr>
+              <p:cNvPr id="128" name="文本框 127">
+                <a:extLst>
+                  <a:ext uri="{FF2B5EF4-FFF2-40B4-BE49-F238E27FC236}">
+                    <a16:creationId xmlns:a16="http://schemas.microsoft.com/office/drawing/2014/main" id="{3A8F951A-4DA3-4C6E-A942-F8AACC29AE7B}"/>
+                  </a:ext>
+                </a:extLst>
+              </p:cNvPr>
+              <p:cNvSpPr txBox="1"/>
+              <p:nvPr/>
+            </p:nvSpPr>
+            <p:spPr>
+              <a:xfrm>
+                <a:off x="2861854" y="130760"/>
+                <a:ext cx="576000" cy="307777"/>
+              </a:xfrm>
+              <a:prstGeom prst="rect">
+                <a:avLst/>
+              </a:prstGeom>
+              <a:noFill/>
+            </p:spPr>
+            <p:txBody>
+              <a:bodyPr wrap="square" rtlCol="0">
+                <a:spAutoFit/>
+              </a:bodyPr>
+              <a:lstStyle/>
+              <a:p>
+                <a:r>
+                  <a:rPr lang="en-US" altLang="zh-CN" sz="1400">
+                    <a:latin typeface="Times New Roman" panose="02020603050405020304" pitchFamily="18" charset="0"/>
+                    <a:cs typeface="Times New Roman" panose="02020603050405020304" pitchFamily="18" charset="0"/>
+                  </a:rPr>
+                  <a:t>NF A</a:t>
+                </a:r>
+                <a:endParaRPr lang="zh-CN" altLang="en-US" sz="1400" dirty="0">
+                  <a:latin typeface="Times New Roman" panose="02020603050405020304" pitchFamily="18" charset="0"/>
+                  <a:cs typeface="Times New Roman" panose="02020603050405020304" pitchFamily="18" charset="0"/>
+                </a:endParaRPr>
+              </a:p>
+            </p:txBody>
+          </p:sp>
+        </p:grpSp>
+        <p:sp>
+          <p:nvSpPr>
+            <p:cNvPr id="125" name="文本框 124">
+              <a:extLst>
+                <a:ext uri="{FF2B5EF4-FFF2-40B4-BE49-F238E27FC236}">
+                  <a16:creationId xmlns:a16="http://schemas.microsoft.com/office/drawing/2014/main" id="{595D3EEB-7442-4CEF-B55B-C8284E7D02F9}"/>
+                </a:ext>
+              </a:extLst>
+            </p:cNvPr>
+            <p:cNvSpPr txBox="1"/>
+            <p:nvPr/>
+          </p:nvSpPr>
+          <p:spPr>
+            <a:xfrm>
+              <a:off x="3735058" y="601504"/>
+              <a:ext cx="576000" cy="307777"/>
+            </a:xfrm>
+            <a:prstGeom prst="rect">
+              <a:avLst/>
+            </a:prstGeom>
+            <a:noFill/>
+          </p:spPr>
+          <p:txBody>
+            <a:bodyPr wrap="square" rtlCol="0">
+              <a:spAutoFit/>
+            </a:bodyPr>
+            <a:lstStyle/>
+            <a:p>
+              <a:r>
+                <a:rPr lang="en-US" altLang="zh-CN" sz="1400">
+                  <a:latin typeface="Times New Roman" panose="02020603050405020304" pitchFamily="18" charset="0"/>
+                  <a:cs typeface="Times New Roman" panose="02020603050405020304" pitchFamily="18" charset="0"/>
+                </a:rPr>
+                <a:t>NF B</a:t>
+              </a:r>
+              <a:endParaRPr lang="zh-CN" altLang="en-US" sz="1400" dirty="0">
+                <a:latin typeface="Times New Roman" panose="02020603050405020304" pitchFamily="18" charset="0"/>
+                <a:cs typeface="Times New Roman" panose="02020603050405020304" pitchFamily="18" charset="0"/>
+              </a:endParaRPr>
+            </a:p>
+          </p:txBody>
+        </p:sp>
+        <p:sp>
+          <p:nvSpPr>
+            <p:cNvPr id="126" name="文本框 125">
+              <a:extLst>
+                <a:ext uri="{FF2B5EF4-FFF2-40B4-BE49-F238E27FC236}">
+                  <a16:creationId xmlns:a16="http://schemas.microsoft.com/office/drawing/2014/main" id="{C0651D78-2B17-4B7A-8132-1F8AE484D5DC}"/>
+                </a:ext>
+              </a:extLst>
+            </p:cNvPr>
+            <p:cNvSpPr txBox="1"/>
+            <p:nvPr/>
+          </p:nvSpPr>
+          <p:spPr>
+            <a:xfrm>
+              <a:off x="4654305" y="131489"/>
+              <a:ext cx="576000" cy="307777"/>
+            </a:xfrm>
+            <a:prstGeom prst="rect">
+              <a:avLst/>
+            </a:prstGeom>
+            <a:noFill/>
+          </p:spPr>
+          <p:txBody>
+            <a:bodyPr wrap="square" rtlCol="0">
+              <a:spAutoFit/>
+            </a:bodyPr>
+            <a:lstStyle/>
+            <a:p>
+              <a:r>
+                <a:rPr lang="en-US" altLang="zh-CN" sz="1400">
+                  <a:latin typeface="Times New Roman" panose="02020603050405020304" pitchFamily="18" charset="0"/>
+                  <a:cs typeface="Times New Roman" panose="02020603050405020304" pitchFamily="18" charset="0"/>
+                </a:rPr>
+                <a:t>NF C</a:t>
+              </a:r>
+              <a:endParaRPr lang="zh-CN" altLang="en-US" sz="1400" dirty="0">
+                <a:latin typeface="Times New Roman" panose="02020603050405020304" pitchFamily="18" charset="0"/>
+                <a:cs typeface="Times New Roman" panose="02020603050405020304" pitchFamily="18" charset="0"/>
+              </a:endParaRPr>
+            </a:p>
+          </p:txBody>
+        </p:sp>
+      </p:grpSp>
+      <p:sp>
+        <p:nvSpPr>
+          <p:cNvPr id="137" name="文本框 136">
+            <a:extLst>
+              <a:ext uri="{FF2B5EF4-FFF2-40B4-BE49-F238E27FC236}">
+                <a16:creationId xmlns:a16="http://schemas.microsoft.com/office/drawing/2014/main" id="{3561A6C9-40FB-4BBB-A9F1-104074F860E5}"/>
+              </a:ext>
+            </a:extLst>
+          </p:cNvPr>
+          <p:cNvSpPr txBox="1"/>
+          <p:nvPr/>
+        </p:nvSpPr>
+        <p:spPr>
+          <a:xfrm>
+            <a:off x="3448761" y="4152565"/>
+            <a:ext cx="825968" cy="307777"/>
+          </a:xfrm>
+          <a:prstGeom prst="rect">
+            <a:avLst/>
+          </a:prstGeom>
+          <a:noFill/>
+        </p:spPr>
+        <p:txBody>
+          <a:bodyPr wrap="square" rtlCol="0">
+            <a:spAutoFit/>
+          </a:bodyPr>
+          <a:lstStyle/>
+          <a:p>
+            <a:pPr algn="ctr"/>
+            <a:r>
+              <a:rPr lang="en-US" altLang="zh-CN" sz="1400" dirty="0">
+                <a:latin typeface="Times New Roman" panose="02020603050405020304" pitchFamily="18" charset="0"/>
+                <a:cs typeface="Times New Roman" panose="02020603050405020304" pitchFamily="18" charset="0"/>
+              </a:rPr>
+              <a:t>Node A</a:t>
+            </a:r>
+            <a:endParaRPr lang="zh-CN" altLang="en-US" sz="1400" dirty="0">
+              <a:latin typeface="Times New Roman" panose="02020603050405020304" pitchFamily="18" charset="0"/>
+              <a:cs typeface="Times New Roman" panose="02020603050405020304" pitchFamily="18" charset="0"/>
+            </a:endParaRPr>
+          </a:p>
+        </p:txBody>
+      </p:sp>
+      <p:sp>
+        <p:nvSpPr>
+          <p:cNvPr id="138" name="文本框 137">
+            <a:extLst>
+              <a:ext uri="{FF2B5EF4-FFF2-40B4-BE49-F238E27FC236}">
+                <a16:creationId xmlns:a16="http://schemas.microsoft.com/office/drawing/2014/main" id="{EF44940E-FD6D-426F-8795-26780156CA9F}"/>
+              </a:ext>
+            </a:extLst>
+          </p:cNvPr>
+          <p:cNvSpPr txBox="1"/>
+          <p:nvPr/>
+        </p:nvSpPr>
+        <p:spPr>
+          <a:xfrm>
+            <a:off x="5328432" y="3574755"/>
+            <a:ext cx="825968" cy="307777"/>
+          </a:xfrm>
+          <a:prstGeom prst="rect">
+            <a:avLst/>
+          </a:prstGeom>
+          <a:noFill/>
+        </p:spPr>
+        <p:txBody>
+          <a:bodyPr wrap="square" rtlCol="0">
+            <a:spAutoFit/>
+          </a:bodyPr>
+          <a:lstStyle/>
+          <a:p>
+            <a:pPr algn="ctr"/>
+            <a:r>
+              <a:rPr lang="en-US" altLang="zh-CN" sz="1400" dirty="0">
+                <a:latin typeface="Times New Roman" panose="02020603050405020304" pitchFamily="18" charset="0"/>
+                <a:cs typeface="Times New Roman" panose="02020603050405020304" pitchFamily="18" charset="0"/>
+              </a:rPr>
+              <a:t>Node B</a:t>
+            </a:r>
+            <a:endParaRPr lang="zh-CN" altLang="en-US" sz="1400" dirty="0">
+              <a:latin typeface="Times New Roman" panose="02020603050405020304" pitchFamily="18" charset="0"/>
+              <a:cs typeface="Times New Roman" panose="02020603050405020304" pitchFamily="18" charset="0"/>
+            </a:endParaRPr>
+          </a:p>
+        </p:txBody>
+      </p:sp>
+      <p:sp>
+        <p:nvSpPr>
+          <p:cNvPr id="139" name="文本框 138">
+            <a:extLst>
+              <a:ext uri="{FF2B5EF4-FFF2-40B4-BE49-F238E27FC236}">
+                <a16:creationId xmlns:a16="http://schemas.microsoft.com/office/drawing/2014/main" id="{9BB4D325-A77F-4E30-9F45-62FF67FC4A20}"/>
+              </a:ext>
+            </a:extLst>
+          </p:cNvPr>
+          <p:cNvSpPr txBox="1"/>
+          <p:nvPr/>
+        </p:nvSpPr>
+        <p:spPr>
+          <a:xfrm>
+            <a:off x="5322295" y="4708162"/>
+            <a:ext cx="825968" cy="307777"/>
+          </a:xfrm>
+          <a:prstGeom prst="rect">
+            <a:avLst/>
+          </a:prstGeom>
+          <a:noFill/>
+        </p:spPr>
+        <p:txBody>
+          <a:bodyPr wrap="square" rtlCol="0">
+            <a:spAutoFit/>
+          </a:bodyPr>
+          <a:lstStyle/>
+          <a:p>
+            <a:pPr algn="ctr"/>
+            <a:r>
+              <a:rPr lang="en-US" altLang="zh-CN" sz="1400" dirty="0">
+                <a:latin typeface="Times New Roman" panose="02020603050405020304" pitchFamily="18" charset="0"/>
+                <a:cs typeface="Times New Roman" panose="02020603050405020304" pitchFamily="18" charset="0"/>
+              </a:rPr>
+              <a:t>Node C</a:t>
+            </a:r>
+            <a:endParaRPr lang="zh-CN" altLang="en-US" sz="1400" dirty="0">
+              <a:latin typeface="Times New Roman" panose="02020603050405020304" pitchFamily="18" charset="0"/>
+              <a:cs typeface="Times New Roman" panose="02020603050405020304" pitchFamily="18" charset="0"/>
+            </a:endParaRPr>
+          </a:p>
+        </p:txBody>
+      </p:sp>
+      <p:sp>
+        <p:nvSpPr>
+          <p:cNvPr id="140" name="文本框 139">
+            <a:extLst>
+              <a:ext uri="{FF2B5EF4-FFF2-40B4-BE49-F238E27FC236}">
+                <a16:creationId xmlns:a16="http://schemas.microsoft.com/office/drawing/2014/main" id="{36EE11E3-D9AF-4E5E-9E63-13CD82BEF240}"/>
+              </a:ext>
+            </a:extLst>
+          </p:cNvPr>
+          <p:cNvSpPr txBox="1"/>
+          <p:nvPr/>
+        </p:nvSpPr>
+        <p:spPr>
+          <a:xfrm>
+            <a:off x="7327451" y="4148041"/>
+            <a:ext cx="825968" cy="307777"/>
+          </a:xfrm>
+          <a:prstGeom prst="rect">
+            <a:avLst/>
+          </a:prstGeom>
+          <a:noFill/>
+        </p:spPr>
+        <p:txBody>
+          <a:bodyPr wrap="square" rtlCol="0">
+            <a:spAutoFit/>
+          </a:bodyPr>
+          <a:lstStyle/>
+          <a:p>
+            <a:pPr algn="ctr"/>
+            <a:r>
+              <a:rPr lang="en-US" altLang="zh-CN" sz="1400" dirty="0">
+                <a:latin typeface="Times New Roman" panose="02020603050405020304" pitchFamily="18" charset="0"/>
+                <a:cs typeface="Times New Roman" panose="02020603050405020304" pitchFamily="18" charset="0"/>
+              </a:rPr>
+              <a:t>Node D</a:t>
+            </a:r>
+            <a:endParaRPr lang="zh-CN" altLang="en-US" sz="1400" dirty="0">
+              <a:latin typeface="Times New Roman" panose="02020603050405020304" pitchFamily="18" charset="0"/>
+              <a:cs typeface="Times New Roman" panose="02020603050405020304" pitchFamily="18" charset="0"/>
+            </a:endParaRPr>
+          </a:p>
+        </p:txBody>
+      </p:sp>
+      <p:sp>
+        <p:nvSpPr>
+          <p:cNvPr id="146" name="矩形: 圆角 145">
+            <a:extLst>
+              <a:ext uri="{FF2B5EF4-FFF2-40B4-BE49-F238E27FC236}">
+                <a16:creationId xmlns:a16="http://schemas.microsoft.com/office/drawing/2014/main" id="{99AEAED7-C0D2-42FA-B353-1D429069427E}"/>
+              </a:ext>
+            </a:extLst>
+          </p:cNvPr>
+          <p:cNvSpPr/>
+          <p:nvPr/>
+        </p:nvSpPr>
+        <p:spPr>
+          <a:xfrm>
+            <a:off x="3417896" y="3292653"/>
+            <a:ext cx="887698" cy="887698"/>
+          </a:xfrm>
+          <a:prstGeom prst="roundRect">
+            <a:avLst>
+              <a:gd name="adj" fmla="val 27062"/>
+            </a:avLst>
+          </a:prstGeom>
+          <a:ln>
+            <a:noFill/>
+          </a:ln>
+        </p:spPr>
+        <p:style>
+          <a:lnRef idx="3">
+            <a:schemeClr val="lt1"/>
+          </a:lnRef>
+          <a:fillRef idx="1">
+            <a:schemeClr val="accent1"/>
+          </a:fillRef>
+          <a:effectRef idx="1">
+            <a:schemeClr val="accent1"/>
+          </a:effectRef>
+          <a:fontRef idx="minor">
+            <a:schemeClr val="lt1"/>
+          </a:fontRef>
+        </p:style>
+        <p:txBody>
+          <a:bodyPr rtlCol="0" anchor="ctr"/>
+          <a:lstStyle/>
+          <a:p>
+            <a:pPr algn="ctr"/>
+            <a:r>
+              <a:rPr lang="en-US" altLang="zh-CN" dirty="0">
+                <a:latin typeface="Times New Roman" panose="02020603050405020304" pitchFamily="18" charset="0"/>
+                <a:cs typeface="Times New Roman" panose="02020603050405020304" pitchFamily="18" charset="0"/>
+              </a:rPr>
+              <a:t>100</a:t>
+            </a:r>
+            <a:endParaRPr lang="zh-CN" altLang="en-US" dirty="0">
+              <a:latin typeface="Times New Roman" panose="02020603050405020304" pitchFamily="18" charset="0"/>
+              <a:cs typeface="Times New Roman" panose="02020603050405020304" pitchFamily="18" charset="0"/>
+            </a:endParaRPr>
+          </a:p>
+        </p:txBody>
+      </p:sp>
+      <p:sp>
+        <p:nvSpPr>
+          <p:cNvPr id="147" name="矩形: 圆角 146">
+            <a:extLst>
+              <a:ext uri="{FF2B5EF4-FFF2-40B4-BE49-F238E27FC236}">
+                <a16:creationId xmlns:a16="http://schemas.microsoft.com/office/drawing/2014/main" id="{846E184F-D46D-40E6-8C8B-FDDCF6C9D637}"/>
+              </a:ext>
+            </a:extLst>
+          </p:cNvPr>
+          <p:cNvSpPr/>
+          <p:nvPr/>
+        </p:nvSpPr>
+        <p:spPr>
+          <a:xfrm>
+            <a:off x="5275185" y="2724681"/>
+            <a:ext cx="887698" cy="887698"/>
+          </a:xfrm>
+          <a:prstGeom prst="roundRect">
+            <a:avLst>
+              <a:gd name="adj" fmla="val 27062"/>
+            </a:avLst>
+          </a:prstGeom>
+          <a:ln>
+            <a:noFill/>
+          </a:ln>
+        </p:spPr>
+        <p:style>
+          <a:lnRef idx="3">
+            <a:schemeClr val="lt1"/>
+          </a:lnRef>
+          <a:fillRef idx="1">
+            <a:schemeClr val="accent1"/>
+          </a:fillRef>
+          <a:effectRef idx="1">
+            <a:schemeClr val="accent1"/>
+          </a:effectRef>
+          <a:fontRef idx="minor">
+            <a:schemeClr val="lt1"/>
+          </a:fontRef>
+        </p:style>
+        <p:txBody>
+          <a:bodyPr rtlCol="0" anchor="ctr"/>
+          <a:lstStyle/>
+          <a:p>
+            <a:pPr algn="ctr"/>
+            <a:r>
+              <a:rPr lang="en-US" altLang="zh-CN" dirty="0">
+                <a:latin typeface="Times New Roman" panose="02020603050405020304" pitchFamily="18" charset="0"/>
+                <a:cs typeface="Times New Roman" panose="02020603050405020304" pitchFamily="18" charset="0"/>
+              </a:rPr>
+              <a:t>150</a:t>
+            </a:r>
+            <a:endParaRPr lang="zh-CN" altLang="en-US" dirty="0">
+              <a:latin typeface="Times New Roman" panose="02020603050405020304" pitchFamily="18" charset="0"/>
+              <a:cs typeface="Times New Roman" panose="02020603050405020304" pitchFamily="18" charset="0"/>
+            </a:endParaRPr>
+          </a:p>
+        </p:txBody>
+      </p:sp>
+      <p:sp>
+        <p:nvSpPr>
+          <p:cNvPr id="148" name="矩形: 圆角 147">
+            <a:extLst>
+              <a:ext uri="{FF2B5EF4-FFF2-40B4-BE49-F238E27FC236}">
+                <a16:creationId xmlns:a16="http://schemas.microsoft.com/office/drawing/2014/main" id="{E1FD6836-DED9-4CF9-B3E0-052CAB3AA646}"/>
+              </a:ext>
+            </a:extLst>
+          </p:cNvPr>
+          <p:cNvSpPr/>
+          <p:nvPr/>
+        </p:nvSpPr>
+        <p:spPr>
+          <a:xfrm>
+            <a:off x="7265721" y="3292653"/>
+            <a:ext cx="887698" cy="887698"/>
+          </a:xfrm>
+          <a:prstGeom prst="roundRect">
+            <a:avLst>
+              <a:gd name="adj" fmla="val 27062"/>
+            </a:avLst>
+          </a:prstGeom>
+          <a:ln>
+            <a:noFill/>
+          </a:ln>
+        </p:spPr>
+        <p:style>
+          <a:lnRef idx="3">
+            <a:schemeClr val="lt1"/>
+          </a:lnRef>
+          <a:fillRef idx="1">
+            <a:schemeClr val="accent1"/>
+          </a:fillRef>
+          <a:effectRef idx="1">
+            <a:schemeClr val="accent1"/>
+          </a:effectRef>
+          <a:fontRef idx="minor">
+            <a:schemeClr val="lt1"/>
+          </a:fontRef>
+        </p:style>
+        <p:txBody>
+          <a:bodyPr rtlCol="0" anchor="ctr"/>
+          <a:lstStyle/>
+          <a:p>
+            <a:pPr algn="ctr"/>
+            <a:r>
+              <a:rPr lang="en-US" altLang="zh-CN" dirty="0">
+                <a:latin typeface="Times New Roman" panose="02020603050405020304" pitchFamily="18" charset="0"/>
+                <a:cs typeface="Times New Roman" panose="02020603050405020304" pitchFamily="18" charset="0"/>
+              </a:rPr>
+              <a:t>130</a:t>
+            </a:r>
+            <a:endParaRPr lang="zh-CN" altLang="en-US" dirty="0">
+              <a:latin typeface="Times New Roman" panose="02020603050405020304" pitchFamily="18" charset="0"/>
+              <a:cs typeface="Times New Roman" panose="02020603050405020304" pitchFamily="18" charset="0"/>
+            </a:endParaRPr>
+          </a:p>
+        </p:txBody>
+      </p:sp>
+      <p:sp>
+        <p:nvSpPr>
+          <p:cNvPr id="149" name="矩形: 圆角 148">
+            <a:extLst>
+              <a:ext uri="{FF2B5EF4-FFF2-40B4-BE49-F238E27FC236}">
+                <a16:creationId xmlns:a16="http://schemas.microsoft.com/office/drawing/2014/main" id="{1D29FFD8-80E8-4E97-8371-2F738B3B6528}"/>
+              </a:ext>
+            </a:extLst>
+          </p:cNvPr>
+          <p:cNvSpPr/>
+          <p:nvPr/>
+        </p:nvSpPr>
+        <p:spPr>
+          <a:xfrm>
+            <a:off x="5275185" y="3858224"/>
+            <a:ext cx="887698" cy="887698"/>
+          </a:xfrm>
+          <a:prstGeom prst="roundRect">
+            <a:avLst>
+              <a:gd name="adj" fmla="val 27062"/>
+            </a:avLst>
+          </a:prstGeom>
+          <a:ln>
+            <a:noFill/>
+          </a:ln>
+        </p:spPr>
+        <p:style>
+          <a:lnRef idx="3">
+            <a:schemeClr val="lt1"/>
+          </a:lnRef>
+          <a:fillRef idx="1">
+            <a:schemeClr val="accent1"/>
+          </a:fillRef>
+          <a:effectRef idx="1">
+            <a:schemeClr val="accent1"/>
+          </a:effectRef>
+          <a:fontRef idx="minor">
+            <a:schemeClr val="lt1"/>
+          </a:fontRef>
+        </p:style>
+        <p:txBody>
+          <a:bodyPr rtlCol="0" anchor="ctr"/>
+          <a:lstStyle/>
+          <a:p>
+            <a:pPr algn="ctr"/>
+            <a:r>
+              <a:rPr lang="en-US" altLang="zh-CN" dirty="0">
+                <a:latin typeface="Times New Roman" panose="02020603050405020304" pitchFamily="18" charset="0"/>
+                <a:cs typeface="Times New Roman" panose="02020603050405020304" pitchFamily="18" charset="0"/>
+              </a:rPr>
+              <a:t>130</a:t>
+            </a:r>
+            <a:endParaRPr lang="zh-CN" altLang="en-US" dirty="0">
+              <a:latin typeface="Times New Roman" panose="02020603050405020304" pitchFamily="18" charset="0"/>
+              <a:cs typeface="Times New Roman" panose="02020603050405020304" pitchFamily="18" charset="0"/>
+            </a:endParaRPr>
+          </a:p>
+        </p:txBody>
+      </p:sp>
+      <p:cxnSp>
+        <p:nvCxnSpPr>
+          <p:cNvPr id="150" name="直接箭头连接符 149">
+            <a:extLst>
+              <a:ext uri="{FF2B5EF4-FFF2-40B4-BE49-F238E27FC236}">
+                <a16:creationId xmlns:a16="http://schemas.microsoft.com/office/drawing/2014/main" id="{D2E97CB3-0847-46D3-BD8D-A1A7817ABE84}"/>
+              </a:ext>
+            </a:extLst>
+          </p:cNvPr>
+          <p:cNvCxnSpPr>
+            <a:stCxn id="146" idx="3"/>
+            <a:endCxn id="147" idx="1"/>
+          </p:cNvCxnSpPr>
+          <p:nvPr/>
+        </p:nvCxnSpPr>
+        <p:spPr>
+          <a:xfrm flipV="1">
+            <a:off x="4305594" y="3168530"/>
+            <a:ext cx="969591" cy="567972"/>
+          </a:xfrm>
+          <a:prstGeom prst="straightConnector1">
+            <a:avLst/>
+          </a:prstGeom>
+          <a:ln>
+            <a:tailEnd type="triangle"/>
+          </a:ln>
+        </p:spPr>
+        <p:style>
+          <a:lnRef idx="3">
+            <a:schemeClr val="accent1"/>
+          </a:lnRef>
+          <a:fillRef idx="0">
+            <a:schemeClr val="accent1"/>
+          </a:fillRef>
+          <a:effectRef idx="2">
+            <a:schemeClr val="accent1"/>
+          </a:effectRef>
+          <a:fontRef idx="minor">
+            <a:schemeClr val="tx1"/>
+          </a:fontRef>
+        </p:style>
+      </p:cxnSp>
+      <p:cxnSp>
+        <p:nvCxnSpPr>
+          <p:cNvPr id="151" name="直接箭头连接符 150">
+            <a:extLst>
+              <a:ext uri="{FF2B5EF4-FFF2-40B4-BE49-F238E27FC236}">
+                <a16:creationId xmlns:a16="http://schemas.microsoft.com/office/drawing/2014/main" id="{4415287F-641F-442A-9728-A4A18CD09AF2}"/>
+              </a:ext>
+            </a:extLst>
+          </p:cNvPr>
+          <p:cNvCxnSpPr>
+            <a:cxnSpLocks/>
+            <a:endCxn id="149" idx="1"/>
+          </p:cNvCxnSpPr>
+          <p:nvPr/>
+        </p:nvCxnSpPr>
+        <p:spPr>
+          <a:xfrm>
+            <a:off x="4305594" y="3858224"/>
+            <a:ext cx="969591" cy="443849"/>
+          </a:xfrm>
+          <a:prstGeom prst="straightConnector1">
+            <a:avLst/>
+          </a:prstGeom>
+          <a:ln>
+            <a:tailEnd type="triangle"/>
+          </a:ln>
+        </p:spPr>
+        <p:style>
+          <a:lnRef idx="3">
+            <a:schemeClr val="accent1"/>
+          </a:lnRef>
+          <a:fillRef idx="0">
+            <a:schemeClr val="accent1"/>
+          </a:fillRef>
+          <a:effectRef idx="2">
+            <a:schemeClr val="accent1"/>
+          </a:effectRef>
+          <a:fontRef idx="minor">
+            <a:schemeClr val="tx1"/>
+          </a:fontRef>
+        </p:style>
+      </p:cxnSp>
+      <p:cxnSp>
+        <p:nvCxnSpPr>
+          <p:cNvPr id="152" name="直接箭头连接符 151">
+            <a:extLst>
+              <a:ext uri="{FF2B5EF4-FFF2-40B4-BE49-F238E27FC236}">
+                <a16:creationId xmlns:a16="http://schemas.microsoft.com/office/drawing/2014/main" id="{04811D63-7B7A-4D98-92D8-A81EF012118E}"/>
+              </a:ext>
+            </a:extLst>
+          </p:cNvPr>
+          <p:cNvCxnSpPr>
+            <a:cxnSpLocks/>
+            <a:stCxn id="147" idx="3"/>
+            <a:endCxn id="148" idx="1"/>
+          </p:cNvCxnSpPr>
+          <p:nvPr/>
+        </p:nvCxnSpPr>
+        <p:spPr>
+          <a:xfrm>
+            <a:off x="6162883" y="3168530"/>
+            <a:ext cx="1102838" cy="567972"/>
+          </a:xfrm>
+          <a:prstGeom prst="straightConnector1">
+            <a:avLst/>
+          </a:prstGeom>
+          <a:ln>
+            <a:tailEnd type="triangle"/>
+          </a:ln>
+        </p:spPr>
+        <p:style>
+          <a:lnRef idx="3">
+            <a:schemeClr val="accent1"/>
+          </a:lnRef>
+          <a:fillRef idx="0">
+            <a:schemeClr val="accent1"/>
+          </a:fillRef>
+          <a:effectRef idx="2">
+            <a:schemeClr val="accent1"/>
+          </a:effectRef>
+          <a:fontRef idx="minor">
+            <a:schemeClr val="tx1"/>
+          </a:fontRef>
+        </p:style>
+      </p:cxnSp>
+      <p:cxnSp>
+        <p:nvCxnSpPr>
+          <p:cNvPr id="153" name="直接箭头连接符 152">
+            <a:extLst>
+              <a:ext uri="{FF2B5EF4-FFF2-40B4-BE49-F238E27FC236}">
+                <a16:creationId xmlns:a16="http://schemas.microsoft.com/office/drawing/2014/main" id="{092BFB80-4538-448C-A0B8-A733D77472B1}"/>
+              </a:ext>
+            </a:extLst>
+          </p:cNvPr>
+          <p:cNvCxnSpPr>
+            <a:cxnSpLocks/>
+            <a:stCxn id="149" idx="3"/>
+          </p:cNvCxnSpPr>
+          <p:nvPr/>
+        </p:nvCxnSpPr>
+        <p:spPr>
+          <a:xfrm flipV="1">
+            <a:off x="6162883" y="3882532"/>
+            <a:ext cx="1102838" cy="419541"/>
+          </a:xfrm>
+          <a:prstGeom prst="straightConnector1">
+            <a:avLst/>
+          </a:prstGeom>
+          <a:ln>
+            <a:tailEnd type="triangle"/>
+          </a:ln>
+        </p:spPr>
+        <p:style>
+          <a:lnRef idx="3">
+            <a:schemeClr val="accent1"/>
+          </a:lnRef>
+          <a:fillRef idx="0">
+            <a:schemeClr val="accent1"/>
+          </a:fillRef>
+          <a:effectRef idx="2">
+            <a:schemeClr val="accent1"/>
+          </a:effectRef>
+          <a:fontRef idx="minor">
+            <a:schemeClr val="tx1"/>
+          </a:fontRef>
+        </p:style>
+      </p:cxnSp>
+      <p:cxnSp>
+        <p:nvCxnSpPr>
+          <p:cNvPr id="161" name="直接箭头连接符 160">
+            <a:extLst>
+              <a:ext uri="{FF2B5EF4-FFF2-40B4-BE49-F238E27FC236}">
+                <a16:creationId xmlns:a16="http://schemas.microsoft.com/office/drawing/2014/main" id="{F3675AF5-3362-4371-B247-20A034AF0905}"/>
+              </a:ext>
+            </a:extLst>
+          </p:cNvPr>
+          <p:cNvCxnSpPr>
+            <a:cxnSpLocks/>
+            <a:endCxn id="146" idx="1"/>
+          </p:cNvCxnSpPr>
+          <p:nvPr/>
+        </p:nvCxnSpPr>
+        <p:spPr>
+          <a:xfrm flipV="1">
+            <a:off x="3202756" y="3736502"/>
+            <a:ext cx="215140" cy="2702"/>
+          </a:xfrm>
+          <a:prstGeom prst="straightConnector1">
+            <a:avLst/>
+          </a:prstGeom>
+          <a:ln>
+            <a:tailEnd type="triangle"/>
+          </a:ln>
+        </p:spPr>
+        <p:style>
+          <a:lnRef idx="3">
+            <a:schemeClr val="accent1"/>
+          </a:lnRef>
+          <a:fillRef idx="0">
+            <a:schemeClr val="accent1"/>
+          </a:fillRef>
+          <a:effectRef idx="2">
+            <a:schemeClr val="accent1"/>
+          </a:effectRef>
+          <a:fontRef idx="minor">
+            <a:schemeClr val="tx1"/>
+          </a:fontRef>
+        </p:style>
+      </p:cxnSp>
+    </p:spTree>
+    <p:extLst>
+      <p:ext uri="{BB962C8B-B14F-4D97-AF65-F5344CB8AC3E}">
+        <p14:creationId xmlns:p14="http://schemas.microsoft.com/office/powerpoint/2010/main" val="1176589125"/>
+      </p:ext>
+    </p:extLst>
+  </p:cSld>
+  <p:clrMapOvr>
+    <a:masterClrMapping/>
+  </p:clrMapOvr>
+</p:sld>
+</file>
+
+<file path=ppt/slides/slide3.xml><?xml version="1.0" encoding="utf-8"?>
+<p:sld xmlns:a="http://schemas.openxmlformats.org/drawingml/2006/main" xmlns:r="http://schemas.openxmlformats.org/officeDocument/2006/relationships" xmlns:p="http://schemas.openxmlformats.org/presentationml/2006/main" show="0">
+  <p:cSld>
+    <p:spTree>
+      <p:nvGrpSpPr>
+        <p:cNvPr id="1" name=""/>
+        <p:cNvGrpSpPr/>
+        <p:nvPr/>
+      </p:nvGrpSpPr>
+      <p:grpSpPr>
+        <a:xfrm>
+          <a:off x="0" y="0"/>
+          <a:ext cx="0" cy="0"/>
+          <a:chOff x="0" y="0"/>
+          <a:chExt cx="0" cy="0"/>
+        </a:xfrm>
+      </p:grpSpPr>
+      <p:sp>
+        <p:nvSpPr>
+          <p:cNvPr id="57" name="文本框 56">
+            <a:extLst>
+              <a:ext uri="{FF2B5EF4-FFF2-40B4-BE49-F238E27FC236}">
+                <a16:creationId xmlns:a16="http://schemas.microsoft.com/office/drawing/2014/main" id="{FD0DD417-18D4-40EB-B049-9C6D64860FB2}"/>
+              </a:ext>
+            </a:extLst>
+          </p:cNvPr>
+          <p:cNvSpPr txBox="1"/>
+          <p:nvPr/>
+        </p:nvSpPr>
+        <p:spPr>
+          <a:xfrm>
+            <a:off x="3729443" y="3401214"/>
+            <a:ext cx="825968" cy="307777"/>
+          </a:xfrm>
+          <a:prstGeom prst="rect">
+            <a:avLst/>
+          </a:prstGeom>
+          <a:noFill/>
+        </p:spPr>
+        <p:txBody>
+          <a:bodyPr wrap="square" rtlCol="0">
+            <a:spAutoFit/>
+          </a:bodyPr>
+          <a:lstStyle/>
+          <a:p>
+            <a:pPr algn="ctr"/>
+            <a:r>
+              <a:rPr lang="en-US" altLang="zh-CN" sz="1400" dirty="0">
+                <a:latin typeface="Times New Roman" panose="02020603050405020304" pitchFamily="18" charset="0"/>
+                <a:cs typeface="Times New Roman" panose="02020603050405020304" pitchFamily="18" charset="0"/>
+              </a:rPr>
+              <a:t>Node A</a:t>
+            </a:r>
+            <a:endParaRPr lang="zh-CN" altLang="en-US" sz="1400" dirty="0">
+              <a:latin typeface="Times New Roman" panose="02020603050405020304" pitchFamily="18" charset="0"/>
+              <a:cs typeface="Times New Roman" panose="02020603050405020304" pitchFamily="18" charset="0"/>
+            </a:endParaRPr>
+          </a:p>
+        </p:txBody>
+      </p:sp>
+      <p:sp>
+        <p:nvSpPr>
+          <p:cNvPr id="58" name="文本框 57">
+            <a:extLst>
+              <a:ext uri="{FF2B5EF4-FFF2-40B4-BE49-F238E27FC236}">
+                <a16:creationId xmlns:a16="http://schemas.microsoft.com/office/drawing/2014/main" id="{ED53BC7F-319A-40B9-A20D-21EE498C5DB8}"/>
+              </a:ext>
+            </a:extLst>
+          </p:cNvPr>
+          <p:cNvSpPr txBox="1"/>
+          <p:nvPr/>
+        </p:nvSpPr>
+        <p:spPr>
+          <a:xfrm>
+            <a:off x="5609114" y="2823404"/>
+            <a:ext cx="825968" cy="307777"/>
+          </a:xfrm>
+          <a:prstGeom prst="rect">
+            <a:avLst/>
+          </a:prstGeom>
+          <a:noFill/>
+        </p:spPr>
+        <p:txBody>
+          <a:bodyPr wrap="square" rtlCol="0">
+            <a:spAutoFit/>
+          </a:bodyPr>
+          <a:lstStyle/>
+          <a:p>
+            <a:pPr algn="ctr"/>
+            <a:r>
+              <a:rPr lang="en-US" altLang="zh-CN" sz="1400" dirty="0">
+                <a:latin typeface="Times New Roman" panose="02020603050405020304" pitchFamily="18" charset="0"/>
+                <a:cs typeface="Times New Roman" panose="02020603050405020304" pitchFamily="18" charset="0"/>
+              </a:rPr>
+              <a:t>Node B</a:t>
+            </a:r>
+            <a:endParaRPr lang="zh-CN" altLang="en-US" sz="1400" dirty="0">
+              <a:latin typeface="Times New Roman" panose="02020603050405020304" pitchFamily="18" charset="0"/>
+              <a:cs typeface="Times New Roman" panose="02020603050405020304" pitchFamily="18" charset="0"/>
+            </a:endParaRPr>
+          </a:p>
+        </p:txBody>
+      </p:sp>
+      <p:sp>
+        <p:nvSpPr>
+          <p:cNvPr id="59" name="文本框 58">
+            <a:extLst>
+              <a:ext uri="{FF2B5EF4-FFF2-40B4-BE49-F238E27FC236}">
+                <a16:creationId xmlns:a16="http://schemas.microsoft.com/office/drawing/2014/main" id="{981B7B8E-7DAC-4D2B-9C89-211DFE5C2643}"/>
+              </a:ext>
+            </a:extLst>
+          </p:cNvPr>
+          <p:cNvSpPr txBox="1"/>
+          <p:nvPr/>
+        </p:nvSpPr>
+        <p:spPr>
+          <a:xfrm>
+            <a:off x="5602977" y="3956811"/>
+            <a:ext cx="825968" cy="307777"/>
+          </a:xfrm>
+          <a:prstGeom prst="rect">
+            <a:avLst/>
+          </a:prstGeom>
+          <a:noFill/>
+        </p:spPr>
+        <p:txBody>
+          <a:bodyPr wrap="square" rtlCol="0">
+            <a:spAutoFit/>
+          </a:bodyPr>
+          <a:lstStyle/>
+          <a:p>
+            <a:pPr algn="ctr"/>
+            <a:r>
+              <a:rPr lang="en-US" altLang="zh-CN" sz="1400" dirty="0">
+                <a:latin typeface="Times New Roman" panose="02020603050405020304" pitchFamily="18" charset="0"/>
+                <a:cs typeface="Times New Roman" panose="02020603050405020304" pitchFamily="18" charset="0"/>
+              </a:rPr>
+              <a:t>Node C</a:t>
+            </a:r>
+            <a:endParaRPr lang="zh-CN" altLang="en-US" sz="1400" dirty="0">
+              <a:latin typeface="Times New Roman" panose="02020603050405020304" pitchFamily="18" charset="0"/>
+              <a:cs typeface="Times New Roman" panose="02020603050405020304" pitchFamily="18" charset="0"/>
+            </a:endParaRPr>
+          </a:p>
+        </p:txBody>
+      </p:sp>
+      <p:sp>
+        <p:nvSpPr>
+          <p:cNvPr id="60" name="文本框 59">
+            <a:extLst>
+              <a:ext uri="{FF2B5EF4-FFF2-40B4-BE49-F238E27FC236}">
+                <a16:creationId xmlns:a16="http://schemas.microsoft.com/office/drawing/2014/main" id="{E16DDF27-D5F7-464F-87BA-757F052F3255}"/>
+              </a:ext>
+            </a:extLst>
+          </p:cNvPr>
+          <p:cNvSpPr txBox="1"/>
+          <p:nvPr/>
+        </p:nvSpPr>
+        <p:spPr>
+          <a:xfrm>
+            <a:off x="7608133" y="3396690"/>
+            <a:ext cx="825968" cy="307777"/>
+          </a:xfrm>
+          <a:prstGeom prst="rect">
+            <a:avLst/>
+          </a:prstGeom>
+          <a:noFill/>
+        </p:spPr>
+        <p:txBody>
+          <a:bodyPr wrap="square" rtlCol="0">
+            <a:spAutoFit/>
+          </a:bodyPr>
+          <a:lstStyle/>
+          <a:p>
+            <a:pPr algn="ctr"/>
+            <a:r>
+              <a:rPr lang="en-US" altLang="zh-CN" sz="1400" dirty="0">
+                <a:latin typeface="Times New Roman" panose="02020603050405020304" pitchFamily="18" charset="0"/>
+                <a:cs typeface="Times New Roman" panose="02020603050405020304" pitchFamily="18" charset="0"/>
+              </a:rPr>
+              <a:t>Node D</a:t>
+            </a:r>
+            <a:endParaRPr lang="zh-CN" altLang="en-US" sz="1400" dirty="0">
+              <a:latin typeface="Times New Roman" panose="02020603050405020304" pitchFamily="18" charset="0"/>
+              <a:cs typeface="Times New Roman" panose="02020603050405020304" pitchFamily="18" charset="0"/>
+            </a:endParaRPr>
+          </a:p>
+        </p:txBody>
+      </p:sp>
+      <p:sp>
+        <p:nvSpPr>
+          <p:cNvPr id="61" name="矩形: 圆角 60">
+            <a:extLst>
+              <a:ext uri="{FF2B5EF4-FFF2-40B4-BE49-F238E27FC236}">
+                <a16:creationId xmlns:a16="http://schemas.microsoft.com/office/drawing/2014/main" id="{73910FB0-1944-47A0-BDA6-C47F5878838E}"/>
+              </a:ext>
+            </a:extLst>
+          </p:cNvPr>
+          <p:cNvSpPr/>
+          <p:nvPr/>
+        </p:nvSpPr>
+        <p:spPr>
+          <a:xfrm>
+            <a:off x="3698578" y="2541302"/>
+            <a:ext cx="887698" cy="887698"/>
+          </a:xfrm>
+          <a:prstGeom prst="roundRect">
+            <a:avLst>
+              <a:gd name="adj" fmla="val 27062"/>
+            </a:avLst>
+          </a:prstGeom>
+          <a:ln>
+            <a:noFill/>
+          </a:ln>
+        </p:spPr>
+        <p:style>
+          <a:lnRef idx="3">
+            <a:schemeClr val="lt1"/>
+          </a:lnRef>
+          <a:fillRef idx="1">
+            <a:schemeClr val="accent1"/>
+          </a:fillRef>
+          <a:effectRef idx="1">
+            <a:schemeClr val="accent1"/>
+          </a:effectRef>
+          <a:fontRef idx="minor">
+            <a:schemeClr val="lt1"/>
+          </a:fontRef>
+        </p:style>
+        <p:txBody>
+          <a:bodyPr rtlCol="0" anchor="ctr"/>
+          <a:lstStyle/>
+          <a:p>
+            <a:pPr algn="ctr"/>
+            <a:r>
+              <a:rPr lang="en-US" altLang="zh-CN" dirty="0">
+                <a:latin typeface="Times New Roman" panose="02020603050405020304" pitchFamily="18" charset="0"/>
+                <a:cs typeface="Times New Roman" panose="02020603050405020304" pitchFamily="18" charset="0"/>
+              </a:rPr>
+              <a:t>100</a:t>
+            </a:r>
+            <a:endParaRPr lang="zh-CN" altLang="en-US" dirty="0">
+              <a:latin typeface="Times New Roman" panose="02020603050405020304" pitchFamily="18" charset="0"/>
+              <a:cs typeface="Times New Roman" panose="02020603050405020304" pitchFamily="18" charset="0"/>
+            </a:endParaRPr>
+          </a:p>
+        </p:txBody>
+      </p:sp>
+      <p:sp>
+        <p:nvSpPr>
+          <p:cNvPr id="62" name="矩形: 圆角 61">
+            <a:extLst>
+              <a:ext uri="{FF2B5EF4-FFF2-40B4-BE49-F238E27FC236}">
+                <a16:creationId xmlns:a16="http://schemas.microsoft.com/office/drawing/2014/main" id="{B74C5C42-4E1E-48B7-9627-06539E37D9A2}"/>
+              </a:ext>
+            </a:extLst>
+          </p:cNvPr>
+          <p:cNvSpPr/>
+          <p:nvPr/>
+        </p:nvSpPr>
+        <p:spPr>
+          <a:xfrm>
+            <a:off x="5555867" y="1973330"/>
+            <a:ext cx="887698" cy="887698"/>
+          </a:xfrm>
+          <a:prstGeom prst="roundRect">
+            <a:avLst>
+              <a:gd name="adj" fmla="val 27062"/>
+            </a:avLst>
+          </a:prstGeom>
+          <a:ln>
+            <a:noFill/>
+          </a:ln>
+        </p:spPr>
+        <p:style>
+          <a:lnRef idx="3">
+            <a:schemeClr val="lt1"/>
+          </a:lnRef>
+          <a:fillRef idx="1">
+            <a:schemeClr val="accent1"/>
+          </a:fillRef>
+          <a:effectRef idx="1">
+            <a:schemeClr val="accent1"/>
+          </a:effectRef>
+          <a:fontRef idx="minor">
+            <a:schemeClr val="lt1"/>
+          </a:fontRef>
+        </p:style>
+        <p:txBody>
+          <a:bodyPr rtlCol="0" anchor="ctr"/>
+          <a:lstStyle/>
+          <a:p>
+            <a:pPr algn="ctr"/>
+            <a:r>
+              <a:rPr lang="en-US" altLang="zh-CN" dirty="0">
+                <a:latin typeface="Times New Roman" panose="02020603050405020304" pitchFamily="18" charset="0"/>
+                <a:cs typeface="Times New Roman" panose="02020603050405020304" pitchFamily="18" charset="0"/>
+              </a:rPr>
+              <a:t>150</a:t>
+            </a:r>
+            <a:endParaRPr lang="zh-CN" altLang="en-US" dirty="0">
+              <a:latin typeface="Times New Roman" panose="02020603050405020304" pitchFamily="18" charset="0"/>
+              <a:cs typeface="Times New Roman" panose="02020603050405020304" pitchFamily="18" charset="0"/>
+            </a:endParaRPr>
+          </a:p>
+        </p:txBody>
+      </p:sp>
+      <p:sp>
+        <p:nvSpPr>
+          <p:cNvPr id="63" name="矩形: 圆角 62">
+            <a:extLst>
+              <a:ext uri="{FF2B5EF4-FFF2-40B4-BE49-F238E27FC236}">
+                <a16:creationId xmlns:a16="http://schemas.microsoft.com/office/drawing/2014/main" id="{63C74EBF-1E78-4175-BE8E-F04E8FE8AFD2}"/>
+              </a:ext>
+            </a:extLst>
+          </p:cNvPr>
+          <p:cNvSpPr/>
+          <p:nvPr/>
+        </p:nvSpPr>
+        <p:spPr>
+          <a:xfrm>
+            <a:off x="7546403" y="2541302"/>
+            <a:ext cx="887698" cy="887698"/>
+          </a:xfrm>
+          <a:prstGeom prst="roundRect">
+            <a:avLst>
+              <a:gd name="adj" fmla="val 27062"/>
+            </a:avLst>
+          </a:prstGeom>
+          <a:ln>
+            <a:noFill/>
+          </a:ln>
+        </p:spPr>
+        <p:style>
+          <a:lnRef idx="3">
+            <a:schemeClr val="lt1"/>
+          </a:lnRef>
+          <a:fillRef idx="1">
+            <a:schemeClr val="accent1"/>
+          </a:fillRef>
+          <a:effectRef idx="1">
+            <a:schemeClr val="accent1"/>
+          </a:effectRef>
+          <a:fontRef idx="minor">
+            <a:schemeClr val="lt1"/>
+          </a:fontRef>
+        </p:style>
+        <p:txBody>
+          <a:bodyPr rtlCol="0" anchor="ctr"/>
+          <a:lstStyle/>
+          <a:p>
+            <a:pPr algn="ctr"/>
+            <a:endParaRPr lang="zh-CN" altLang="en-US" dirty="0">
+              <a:latin typeface="Times New Roman" panose="02020603050405020304" pitchFamily="18" charset="0"/>
+              <a:cs typeface="Times New Roman" panose="02020603050405020304" pitchFamily="18" charset="0"/>
+            </a:endParaRPr>
+          </a:p>
+        </p:txBody>
+      </p:sp>
+      <p:sp>
+        <p:nvSpPr>
+          <p:cNvPr id="64" name="矩形: 圆角 63">
+            <a:extLst>
+              <a:ext uri="{FF2B5EF4-FFF2-40B4-BE49-F238E27FC236}">
+                <a16:creationId xmlns:a16="http://schemas.microsoft.com/office/drawing/2014/main" id="{8C611378-B468-48E4-945C-4D55B64C20C4}"/>
+              </a:ext>
+            </a:extLst>
+          </p:cNvPr>
+          <p:cNvSpPr/>
+          <p:nvPr/>
+        </p:nvSpPr>
+        <p:spPr>
+          <a:xfrm>
+            <a:off x="5555867" y="3106873"/>
+            <a:ext cx="887698" cy="887698"/>
+          </a:xfrm>
+          <a:prstGeom prst="roundRect">
+            <a:avLst>
+              <a:gd name="adj" fmla="val 27062"/>
+            </a:avLst>
+          </a:prstGeom>
+          <a:ln>
+            <a:noFill/>
+          </a:ln>
+        </p:spPr>
+        <p:style>
+          <a:lnRef idx="3">
+            <a:schemeClr val="lt1"/>
+          </a:lnRef>
+          <a:fillRef idx="1">
+            <a:schemeClr val="accent1"/>
+          </a:fillRef>
+          <a:effectRef idx="1">
+            <a:schemeClr val="accent1"/>
+          </a:effectRef>
+          <a:fontRef idx="minor">
+            <a:schemeClr val="lt1"/>
+          </a:fontRef>
+        </p:style>
+        <p:txBody>
+          <a:bodyPr rtlCol="0" anchor="ctr"/>
+          <a:lstStyle/>
+          <a:p>
+            <a:pPr algn="ctr"/>
+            <a:endParaRPr lang="zh-CN" altLang="en-US" dirty="0">
+              <a:latin typeface="Times New Roman" panose="02020603050405020304" pitchFamily="18" charset="0"/>
+              <a:cs typeface="Times New Roman" panose="02020603050405020304" pitchFamily="18" charset="0"/>
+            </a:endParaRPr>
+          </a:p>
+        </p:txBody>
+      </p:sp>
+      <p:sp>
+        <p:nvSpPr>
+          <p:cNvPr id="88" name="矩形 87">
+            <a:extLst>
+              <a:ext uri="{FF2B5EF4-FFF2-40B4-BE49-F238E27FC236}">
+                <a16:creationId xmlns:a16="http://schemas.microsoft.com/office/drawing/2014/main" id="{C48E07EE-CDF4-4689-8B26-BBD849DEA824}"/>
+              </a:ext>
+            </a:extLst>
+          </p:cNvPr>
+          <p:cNvSpPr/>
+          <p:nvPr/>
+        </p:nvSpPr>
+        <p:spPr>
+          <a:xfrm>
+            <a:off x="3854427" y="2779359"/>
+            <a:ext cx="576000" cy="411583"/>
+          </a:xfrm>
+          <a:prstGeom prst="rect">
+            <a:avLst/>
+          </a:prstGeom>
+          <a:ln w="19050"/>
+        </p:spPr>
+        <p:style>
+          <a:lnRef idx="2">
+            <a:schemeClr val="accent6">
+              <a:shade val="50000"/>
+            </a:schemeClr>
+          </a:lnRef>
+          <a:fillRef idx="1">
+            <a:schemeClr val="accent6"/>
+          </a:fillRef>
+          <a:effectRef idx="0">
+            <a:schemeClr val="accent6"/>
+          </a:effectRef>
+          <a:fontRef idx="minor">
+            <a:schemeClr val="lt1"/>
+          </a:fontRef>
+        </p:style>
+        <p:txBody>
+          <a:bodyPr rtlCol="0" anchor="ctr"/>
+          <a:lstStyle/>
+          <a:p>
+            <a:pPr algn="ctr"/>
+            <a:r>
+              <a:rPr lang="en-US" altLang="zh-CN" sz="1400">
+                <a:latin typeface="Times New Roman" panose="02020603050405020304" pitchFamily="18" charset="0"/>
+                <a:cs typeface="Times New Roman" panose="02020603050405020304" pitchFamily="18" charset="0"/>
+              </a:rPr>
+              <a:t>NF A</a:t>
+            </a:r>
+            <a:endParaRPr lang="zh-CN" altLang="en-US" dirty="0">
+              <a:latin typeface="Times New Roman" panose="02020603050405020304" pitchFamily="18" charset="0"/>
+              <a:cs typeface="Times New Roman" panose="02020603050405020304" pitchFamily="18" charset="0"/>
+            </a:endParaRPr>
+          </a:p>
+        </p:txBody>
+      </p:sp>
+      <p:sp>
+        <p:nvSpPr>
+          <p:cNvPr id="89" name="矩形 88">
+            <a:extLst>
+              <a:ext uri="{FF2B5EF4-FFF2-40B4-BE49-F238E27FC236}">
+                <a16:creationId xmlns:a16="http://schemas.microsoft.com/office/drawing/2014/main" id="{0FEA9C27-C4E9-496D-B156-615C00DA21C9}"/>
+              </a:ext>
+            </a:extLst>
+          </p:cNvPr>
+          <p:cNvSpPr/>
+          <p:nvPr/>
+        </p:nvSpPr>
+        <p:spPr>
+          <a:xfrm>
+            <a:off x="5742661" y="2141421"/>
+            <a:ext cx="576000" cy="411583"/>
+          </a:xfrm>
+          <a:prstGeom prst="rect">
+            <a:avLst/>
+          </a:prstGeom>
+          <a:ln w="19050"/>
+        </p:spPr>
+        <p:style>
+          <a:lnRef idx="2">
+            <a:schemeClr val="accent6">
+              <a:shade val="50000"/>
+            </a:schemeClr>
+          </a:lnRef>
+          <a:fillRef idx="1">
+            <a:schemeClr val="accent6"/>
+          </a:fillRef>
+          <a:effectRef idx="0">
+            <a:schemeClr val="accent6"/>
+          </a:effectRef>
+          <a:fontRef idx="minor">
+            <a:schemeClr val="lt1"/>
+          </a:fontRef>
+        </p:style>
+        <p:txBody>
+          <a:bodyPr rtlCol="0" anchor="ctr"/>
+          <a:lstStyle/>
+          <a:p>
+            <a:pPr algn="ctr"/>
+            <a:r>
+              <a:rPr lang="en-US" altLang="zh-CN" sz="1400">
+                <a:latin typeface="Times New Roman" panose="02020603050405020304" pitchFamily="18" charset="0"/>
+                <a:cs typeface="Times New Roman" panose="02020603050405020304" pitchFamily="18" charset="0"/>
+              </a:rPr>
+              <a:t>NF A</a:t>
+            </a:r>
+            <a:endParaRPr lang="zh-CN" altLang="en-US" dirty="0">
+              <a:latin typeface="Times New Roman" panose="02020603050405020304" pitchFamily="18" charset="0"/>
+              <a:cs typeface="Times New Roman" panose="02020603050405020304" pitchFamily="18" charset="0"/>
+            </a:endParaRPr>
+          </a:p>
+        </p:txBody>
+      </p:sp>
+      <p:sp>
+        <p:nvSpPr>
+          <p:cNvPr id="90" name="矩形 89">
+            <a:extLst>
+              <a:ext uri="{FF2B5EF4-FFF2-40B4-BE49-F238E27FC236}">
+                <a16:creationId xmlns:a16="http://schemas.microsoft.com/office/drawing/2014/main" id="{DDD245BF-B92A-4A51-96ED-85EC5EDE4556}"/>
+              </a:ext>
+            </a:extLst>
+          </p:cNvPr>
+          <p:cNvSpPr/>
+          <p:nvPr/>
+        </p:nvSpPr>
+        <p:spPr>
+          <a:xfrm>
+            <a:off x="5660130" y="2242651"/>
+            <a:ext cx="576000" cy="411583"/>
+          </a:xfrm>
+          <a:prstGeom prst="rect">
+            <a:avLst/>
+          </a:prstGeom>
+          <a:ln w="19050"/>
+        </p:spPr>
+        <p:style>
+          <a:lnRef idx="2">
+            <a:schemeClr val="accent6">
+              <a:shade val="50000"/>
+            </a:schemeClr>
+          </a:lnRef>
+          <a:fillRef idx="1">
+            <a:schemeClr val="accent6"/>
+          </a:fillRef>
+          <a:effectRef idx="0">
+            <a:schemeClr val="accent6"/>
+          </a:effectRef>
+          <a:fontRef idx="minor">
+            <a:schemeClr val="lt1"/>
+          </a:fontRef>
+        </p:style>
+        <p:txBody>
+          <a:bodyPr rtlCol="0" anchor="ctr"/>
+          <a:lstStyle/>
+          <a:p>
+            <a:pPr algn="ctr"/>
+            <a:r>
+              <a:rPr lang="en-US" altLang="zh-CN" sz="1400">
+                <a:latin typeface="Times New Roman" panose="02020603050405020304" pitchFamily="18" charset="0"/>
+                <a:cs typeface="Times New Roman" panose="02020603050405020304" pitchFamily="18" charset="0"/>
+              </a:rPr>
+              <a:t>NF B</a:t>
+            </a:r>
+            <a:endParaRPr lang="zh-CN" altLang="en-US" dirty="0">
+              <a:latin typeface="Times New Roman" panose="02020603050405020304" pitchFamily="18" charset="0"/>
+              <a:cs typeface="Times New Roman" panose="02020603050405020304" pitchFamily="18" charset="0"/>
+            </a:endParaRPr>
+          </a:p>
+        </p:txBody>
+      </p:sp>
+      <p:cxnSp>
+        <p:nvCxnSpPr>
+          <p:cNvPr id="91" name="直接箭头连接符 90">
+            <a:extLst>
+              <a:ext uri="{FF2B5EF4-FFF2-40B4-BE49-F238E27FC236}">
+                <a16:creationId xmlns:a16="http://schemas.microsoft.com/office/drawing/2014/main" id="{7D3006EC-3BC0-4E30-A388-FB02A00A399E}"/>
+              </a:ext>
+            </a:extLst>
+          </p:cNvPr>
+          <p:cNvCxnSpPr>
+            <a:cxnSpLocks/>
+          </p:cNvCxnSpPr>
+          <p:nvPr/>
+        </p:nvCxnSpPr>
+        <p:spPr>
+          <a:xfrm flipH="1">
+            <a:off x="6315076" y="2017661"/>
+            <a:ext cx="204894" cy="167779"/>
+          </a:xfrm>
+          <a:prstGeom prst="straightConnector1">
+            <a:avLst/>
+          </a:prstGeom>
+          <a:ln w="9525" cap="flat" cmpd="sng" algn="ctr">
+            <a:solidFill>
+              <a:schemeClr val="dk1"/>
+            </a:solidFill>
+            <a:prstDash val="solid"/>
+            <a:round/>
+            <a:headEnd type="none" w="med" len="med"/>
+            <a:tailEnd type="arrow" w="med" len="med"/>
+          </a:ln>
+        </p:spPr>
+        <p:style>
+          <a:lnRef idx="0">
+            <a:scrgbClr r="0" g="0" b="0"/>
+          </a:lnRef>
+          <a:fillRef idx="0">
+            <a:scrgbClr r="0" g="0" b="0"/>
+          </a:fillRef>
+          <a:effectRef idx="0">
+            <a:scrgbClr r="0" g="0" b="0"/>
+          </a:effectRef>
+          <a:fontRef idx="minor">
+            <a:schemeClr val="tx1"/>
+          </a:fontRef>
+        </p:style>
+      </p:cxnSp>
+      <p:sp>
+        <p:nvSpPr>
+          <p:cNvPr id="92" name="文本框 91">
+            <a:extLst>
+              <a:ext uri="{FF2B5EF4-FFF2-40B4-BE49-F238E27FC236}">
+                <a16:creationId xmlns:a16="http://schemas.microsoft.com/office/drawing/2014/main" id="{DB03EE2E-36E1-4F41-9A2E-849937E463F2}"/>
+              </a:ext>
+            </a:extLst>
+          </p:cNvPr>
+          <p:cNvSpPr txBox="1"/>
+          <p:nvPr/>
+        </p:nvSpPr>
+        <p:spPr>
+          <a:xfrm>
+            <a:off x="6468732" y="1852613"/>
+            <a:ext cx="576000" cy="276999"/>
+          </a:xfrm>
+          <a:prstGeom prst="rect">
+            <a:avLst/>
+          </a:prstGeom>
+          <a:noFill/>
+        </p:spPr>
+        <p:txBody>
+          <a:bodyPr wrap="square" rtlCol="0">
+            <a:spAutoFit/>
+          </a:bodyPr>
+          <a:lstStyle/>
+          <a:p>
+            <a:r>
+              <a:rPr lang="en-US" altLang="zh-CN" sz="1200" dirty="0">
+                <a:latin typeface="Times New Roman" panose="02020603050405020304" pitchFamily="18" charset="0"/>
+                <a:cs typeface="Times New Roman" panose="02020603050405020304" pitchFamily="18" charset="0"/>
+              </a:rPr>
+              <a:t>NF C</a:t>
+            </a:r>
+            <a:endParaRPr lang="zh-CN" altLang="en-US" sz="1200" dirty="0">
+              <a:latin typeface="Times New Roman" panose="02020603050405020304" pitchFamily="18" charset="0"/>
+              <a:cs typeface="Times New Roman" panose="02020603050405020304" pitchFamily="18" charset="0"/>
+            </a:endParaRPr>
+          </a:p>
+        </p:txBody>
+      </p:sp>
+      <p:cxnSp>
+        <p:nvCxnSpPr>
+          <p:cNvPr id="101" name="直接箭头连接符 100">
+            <a:extLst>
+              <a:ext uri="{FF2B5EF4-FFF2-40B4-BE49-F238E27FC236}">
+                <a16:creationId xmlns:a16="http://schemas.microsoft.com/office/drawing/2014/main" id="{466402BC-E75A-4753-BF7F-EE78AD8DED14}"/>
+              </a:ext>
+            </a:extLst>
+          </p:cNvPr>
+          <p:cNvCxnSpPr>
+            <a:cxnSpLocks/>
+          </p:cNvCxnSpPr>
+          <p:nvPr/>
+        </p:nvCxnSpPr>
+        <p:spPr>
+          <a:xfrm flipV="1">
+            <a:off x="4586276" y="2393367"/>
+            <a:ext cx="969591" cy="567972"/>
+          </a:xfrm>
+          <a:prstGeom prst="straightConnector1">
+            <a:avLst/>
+          </a:prstGeom>
+          <a:ln>
+            <a:tailEnd type="triangle"/>
+          </a:ln>
+        </p:spPr>
+        <p:style>
+          <a:lnRef idx="3">
+            <a:schemeClr val="accent1"/>
+          </a:lnRef>
+          <a:fillRef idx="0">
+            <a:schemeClr val="accent1"/>
+          </a:fillRef>
+          <a:effectRef idx="2">
+            <a:schemeClr val="accent1"/>
+          </a:effectRef>
+          <a:fontRef idx="minor">
+            <a:schemeClr val="tx1"/>
+          </a:fontRef>
+        </p:style>
+      </p:cxnSp>
+      <p:cxnSp>
+        <p:nvCxnSpPr>
+          <p:cNvPr id="102" name="直接箭头连接符 101">
+            <a:extLst>
+              <a:ext uri="{FF2B5EF4-FFF2-40B4-BE49-F238E27FC236}">
+                <a16:creationId xmlns:a16="http://schemas.microsoft.com/office/drawing/2014/main" id="{94DD1F27-1701-4F05-877B-148E9F41B374}"/>
+              </a:ext>
+            </a:extLst>
+          </p:cNvPr>
+          <p:cNvCxnSpPr>
+            <a:cxnSpLocks/>
+            <a:endCxn id="64" idx="1"/>
+          </p:cNvCxnSpPr>
+          <p:nvPr/>
+        </p:nvCxnSpPr>
+        <p:spPr>
+          <a:xfrm>
+            <a:off x="4586276" y="3106873"/>
+            <a:ext cx="969591" cy="443849"/>
+          </a:xfrm>
+          <a:prstGeom prst="straightConnector1">
+            <a:avLst/>
+          </a:prstGeom>
+          <a:ln>
+            <a:tailEnd type="triangle"/>
+          </a:ln>
+        </p:spPr>
+        <p:style>
+          <a:lnRef idx="3">
+            <a:schemeClr val="accent1"/>
+          </a:lnRef>
+          <a:fillRef idx="0">
+            <a:schemeClr val="accent1"/>
+          </a:fillRef>
+          <a:effectRef idx="2">
+            <a:schemeClr val="accent1"/>
+          </a:effectRef>
+          <a:fontRef idx="minor">
+            <a:schemeClr val="tx1"/>
+          </a:fontRef>
+        </p:style>
+      </p:cxnSp>
+      <p:cxnSp>
+        <p:nvCxnSpPr>
+          <p:cNvPr id="103" name="直接箭头连接符 102">
+            <a:extLst>
+              <a:ext uri="{FF2B5EF4-FFF2-40B4-BE49-F238E27FC236}">
+                <a16:creationId xmlns:a16="http://schemas.microsoft.com/office/drawing/2014/main" id="{12E2A07C-6B03-4656-B9EC-36A255AE6931}"/>
+              </a:ext>
+            </a:extLst>
+          </p:cNvPr>
+          <p:cNvCxnSpPr>
+            <a:cxnSpLocks/>
+            <a:stCxn id="62" idx="3"/>
+            <a:endCxn id="63" idx="1"/>
+          </p:cNvCxnSpPr>
+          <p:nvPr/>
+        </p:nvCxnSpPr>
+        <p:spPr>
+          <a:xfrm>
+            <a:off x="6443565" y="2417179"/>
+            <a:ext cx="1102838" cy="567972"/>
+          </a:xfrm>
+          <a:prstGeom prst="straightConnector1">
+            <a:avLst/>
+          </a:prstGeom>
+          <a:ln>
+            <a:tailEnd type="triangle"/>
+          </a:ln>
+        </p:spPr>
+        <p:style>
+          <a:lnRef idx="3">
+            <a:schemeClr val="accent1"/>
+          </a:lnRef>
+          <a:fillRef idx="0">
+            <a:schemeClr val="accent1"/>
+          </a:fillRef>
+          <a:effectRef idx="2">
+            <a:schemeClr val="accent1"/>
+          </a:effectRef>
+          <a:fontRef idx="minor">
+            <a:schemeClr val="tx1"/>
+          </a:fontRef>
+        </p:style>
+      </p:cxnSp>
+      <p:cxnSp>
+        <p:nvCxnSpPr>
+          <p:cNvPr id="104" name="直接箭头连接符 103">
+            <a:extLst>
+              <a:ext uri="{FF2B5EF4-FFF2-40B4-BE49-F238E27FC236}">
+                <a16:creationId xmlns:a16="http://schemas.microsoft.com/office/drawing/2014/main" id="{E2060CFB-66B1-411B-B35E-38ACBFE89EB4}"/>
+              </a:ext>
+            </a:extLst>
+          </p:cNvPr>
+          <p:cNvCxnSpPr>
+            <a:cxnSpLocks/>
+            <a:stCxn id="64" idx="3"/>
+          </p:cNvCxnSpPr>
+          <p:nvPr/>
+        </p:nvCxnSpPr>
+        <p:spPr>
+          <a:xfrm flipV="1">
+            <a:off x="6443565" y="3131182"/>
+            <a:ext cx="1088856" cy="419540"/>
+          </a:xfrm>
+          <a:prstGeom prst="straightConnector1">
+            <a:avLst/>
+          </a:prstGeom>
+          <a:ln>
+            <a:tailEnd type="triangle"/>
+          </a:ln>
+        </p:spPr>
+        <p:style>
+          <a:lnRef idx="3">
+            <a:schemeClr val="accent1"/>
+          </a:lnRef>
+          <a:fillRef idx="0">
+            <a:schemeClr val="accent1"/>
+          </a:fillRef>
+          <a:effectRef idx="2">
+            <a:schemeClr val="accent1"/>
+          </a:effectRef>
+          <a:fontRef idx="minor">
+            <a:schemeClr val="tx1"/>
+          </a:fontRef>
+        </p:style>
+      </p:cxnSp>
+      <p:cxnSp>
+        <p:nvCxnSpPr>
+          <p:cNvPr id="105" name="直接箭头连接符 104">
+            <a:extLst>
+              <a:ext uri="{FF2B5EF4-FFF2-40B4-BE49-F238E27FC236}">
+                <a16:creationId xmlns:a16="http://schemas.microsoft.com/office/drawing/2014/main" id="{8F8E34E6-6538-45C9-A16A-0E5DD50F2251}"/>
+              </a:ext>
+            </a:extLst>
+          </p:cNvPr>
+          <p:cNvCxnSpPr>
+            <a:cxnSpLocks/>
+          </p:cNvCxnSpPr>
+          <p:nvPr/>
+        </p:nvCxnSpPr>
+        <p:spPr>
+          <a:xfrm flipV="1">
+            <a:off x="4579285" y="2279006"/>
+            <a:ext cx="969591" cy="567972"/>
+          </a:xfrm>
+          <a:prstGeom prst="straightConnector1">
+            <a:avLst/>
+          </a:prstGeom>
+          <a:ln w="12700" cap="flat" cmpd="sng" algn="ctr">
+            <a:solidFill>
+              <a:schemeClr val="accent6"/>
+            </a:solidFill>
+            <a:prstDash val="dash"/>
+            <a:round/>
+            <a:headEnd type="none" w="med" len="med"/>
+            <a:tailEnd type="arrow" w="med" len="med"/>
+          </a:ln>
+        </p:spPr>
+        <p:style>
+          <a:lnRef idx="0">
+            <a:scrgbClr r="0" g="0" b="0"/>
+          </a:lnRef>
+          <a:fillRef idx="0">
+            <a:scrgbClr r="0" g="0" b="0"/>
+          </a:fillRef>
+          <a:effectRef idx="0">
+            <a:scrgbClr r="0" g="0" b="0"/>
+          </a:effectRef>
+          <a:fontRef idx="minor">
+            <a:schemeClr val="tx1"/>
+          </a:fontRef>
+        </p:style>
+      </p:cxnSp>
+      <p:cxnSp>
+        <p:nvCxnSpPr>
+          <p:cNvPr id="106" name="直接箭头连接符 105">
+            <a:extLst>
+              <a:ext uri="{FF2B5EF4-FFF2-40B4-BE49-F238E27FC236}">
+                <a16:creationId xmlns:a16="http://schemas.microsoft.com/office/drawing/2014/main" id="{BA5A2BBE-274D-45FB-90B7-88927438F30E}"/>
+              </a:ext>
+            </a:extLst>
+          </p:cNvPr>
+          <p:cNvCxnSpPr>
+            <a:cxnSpLocks/>
+          </p:cNvCxnSpPr>
+          <p:nvPr/>
+        </p:nvCxnSpPr>
+        <p:spPr>
+          <a:xfrm>
+            <a:off x="6436574" y="2306088"/>
+            <a:ext cx="253151" cy="138588"/>
+          </a:xfrm>
+          <a:prstGeom prst="straightConnector1">
+            <a:avLst/>
+          </a:prstGeom>
+          <a:ln w="12700" cap="flat" cmpd="sng" algn="ctr">
+            <a:solidFill>
+              <a:schemeClr val="accent6"/>
+            </a:solidFill>
+            <a:prstDash val="dash"/>
+            <a:round/>
+            <a:headEnd type="none" w="med" len="med"/>
+            <a:tailEnd type="arrow" w="med" len="med"/>
+          </a:ln>
+        </p:spPr>
+        <p:style>
+          <a:lnRef idx="0">
+            <a:scrgbClr r="0" g="0" b="0"/>
+          </a:lnRef>
+          <a:fillRef idx="0">
+            <a:scrgbClr r="0" g="0" b="0"/>
+          </a:fillRef>
+          <a:effectRef idx="0">
+            <a:scrgbClr r="0" g="0" b="0"/>
+          </a:effectRef>
+          <a:fontRef idx="minor">
+            <a:schemeClr val="tx1"/>
+          </a:fontRef>
+        </p:style>
+      </p:cxnSp>
+      <p:cxnSp>
+        <p:nvCxnSpPr>
+          <p:cNvPr id="107" name="直接箭头连接符 106">
+            <a:extLst>
+              <a:ext uri="{FF2B5EF4-FFF2-40B4-BE49-F238E27FC236}">
+                <a16:creationId xmlns:a16="http://schemas.microsoft.com/office/drawing/2014/main" id="{ECF8459C-24E3-486E-89A7-8EBB61D6E8F9}"/>
+              </a:ext>
+            </a:extLst>
+          </p:cNvPr>
+          <p:cNvCxnSpPr>
+            <a:cxnSpLocks/>
+          </p:cNvCxnSpPr>
+          <p:nvPr/>
+        </p:nvCxnSpPr>
+        <p:spPr>
+          <a:xfrm>
+            <a:off x="3469456" y="2882460"/>
+            <a:ext cx="229707" cy="0"/>
+          </a:xfrm>
+          <a:prstGeom prst="straightConnector1">
+            <a:avLst/>
+          </a:prstGeom>
+          <a:ln w="12700" cap="flat" cmpd="sng" algn="ctr">
+            <a:solidFill>
+              <a:schemeClr val="accent6"/>
+            </a:solidFill>
+            <a:prstDash val="dash"/>
+            <a:round/>
+            <a:headEnd type="none" w="med" len="med"/>
+            <a:tailEnd type="arrow" w="med" len="med"/>
+          </a:ln>
+        </p:spPr>
+        <p:style>
+          <a:lnRef idx="0">
+            <a:scrgbClr r="0" g="0" b="0"/>
+          </a:lnRef>
+          <a:fillRef idx="0">
+            <a:scrgbClr r="0" g="0" b="0"/>
+          </a:fillRef>
+          <a:effectRef idx="0">
+            <a:scrgbClr r="0" g="0" b="0"/>
+          </a:effectRef>
+          <a:fontRef idx="minor">
+            <a:schemeClr val="tx1"/>
+          </a:fontRef>
+        </p:style>
+      </p:cxnSp>
+      <p:cxnSp>
+        <p:nvCxnSpPr>
+          <p:cNvPr id="109" name="直接箭头连接符 108">
+            <a:extLst>
+              <a:ext uri="{FF2B5EF4-FFF2-40B4-BE49-F238E27FC236}">
+                <a16:creationId xmlns:a16="http://schemas.microsoft.com/office/drawing/2014/main" id="{F9A22FFB-49D6-468C-8CF0-C091F5D97741}"/>
+              </a:ext>
+            </a:extLst>
+          </p:cNvPr>
+          <p:cNvCxnSpPr>
+            <a:cxnSpLocks/>
+            <a:endCxn id="61" idx="1"/>
+          </p:cNvCxnSpPr>
+          <p:nvPr/>
+        </p:nvCxnSpPr>
+        <p:spPr>
+          <a:xfrm>
+            <a:off x="3469456" y="2985151"/>
+            <a:ext cx="229122" cy="0"/>
+          </a:xfrm>
+          <a:prstGeom prst="straightConnector1">
+            <a:avLst/>
+          </a:prstGeom>
+          <a:ln>
+            <a:tailEnd type="triangle"/>
+          </a:ln>
+        </p:spPr>
+        <p:style>
+          <a:lnRef idx="3">
+            <a:schemeClr val="accent1"/>
+          </a:lnRef>
+          <a:fillRef idx="0">
+            <a:schemeClr val="accent1"/>
+          </a:fillRef>
+          <a:effectRef idx="2">
+            <a:schemeClr val="accent1"/>
+          </a:effectRef>
+          <a:fontRef idx="minor">
+            <a:schemeClr val="tx1"/>
+          </a:fontRef>
+        </p:style>
+      </p:cxnSp>
+    </p:spTree>
+    <p:extLst>
+      <p:ext uri="{BB962C8B-B14F-4D97-AF65-F5344CB8AC3E}">
+        <p14:creationId xmlns:p14="http://schemas.microsoft.com/office/powerpoint/2010/main" val="2096164733"/>
       </p:ext>
     </p:extLst>
   </p:cSld>

--- a/docs/Figure2.pptx
+++ b/docs/Figure2.pptx
@@ -4128,7 +4128,7 @@
               </p:nvCxnSpPr>
               <p:spPr>
                 <a:xfrm>
-                  <a:off x="3160251" y="1983698"/>
+                  <a:off x="3401319" y="1983698"/>
                   <a:ext cx="192730" cy="495742"/>
                 </a:xfrm>
                 <a:prstGeom prst="straightConnector1">
@@ -4167,7 +4167,7 @@
               </p:nvSpPr>
               <p:spPr>
                 <a:xfrm>
-                  <a:off x="3268521" y="1980712"/>
+                  <a:off x="3509590" y="1980712"/>
                   <a:ext cx="684803" cy="369332"/>
                 </a:xfrm>
                 <a:prstGeom prst="rect">

--- a/docs/Figure2.pptx
+++ b/docs/Figure2.pptx
@@ -5,13 +5,14 @@
     <p:sldMasterId id="2147483648" r:id="rId1"/>
   </p:sldMasterIdLst>
   <p:sldIdLst>
-    <p:sldId id="269" r:id="rId2"/>
-    <p:sldId id="271" r:id="rId3"/>
-    <p:sldId id="266" r:id="rId4"/>
-    <p:sldId id="267" r:id="rId5"/>
-    <p:sldId id="270" r:id="rId6"/>
-    <p:sldId id="272" r:id="rId7"/>
-    <p:sldId id="273" r:id="rId8"/>
+    <p:sldId id="274" r:id="rId2"/>
+    <p:sldId id="269" r:id="rId3"/>
+    <p:sldId id="271" r:id="rId4"/>
+    <p:sldId id="266" r:id="rId5"/>
+    <p:sldId id="267" r:id="rId6"/>
+    <p:sldId id="270" r:id="rId7"/>
+    <p:sldId id="272" r:id="rId8"/>
+    <p:sldId id="273" r:id="rId9"/>
   </p:sldIdLst>
   <p:sldSz cx="12192000" cy="6858000"/>
   <p:notesSz cx="6858000" cy="9144000"/>
@@ -2938,6 +2939,3538 @@
 </file>
 
 <file path=ppt/slides/slide1.xml><?xml version="1.0" encoding="utf-8"?>
+<p:sld xmlns:a="http://schemas.openxmlformats.org/drawingml/2006/main" xmlns:r="http://schemas.openxmlformats.org/officeDocument/2006/relationships" xmlns:p="http://schemas.openxmlformats.org/presentationml/2006/main">
+  <p:cSld>
+    <p:spTree>
+      <p:nvGrpSpPr>
+        <p:cNvPr id="1" name=""/>
+        <p:cNvGrpSpPr/>
+        <p:nvPr/>
+      </p:nvGrpSpPr>
+      <p:grpSpPr>
+        <a:xfrm>
+          <a:off x="0" y="0"/>
+          <a:ext cx="0" cy="0"/>
+          <a:chOff x="0" y="0"/>
+          <a:chExt cx="0" cy="0"/>
+        </a:xfrm>
+      </p:grpSpPr>
+      <p:sp>
+        <p:nvSpPr>
+          <p:cNvPr id="86" name="文本框 85">
+            <a:extLst>
+              <a:ext uri="{FF2B5EF4-FFF2-40B4-BE49-F238E27FC236}">
+                <a16:creationId xmlns:a16="http://schemas.microsoft.com/office/drawing/2014/main" id="{0A10AC83-45EB-4A8A-9A1D-4BA93FB63765}"/>
+              </a:ext>
+            </a:extLst>
+          </p:cNvPr>
+          <p:cNvSpPr txBox="1"/>
+          <p:nvPr/>
+        </p:nvSpPr>
+        <p:spPr>
+          <a:xfrm>
+            <a:off x="6387294" y="5709350"/>
+            <a:ext cx="2543849" cy="584775"/>
+          </a:xfrm>
+          <a:prstGeom prst="rect">
+            <a:avLst/>
+          </a:prstGeom>
+          <a:noFill/>
+        </p:spPr>
+        <p:txBody>
+          <a:bodyPr wrap="square" rtlCol="0">
+            <a:spAutoFit/>
+          </a:bodyPr>
+          <a:lstStyle/>
+          <a:p>
+            <a:pPr algn="ctr"/>
+            <a:r>
+              <a:rPr lang="en-US" altLang="zh-CN" sz="1600" dirty="0">
+                <a:latin typeface="Times New Roman" panose="02020603050405020304" pitchFamily="18" charset="0"/>
+                <a:cs typeface="Times New Roman" panose="02020603050405020304" pitchFamily="18" charset="0"/>
+              </a:rPr>
+              <a:t>Optimal parallel strategy</a:t>
+            </a:r>
+          </a:p>
+          <a:p>
+            <a:pPr algn="ctr"/>
+            <a:r>
+              <a:rPr lang="en-US" altLang="zh-CN" sz="1600" dirty="0">
+                <a:latin typeface="Times New Roman" panose="02020603050405020304" pitchFamily="18" charset="0"/>
+                <a:cs typeface="Times New Roman" panose="02020603050405020304" pitchFamily="18" charset="0"/>
+              </a:rPr>
+              <a:t>with 3ms latency</a:t>
+            </a:r>
+            <a:endParaRPr lang="zh-CN" altLang="en-US" sz="1600" dirty="0">
+              <a:latin typeface="Times New Roman" panose="02020603050405020304" pitchFamily="18" charset="0"/>
+              <a:cs typeface="Times New Roman" panose="02020603050405020304" pitchFamily="18" charset="0"/>
+            </a:endParaRPr>
+          </a:p>
+        </p:txBody>
+      </p:sp>
+      <p:grpSp>
+        <p:nvGrpSpPr>
+          <p:cNvPr id="87" name="组合 86">
+            <a:extLst>
+              <a:ext uri="{FF2B5EF4-FFF2-40B4-BE49-F238E27FC236}">
+                <a16:creationId xmlns:a16="http://schemas.microsoft.com/office/drawing/2014/main" id="{340230D4-0FBA-489A-837E-CDC4E8198D7C}"/>
+              </a:ext>
+            </a:extLst>
+          </p:cNvPr>
+          <p:cNvGrpSpPr/>
+          <p:nvPr/>
+        </p:nvGrpSpPr>
+        <p:grpSpPr>
+          <a:xfrm>
+            <a:off x="3097814" y="1870356"/>
+            <a:ext cx="1762379" cy="2227822"/>
+            <a:chOff x="4601586" y="2031585"/>
+            <a:chExt cx="1762379" cy="2227822"/>
+          </a:xfrm>
+        </p:grpSpPr>
+        <p:sp>
+          <p:nvSpPr>
+            <p:cNvPr id="88" name="矩形 87">
+              <a:extLst>
+                <a:ext uri="{FF2B5EF4-FFF2-40B4-BE49-F238E27FC236}">
+                  <a16:creationId xmlns:a16="http://schemas.microsoft.com/office/drawing/2014/main" id="{0374DC55-CA63-4EEE-AF6A-689FDAA0C5D9}"/>
+                </a:ext>
+              </a:extLst>
+            </p:cNvPr>
+            <p:cNvSpPr/>
+            <p:nvPr/>
+          </p:nvSpPr>
+          <p:spPr>
+            <a:xfrm>
+              <a:off x="5344701" y="2031585"/>
+              <a:ext cx="1002735" cy="1917950"/>
+            </a:xfrm>
+            <a:prstGeom prst="rect">
+              <a:avLst/>
+            </a:prstGeom>
+            <a:solidFill>
+              <a:schemeClr val="bg1">
+                <a:lumMod val="85000"/>
+              </a:schemeClr>
+            </a:solidFill>
+            <a:ln>
+              <a:solidFill>
+                <a:schemeClr val="bg2"/>
+              </a:solidFill>
+            </a:ln>
+          </p:spPr>
+          <p:style>
+            <a:lnRef idx="2">
+              <a:schemeClr val="accent3">
+                <a:shade val="50000"/>
+              </a:schemeClr>
+            </a:lnRef>
+            <a:fillRef idx="1">
+              <a:schemeClr val="accent3"/>
+            </a:fillRef>
+            <a:effectRef idx="0">
+              <a:schemeClr val="accent3"/>
+            </a:effectRef>
+            <a:fontRef idx="minor">
+              <a:schemeClr val="lt1"/>
+            </a:fontRef>
+          </p:style>
+          <p:txBody>
+            <a:bodyPr rtlCol="0" anchor="ctr"/>
+            <a:lstStyle/>
+            <a:p>
+              <a:pPr algn="ctr"/>
+              <a:endParaRPr lang="zh-CN" altLang="en-US"/>
+            </a:p>
+          </p:txBody>
+        </p:sp>
+        <p:grpSp>
+          <p:nvGrpSpPr>
+            <p:cNvPr id="89" name="组合 88">
+              <a:extLst>
+                <a:ext uri="{FF2B5EF4-FFF2-40B4-BE49-F238E27FC236}">
+                  <a16:creationId xmlns:a16="http://schemas.microsoft.com/office/drawing/2014/main" id="{A232E121-B189-43B1-A975-F9F9F522EC23}"/>
+                </a:ext>
+              </a:extLst>
+            </p:cNvPr>
+            <p:cNvGrpSpPr/>
+            <p:nvPr/>
+          </p:nvGrpSpPr>
+          <p:grpSpPr>
+            <a:xfrm>
+              <a:off x="4601586" y="2901676"/>
+              <a:ext cx="576000" cy="576000"/>
+              <a:chOff x="938379" y="3981401"/>
+              <a:chExt cx="576000" cy="576000"/>
+            </a:xfrm>
+          </p:grpSpPr>
+          <p:sp>
+            <p:nvSpPr>
+              <p:cNvPr id="100" name="矩形 99">
+                <a:extLst>
+                  <a:ext uri="{FF2B5EF4-FFF2-40B4-BE49-F238E27FC236}">
+                    <a16:creationId xmlns:a16="http://schemas.microsoft.com/office/drawing/2014/main" id="{3C56F434-A40A-41EC-9AAD-A66C758983A5}"/>
+                  </a:ext>
+                </a:extLst>
+              </p:cNvPr>
+              <p:cNvSpPr/>
+              <p:nvPr/>
+            </p:nvSpPr>
+            <p:spPr>
+              <a:xfrm>
+                <a:off x="938379" y="3981401"/>
+                <a:ext cx="288000" cy="576000"/>
+              </a:xfrm>
+              <a:prstGeom prst="rect">
+                <a:avLst/>
+              </a:prstGeom>
+              <a:ln>
+                <a:noFill/>
+              </a:ln>
+            </p:spPr>
+            <p:style>
+              <a:lnRef idx="2">
+                <a:schemeClr val="accent6">
+                  <a:shade val="50000"/>
+                </a:schemeClr>
+              </a:lnRef>
+              <a:fillRef idx="1">
+                <a:schemeClr val="accent6"/>
+              </a:fillRef>
+              <a:effectRef idx="0">
+                <a:schemeClr val="accent6"/>
+              </a:effectRef>
+              <a:fontRef idx="minor">
+                <a:schemeClr val="lt1"/>
+              </a:fontRef>
+            </p:style>
+            <p:txBody>
+              <a:bodyPr rtlCol="0" anchor="ctr"/>
+              <a:lstStyle/>
+              <a:p>
+                <a:pPr algn="ctr"/>
+                <a:endParaRPr lang="zh-CN" altLang="en-US" sz="1100" dirty="0">
+                  <a:latin typeface="Times New Roman" panose="02020603050405020304" pitchFamily="18" charset="0"/>
+                  <a:cs typeface="Times New Roman" panose="02020603050405020304" pitchFamily="18" charset="0"/>
+                </a:endParaRPr>
+              </a:p>
+            </p:txBody>
+          </p:sp>
+          <p:sp>
+            <p:nvSpPr>
+              <p:cNvPr id="101" name="矩形 100">
+                <a:extLst>
+                  <a:ext uri="{FF2B5EF4-FFF2-40B4-BE49-F238E27FC236}">
+                    <a16:creationId xmlns:a16="http://schemas.microsoft.com/office/drawing/2014/main" id="{DE811C8B-A970-4D51-9240-4F4B6B03C35D}"/>
+                  </a:ext>
+                </a:extLst>
+              </p:cNvPr>
+              <p:cNvSpPr/>
+              <p:nvPr/>
+            </p:nvSpPr>
+            <p:spPr>
+              <a:xfrm>
+                <a:off x="1226379" y="3981401"/>
+                <a:ext cx="288000" cy="576000"/>
+              </a:xfrm>
+              <a:prstGeom prst="rect">
+                <a:avLst/>
+              </a:prstGeom>
+              <a:ln>
+                <a:noFill/>
+              </a:ln>
+            </p:spPr>
+            <p:style>
+              <a:lnRef idx="2">
+                <a:schemeClr val="accent6">
+                  <a:shade val="50000"/>
+                </a:schemeClr>
+              </a:lnRef>
+              <a:fillRef idx="1">
+                <a:schemeClr val="accent6"/>
+              </a:fillRef>
+              <a:effectRef idx="0">
+                <a:schemeClr val="accent6"/>
+              </a:effectRef>
+              <a:fontRef idx="minor">
+                <a:schemeClr val="lt1"/>
+              </a:fontRef>
+            </p:style>
+            <p:txBody>
+              <a:bodyPr rtlCol="0" anchor="ctr"/>
+              <a:lstStyle/>
+              <a:p>
+                <a:pPr algn="ctr"/>
+                <a:endParaRPr lang="zh-CN" altLang="en-US" sz="1100" dirty="0">
+                  <a:latin typeface="Times New Roman" panose="02020603050405020304" pitchFamily="18" charset="0"/>
+                  <a:cs typeface="Times New Roman" panose="02020603050405020304" pitchFamily="18" charset="0"/>
+                </a:endParaRPr>
+              </a:p>
+            </p:txBody>
+          </p:sp>
+        </p:grpSp>
+        <p:grpSp>
+          <p:nvGrpSpPr>
+            <p:cNvPr id="90" name="组合 89">
+              <a:extLst>
+                <a:ext uri="{FF2B5EF4-FFF2-40B4-BE49-F238E27FC236}">
+                  <a16:creationId xmlns:a16="http://schemas.microsoft.com/office/drawing/2014/main" id="{7C7D295C-D4CC-4699-9C60-17E223F115B3}"/>
+                </a:ext>
+              </a:extLst>
+            </p:cNvPr>
+            <p:cNvGrpSpPr/>
+            <p:nvPr/>
+          </p:nvGrpSpPr>
+          <p:grpSpPr>
+            <a:xfrm>
+              <a:off x="5583804" y="2613676"/>
+              <a:ext cx="576000" cy="576000"/>
+              <a:chOff x="1915557" y="4269401"/>
+              <a:chExt cx="576000" cy="576000"/>
+            </a:xfrm>
+          </p:grpSpPr>
+          <p:sp>
+            <p:nvSpPr>
+              <p:cNvPr id="98" name="矩形 97">
+                <a:extLst>
+                  <a:ext uri="{FF2B5EF4-FFF2-40B4-BE49-F238E27FC236}">
+                    <a16:creationId xmlns:a16="http://schemas.microsoft.com/office/drawing/2014/main" id="{1A60D512-381C-47A2-BCD6-D8EBF0C1559D}"/>
+                  </a:ext>
+                </a:extLst>
+              </p:cNvPr>
+              <p:cNvSpPr/>
+              <p:nvPr/>
+            </p:nvSpPr>
+            <p:spPr>
+              <a:xfrm>
+                <a:off x="1915557" y="4269401"/>
+                <a:ext cx="288000" cy="576000"/>
+              </a:xfrm>
+              <a:prstGeom prst="rect">
+                <a:avLst/>
+              </a:prstGeom>
+              <a:ln>
+                <a:noFill/>
+              </a:ln>
+            </p:spPr>
+            <p:style>
+              <a:lnRef idx="2">
+                <a:schemeClr val="accent6">
+                  <a:shade val="50000"/>
+                </a:schemeClr>
+              </a:lnRef>
+              <a:fillRef idx="1">
+                <a:schemeClr val="accent6"/>
+              </a:fillRef>
+              <a:effectRef idx="0">
+                <a:schemeClr val="accent6"/>
+              </a:effectRef>
+              <a:fontRef idx="minor">
+                <a:schemeClr val="lt1"/>
+              </a:fontRef>
+            </p:style>
+            <p:txBody>
+              <a:bodyPr rtlCol="0" anchor="ctr"/>
+              <a:lstStyle/>
+              <a:p>
+                <a:pPr algn="ctr"/>
+                <a:endParaRPr lang="zh-CN" altLang="en-US" sz="1100" dirty="0">
+                  <a:latin typeface="Times New Roman" panose="02020603050405020304" pitchFamily="18" charset="0"/>
+                  <a:cs typeface="Times New Roman" panose="02020603050405020304" pitchFamily="18" charset="0"/>
+                </a:endParaRPr>
+              </a:p>
+            </p:txBody>
+          </p:sp>
+          <p:sp>
+            <p:nvSpPr>
+              <p:cNvPr id="99" name="矩形 98">
+                <a:extLst>
+                  <a:ext uri="{FF2B5EF4-FFF2-40B4-BE49-F238E27FC236}">
+                    <a16:creationId xmlns:a16="http://schemas.microsoft.com/office/drawing/2014/main" id="{273DC07E-500B-41B3-9006-DCD4D62E2744}"/>
+                  </a:ext>
+                </a:extLst>
+              </p:cNvPr>
+              <p:cNvSpPr/>
+              <p:nvPr/>
+            </p:nvSpPr>
+            <p:spPr>
+              <a:xfrm>
+                <a:off x="2203557" y="4269401"/>
+                <a:ext cx="288000" cy="576000"/>
+              </a:xfrm>
+              <a:prstGeom prst="rect">
+                <a:avLst/>
+              </a:prstGeom>
+              <a:solidFill>
+                <a:schemeClr val="accent4">
+                  <a:lumMod val="60000"/>
+                  <a:lumOff val="40000"/>
+                </a:schemeClr>
+              </a:solidFill>
+              <a:ln>
+                <a:noFill/>
+              </a:ln>
+            </p:spPr>
+            <p:style>
+              <a:lnRef idx="2">
+                <a:schemeClr val="accent1">
+                  <a:shade val="50000"/>
+                </a:schemeClr>
+              </a:lnRef>
+              <a:fillRef idx="1">
+                <a:schemeClr val="accent1"/>
+              </a:fillRef>
+              <a:effectRef idx="0">
+                <a:schemeClr val="accent1"/>
+              </a:effectRef>
+              <a:fontRef idx="minor">
+                <a:schemeClr val="lt1"/>
+              </a:fontRef>
+            </p:style>
+            <p:txBody>
+              <a:bodyPr rtlCol="0" anchor="ctr"/>
+              <a:lstStyle/>
+              <a:p>
+                <a:pPr algn="ctr"/>
+                <a:endParaRPr lang="zh-CN" altLang="en-US" dirty="0">
+                  <a:solidFill>
+                    <a:schemeClr val="tx1"/>
+                  </a:solidFill>
+                  <a:latin typeface="Times New Roman" panose="02020603050405020304" pitchFamily="18" charset="0"/>
+                  <a:cs typeface="Times New Roman" panose="02020603050405020304" pitchFamily="18" charset="0"/>
+                </a:endParaRPr>
+              </a:p>
+            </p:txBody>
+          </p:sp>
+        </p:grpSp>
+        <p:grpSp>
+          <p:nvGrpSpPr>
+            <p:cNvPr id="91" name="组合 90">
+              <a:extLst>
+                <a:ext uri="{FF2B5EF4-FFF2-40B4-BE49-F238E27FC236}">
+                  <a16:creationId xmlns:a16="http://schemas.microsoft.com/office/drawing/2014/main" id="{9BC4FEC0-C2D8-49FF-BFE0-7BE1CB05DFB2}"/>
+                </a:ext>
+              </a:extLst>
+            </p:cNvPr>
+            <p:cNvGrpSpPr/>
+            <p:nvPr/>
+          </p:nvGrpSpPr>
+          <p:grpSpPr>
+            <a:xfrm>
+              <a:off x="5581430" y="3252650"/>
+              <a:ext cx="576000" cy="576000"/>
+              <a:chOff x="3013168" y="3756375"/>
+              <a:chExt cx="576000" cy="576000"/>
+            </a:xfrm>
+          </p:grpSpPr>
+          <p:sp>
+            <p:nvSpPr>
+              <p:cNvPr id="96" name="矩形 95">
+                <a:extLst>
+                  <a:ext uri="{FF2B5EF4-FFF2-40B4-BE49-F238E27FC236}">
+                    <a16:creationId xmlns:a16="http://schemas.microsoft.com/office/drawing/2014/main" id="{EEB63261-5F27-418A-8D10-B384213B82B3}"/>
+                  </a:ext>
+                </a:extLst>
+              </p:cNvPr>
+              <p:cNvSpPr/>
+              <p:nvPr/>
+            </p:nvSpPr>
+            <p:spPr>
+              <a:xfrm>
+                <a:off x="3013168" y="3756375"/>
+                <a:ext cx="288000" cy="576000"/>
+              </a:xfrm>
+              <a:prstGeom prst="rect">
+                <a:avLst/>
+              </a:prstGeom>
+              <a:solidFill>
+                <a:schemeClr val="accent4">
+                  <a:lumMod val="60000"/>
+                  <a:lumOff val="40000"/>
+                </a:schemeClr>
+              </a:solidFill>
+              <a:ln>
+                <a:noFill/>
+              </a:ln>
+            </p:spPr>
+            <p:style>
+              <a:lnRef idx="2">
+                <a:schemeClr val="accent1">
+                  <a:shade val="50000"/>
+                </a:schemeClr>
+              </a:lnRef>
+              <a:fillRef idx="1">
+                <a:schemeClr val="accent1"/>
+              </a:fillRef>
+              <a:effectRef idx="0">
+                <a:schemeClr val="accent1"/>
+              </a:effectRef>
+              <a:fontRef idx="minor">
+                <a:schemeClr val="lt1"/>
+              </a:fontRef>
+            </p:style>
+            <p:txBody>
+              <a:bodyPr rtlCol="0" anchor="ctr"/>
+              <a:lstStyle/>
+              <a:p>
+                <a:pPr algn="ctr"/>
+                <a:endParaRPr lang="zh-CN" altLang="en-US" dirty="0">
+                  <a:solidFill>
+                    <a:schemeClr val="tx1"/>
+                  </a:solidFill>
+                  <a:latin typeface="Times New Roman" panose="02020603050405020304" pitchFamily="18" charset="0"/>
+                  <a:cs typeface="Times New Roman" panose="02020603050405020304" pitchFamily="18" charset="0"/>
+                </a:endParaRPr>
+              </a:p>
+            </p:txBody>
+          </p:sp>
+          <p:sp>
+            <p:nvSpPr>
+              <p:cNvPr id="97" name="矩形 96">
+                <a:extLst>
+                  <a:ext uri="{FF2B5EF4-FFF2-40B4-BE49-F238E27FC236}">
+                    <a16:creationId xmlns:a16="http://schemas.microsoft.com/office/drawing/2014/main" id="{C4785563-4AAC-40A7-9993-717E9FCEA37D}"/>
+                  </a:ext>
+                </a:extLst>
+              </p:cNvPr>
+              <p:cNvSpPr/>
+              <p:nvPr/>
+            </p:nvSpPr>
+            <p:spPr>
+              <a:xfrm>
+                <a:off x="3301168" y="3756375"/>
+                <a:ext cx="288000" cy="576000"/>
+              </a:xfrm>
+              <a:prstGeom prst="rect">
+                <a:avLst/>
+              </a:prstGeom>
+              <a:solidFill>
+                <a:schemeClr val="accent4">
+                  <a:lumMod val="60000"/>
+                  <a:lumOff val="40000"/>
+                </a:schemeClr>
+              </a:solidFill>
+              <a:ln>
+                <a:noFill/>
+              </a:ln>
+            </p:spPr>
+            <p:style>
+              <a:lnRef idx="2">
+                <a:schemeClr val="accent1">
+                  <a:shade val="50000"/>
+                </a:schemeClr>
+              </a:lnRef>
+              <a:fillRef idx="1">
+                <a:schemeClr val="accent1"/>
+              </a:fillRef>
+              <a:effectRef idx="0">
+                <a:schemeClr val="accent1"/>
+              </a:effectRef>
+              <a:fontRef idx="minor">
+                <a:schemeClr val="lt1"/>
+              </a:fontRef>
+            </p:style>
+            <p:txBody>
+              <a:bodyPr rtlCol="0" anchor="ctr"/>
+              <a:lstStyle/>
+              <a:p>
+                <a:pPr algn="ctr"/>
+                <a:endParaRPr lang="zh-CN" altLang="en-US" dirty="0">
+                  <a:solidFill>
+                    <a:schemeClr val="tx1"/>
+                  </a:solidFill>
+                  <a:latin typeface="Times New Roman" panose="02020603050405020304" pitchFamily="18" charset="0"/>
+                  <a:cs typeface="Times New Roman" panose="02020603050405020304" pitchFamily="18" charset="0"/>
+                </a:endParaRPr>
+              </a:p>
+            </p:txBody>
+          </p:sp>
+        </p:grpSp>
+        <p:cxnSp>
+          <p:nvCxnSpPr>
+            <p:cNvPr id="92" name="直接箭头连接符 91">
+              <a:extLst>
+                <a:ext uri="{FF2B5EF4-FFF2-40B4-BE49-F238E27FC236}">
+                  <a16:creationId xmlns:a16="http://schemas.microsoft.com/office/drawing/2014/main" id="{A71C5793-0816-4FAD-8D9D-6F3875397908}"/>
+                </a:ext>
+              </a:extLst>
+            </p:cNvPr>
+            <p:cNvCxnSpPr>
+              <a:stCxn id="101" idx="3"/>
+              <a:endCxn id="98" idx="1"/>
+            </p:cNvCxnSpPr>
+            <p:nvPr/>
+          </p:nvCxnSpPr>
+          <p:spPr>
+            <a:xfrm flipV="1">
+              <a:off x="5177586" y="2901676"/>
+              <a:ext cx="406218" cy="288000"/>
+            </a:xfrm>
+            <a:prstGeom prst="straightConnector1">
+              <a:avLst/>
+            </a:prstGeom>
+            <a:ln w="19050">
+              <a:tailEnd type="triangle"/>
+            </a:ln>
+          </p:spPr>
+          <p:style>
+            <a:lnRef idx="1">
+              <a:schemeClr val="accent6"/>
+            </a:lnRef>
+            <a:fillRef idx="0">
+              <a:schemeClr val="accent6"/>
+            </a:fillRef>
+            <a:effectRef idx="0">
+              <a:schemeClr val="accent6"/>
+            </a:effectRef>
+            <a:fontRef idx="minor">
+              <a:schemeClr val="tx1"/>
+            </a:fontRef>
+          </p:style>
+        </p:cxnSp>
+        <p:cxnSp>
+          <p:nvCxnSpPr>
+            <p:cNvPr id="93" name="直接箭头连接符 92">
+              <a:extLst>
+                <a:ext uri="{FF2B5EF4-FFF2-40B4-BE49-F238E27FC236}">
+                  <a16:creationId xmlns:a16="http://schemas.microsoft.com/office/drawing/2014/main" id="{772DB51F-F452-4B9E-863C-40AD5C1E9A17}"/>
+                </a:ext>
+              </a:extLst>
+            </p:cNvPr>
+            <p:cNvCxnSpPr>
+              <a:stCxn id="101" idx="3"/>
+              <a:endCxn id="96" idx="1"/>
+            </p:cNvCxnSpPr>
+            <p:nvPr/>
+          </p:nvCxnSpPr>
+          <p:spPr>
+            <a:xfrm>
+              <a:off x="5177586" y="3189676"/>
+              <a:ext cx="403844" cy="350974"/>
+            </a:xfrm>
+            <a:prstGeom prst="straightConnector1">
+              <a:avLst/>
+            </a:prstGeom>
+            <a:ln w="19050">
+              <a:tailEnd type="triangle"/>
+            </a:ln>
+          </p:spPr>
+          <p:style>
+            <a:lnRef idx="1">
+              <a:schemeClr val="accent6"/>
+            </a:lnRef>
+            <a:fillRef idx="0">
+              <a:schemeClr val="accent6"/>
+            </a:fillRef>
+            <a:effectRef idx="0">
+              <a:schemeClr val="accent6"/>
+            </a:effectRef>
+            <a:fontRef idx="minor">
+              <a:schemeClr val="tx1"/>
+            </a:fontRef>
+          </p:style>
+        </p:cxnSp>
+        <p:sp>
+          <p:nvSpPr>
+            <p:cNvPr id="94" name="文本框 93">
+              <a:extLst>
+                <a:ext uri="{FF2B5EF4-FFF2-40B4-BE49-F238E27FC236}">
+                  <a16:creationId xmlns:a16="http://schemas.microsoft.com/office/drawing/2014/main" id="{AC89E0FB-0BE1-46C6-BDA5-1FCA1138904C}"/>
+                </a:ext>
+              </a:extLst>
+            </p:cNvPr>
+            <p:cNvSpPr txBox="1"/>
+            <p:nvPr/>
+          </p:nvSpPr>
+          <p:spPr>
+            <a:xfrm>
+              <a:off x="4760964" y="3951630"/>
+              <a:ext cx="1524485" cy="307777"/>
+            </a:xfrm>
+            <a:prstGeom prst="rect">
+              <a:avLst/>
+            </a:prstGeom>
+            <a:noFill/>
+          </p:spPr>
+          <p:txBody>
+            <a:bodyPr wrap="square" rtlCol="0">
+              <a:spAutoFit/>
+            </a:bodyPr>
+            <a:lstStyle/>
+            <a:p>
+              <a:pPr algn="ctr"/>
+              <a:r>
+                <a:rPr lang="en-US" altLang="zh-CN" sz="1400" dirty="0">
+                  <a:latin typeface="Times New Roman" panose="02020603050405020304" pitchFamily="18" charset="0"/>
+                  <a:cs typeface="Times New Roman" panose="02020603050405020304" pitchFamily="18" charset="0"/>
+                </a:rPr>
+                <a:t>Total latency: 4ms</a:t>
+              </a:r>
+              <a:endParaRPr lang="zh-CN" altLang="en-US" sz="1400" dirty="0">
+                <a:latin typeface="Times New Roman" panose="02020603050405020304" pitchFamily="18" charset="0"/>
+                <a:cs typeface="Times New Roman" panose="02020603050405020304" pitchFamily="18" charset="0"/>
+              </a:endParaRPr>
+            </a:p>
+          </p:txBody>
+        </p:sp>
+        <p:sp>
+          <p:nvSpPr>
+            <p:cNvPr id="95" name="文本框 94">
+              <a:extLst>
+                <a:ext uri="{FF2B5EF4-FFF2-40B4-BE49-F238E27FC236}">
+                  <a16:creationId xmlns:a16="http://schemas.microsoft.com/office/drawing/2014/main" id="{B02B8821-D448-4B33-9551-FEDBD5D1D8DD}"/>
+                </a:ext>
+              </a:extLst>
+            </p:cNvPr>
+            <p:cNvSpPr txBox="1"/>
+            <p:nvPr/>
+          </p:nvSpPr>
+          <p:spPr>
+            <a:xfrm>
+              <a:off x="5434588" y="2053254"/>
+              <a:ext cx="929377" cy="523220"/>
+            </a:xfrm>
+            <a:prstGeom prst="rect">
+              <a:avLst/>
+            </a:prstGeom>
+            <a:noFill/>
+          </p:spPr>
+          <p:txBody>
+            <a:bodyPr wrap="square" rtlCol="0">
+              <a:spAutoFit/>
+            </a:bodyPr>
+            <a:lstStyle/>
+            <a:p>
+              <a:pPr algn="ctr"/>
+              <a:r>
+                <a:rPr lang="en-US" altLang="zh-CN" sz="1400" dirty="0">
+                  <a:latin typeface="Times New Roman" panose="02020603050405020304" pitchFamily="18" charset="0"/>
+                  <a:cs typeface="Times New Roman" panose="02020603050405020304" pitchFamily="18" charset="0"/>
+                </a:rPr>
+                <a:t>Running in parallel</a:t>
+              </a:r>
+              <a:endParaRPr lang="zh-CN" altLang="en-US" sz="1400" dirty="0">
+                <a:latin typeface="Times New Roman" panose="02020603050405020304" pitchFamily="18" charset="0"/>
+                <a:cs typeface="Times New Roman" panose="02020603050405020304" pitchFamily="18" charset="0"/>
+              </a:endParaRPr>
+            </a:p>
+          </p:txBody>
+        </p:sp>
+      </p:grpSp>
+      <p:grpSp>
+        <p:nvGrpSpPr>
+          <p:cNvPr id="102" name="组合 101">
+            <a:extLst>
+              <a:ext uri="{FF2B5EF4-FFF2-40B4-BE49-F238E27FC236}">
+                <a16:creationId xmlns:a16="http://schemas.microsoft.com/office/drawing/2014/main" id="{5E64B7DA-5225-44E2-98C8-AE934F049A3C}"/>
+              </a:ext>
+            </a:extLst>
+          </p:cNvPr>
+          <p:cNvGrpSpPr/>
+          <p:nvPr/>
+        </p:nvGrpSpPr>
+        <p:grpSpPr>
+          <a:xfrm>
+            <a:off x="4121612" y="42880"/>
+            <a:ext cx="3367642" cy="896836"/>
+            <a:chOff x="4120402" y="217364"/>
+            <a:chExt cx="3367642" cy="896836"/>
+          </a:xfrm>
+        </p:grpSpPr>
+        <p:grpSp>
+          <p:nvGrpSpPr>
+            <p:cNvPr id="103" name="组合 102">
+              <a:extLst>
+                <a:ext uri="{FF2B5EF4-FFF2-40B4-BE49-F238E27FC236}">
+                  <a16:creationId xmlns:a16="http://schemas.microsoft.com/office/drawing/2014/main" id="{F8EA5A7F-F050-4C77-89E3-975B822BD287}"/>
+                </a:ext>
+              </a:extLst>
+            </p:cNvPr>
+            <p:cNvGrpSpPr/>
+            <p:nvPr/>
+          </p:nvGrpSpPr>
+          <p:grpSpPr>
+            <a:xfrm>
+              <a:off x="4375325" y="217364"/>
+              <a:ext cx="576000" cy="576000"/>
+              <a:chOff x="722982" y="3756375"/>
+              <a:chExt cx="576000" cy="576000"/>
+            </a:xfrm>
+          </p:grpSpPr>
+          <p:sp>
+            <p:nvSpPr>
+              <p:cNvPr id="115" name="矩形 114">
+                <a:extLst>
+                  <a:ext uri="{FF2B5EF4-FFF2-40B4-BE49-F238E27FC236}">
+                    <a16:creationId xmlns:a16="http://schemas.microsoft.com/office/drawing/2014/main" id="{727202F8-67E4-4DB8-A322-D81D47C078BA}"/>
+                  </a:ext>
+                </a:extLst>
+              </p:cNvPr>
+              <p:cNvSpPr/>
+              <p:nvPr/>
+            </p:nvSpPr>
+            <p:spPr>
+              <a:xfrm>
+                <a:off x="722982" y="3756375"/>
+                <a:ext cx="288000" cy="576000"/>
+              </a:xfrm>
+              <a:prstGeom prst="rect">
+                <a:avLst/>
+              </a:prstGeom>
+              <a:ln>
+                <a:noFill/>
+              </a:ln>
+            </p:spPr>
+            <p:style>
+              <a:lnRef idx="2">
+                <a:schemeClr val="accent6">
+                  <a:shade val="50000"/>
+                </a:schemeClr>
+              </a:lnRef>
+              <a:fillRef idx="1">
+                <a:schemeClr val="accent6"/>
+              </a:fillRef>
+              <a:effectRef idx="0">
+                <a:schemeClr val="accent6"/>
+              </a:effectRef>
+              <a:fontRef idx="minor">
+                <a:schemeClr val="lt1"/>
+              </a:fontRef>
+            </p:style>
+            <p:txBody>
+              <a:bodyPr rtlCol="0" anchor="ctr"/>
+              <a:lstStyle/>
+              <a:p>
+                <a:pPr algn="ctr"/>
+                <a:endParaRPr lang="zh-CN" altLang="en-US" sz="1100" dirty="0">
+                  <a:latin typeface="Times New Roman" panose="02020603050405020304" pitchFamily="18" charset="0"/>
+                  <a:cs typeface="Times New Roman" panose="02020603050405020304" pitchFamily="18" charset="0"/>
+                </a:endParaRPr>
+              </a:p>
+            </p:txBody>
+          </p:sp>
+          <p:sp>
+            <p:nvSpPr>
+              <p:cNvPr id="116" name="矩形 115">
+                <a:extLst>
+                  <a:ext uri="{FF2B5EF4-FFF2-40B4-BE49-F238E27FC236}">
+                    <a16:creationId xmlns:a16="http://schemas.microsoft.com/office/drawing/2014/main" id="{C833BBDE-19AD-4F16-86AD-E5F8A6C98A2F}"/>
+                  </a:ext>
+                </a:extLst>
+              </p:cNvPr>
+              <p:cNvSpPr/>
+              <p:nvPr/>
+            </p:nvSpPr>
+            <p:spPr>
+              <a:xfrm>
+                <a:off x="1010982" y="3756375"/>
+                <a:ext cx="288000" cy="576000"/>
+              </a:xfrm>
+              <a:prstGeom prst="rect">
+                <a:avLst/>
+              </a:prstGeom>
+              <a:ln>
+                <a:noFill/>
+              </a:ln>
+            </p:spPr>
+            <p:style>
+              <a:lnRef idx="2">
+                <a:schemeClr val="accent6">
+                  <a:shade val="50000"/>
+                </a:schemeClr>
+              </a:lnRef>
+              <a:fillRef idx="1">
+                <a:schemeClr val="accent6"/>
+              </a:fillRef>
+              <a:effectRef idx="0">
+                <a:schemeClr val="accent6"/>
+              </a:effectRef>
+              <a:fontRef idx="minor">
+                <a:schemeClr val="lt1"/>
+              </a:fontRef>
+            </p:style>
+            <p:txBody>
+              <a:bodyPr rtlCol="0" anchor="ctr"/>
+              <a:lstStyle/>
+              <a:p>
+                <a:pPr algn="ctr"/>
+                <a:endParaRPr lang="zh-CN" altLang="en-US" sz="1100" dirty="0">
+                  <a:latin typeface="Times New Roman" panose="02020603050405020304" pitchFamily="18" charset="0"/>
+                  <a:cs typeface="Times New Roman" panose="02020603050405020304" pitchFamily="18" charset="0"/>
+                </a:endParaRPr>
+              </a:p>
+            </p:txBody>
+          </p:sp>
+        </p:grpSp>
+        <p:grpSp>
+          <p:nvGrpSpPr>
+            <p:cNvPr id="104" name="组合 103">
+              <a:extLst>
+                <a:ext uri="{FF2B5EF4-FFF2-40B4-BE49-F238E27FC236}">
+                  <a16:creationId xmlns:a16="http://schemas.microsoft.com/office/drawing/2014/main" id="{3E60F10D-5784-4428-A0E3-BAE3B951D822}"/>
+                </a:ext>
+              </a:extLst>
+            </p:cNvPr>
+            <p:cNvGrpSpPr/>
+            <p:nvPr/>
+          </p:nvGrpSpPr>
+          <p:grpSpPr>
+            <a:xfrm>
+              <a:off x="5516223" y="217364"/>
+              <a:ext cx="576000" cy="576000"/>
+              <a:chOff x="1899933" y="3756375"/>
+              <a:chExt cx="576000" cy="576000"/>
+            </a:xfrm>
+          </p:grpSpPr>
+          <p:sp>
+            <p:nvSpPr>
+              <p:cNvPr id="113" name="矩形 112">
+                <a:extLst>
+                  <a:ext uri="{FF2B5EF4-FFF2-40B4-BE49-F238E27FC236}">
+                    <a16:creationId xmlns:a16="http://schemas.microsoft.com/office/drawing/2014/main" id="{A08B9982-9654-41CC-AF30-E79D04D3BD8A}"/>
+                  </a:ext>
+                </a:extLst>
+              </p:cNvPr>
+              <p:cNvSpPr/>
+              <p:nvPr/>
+            </p:nvSpPr>
+            <p:spPr>
+              <a:xfrm>
+                <a:off x="1899933" y="3756375"/>
+                <a:ext cx="288000" cy="576000"/>
+              </a:xfrm>
+              <a:prstGeom prst="rect">
+                <a:avLst/>
+              </a:prstGeom>
+              <a:ln>
+                <a:noFill/>
+              </a:ln>
+            </p:spPr>
+            <p:style>
+              <a:lnRef idx="2">
+                <a:schemeClr val="accent6">
+                  <a:shade val="50000"/>
+                </a:schemeClr>
+              </a:lnRef>
+              <a:fillRef idx="1">
+                <a:schemeClr val="accent6"/>
+              </a:fillRef>
+              <a:effectRef idx="0">
+                <a:schemeClr val="accent6"/>
+              </a:effectRef>
+              <a:fontRef idx="minor">
+                <a:schemeClr val="lt1"/>
+              </a:fontRef>
+            </p:style>
+            <p:txBody>
+              <a:bodyPr rtlCol="0" anchor="ctr"/>
+              <a:lstStyle/>
+              <a:p>
+                <a:pPr algn="ctr"/>
+                <a:endParaRPr lang="zh-CN" altLang="en-US" sz="1100" dirty="0">
+                  <a:latin typeface="Times New Roman" panose="02020603050405020304" pitchFamily="18" charset="0"/>
+                  <a:cs typeface="Times New Roman" panose="02020603050405020304" pitchFamily="18" charset="0"/>
+                </a:endParaRPr>
+              </a:p>
+            </p:txBody>
+          </p:sp>
+          <p:sp>
+            <p:nvSpPr>
+              <p:cNvPr id="114" name="矩形 113">
+                <a:extLst>
+                  <a:ext uri="{FF2B5EF4-FFF2-40B4-BE49-F238E27FC236}">
+                    <a16:creationId xmlns:a16="http://schemas.microsoft.com/office/drawing/2014/main" id="{F5C96324-AD25-427B-88FC-9257569D6433}"/>
+                  </a:ext>
+                </a:extLst>
+              </p:cNvPr>
+              <p:cNvSpPr/>
+              <p:nvPr/>
+            </p:nvSpPr>
+            <p:spPr>
+              <a:xfrm>
+                <a:off x="2187933" y="3756375"/>
+                <a:ext cx="288000" cy="576000"/>
+              </a:xfrm>
+              <a:prstGeom prst="rect">
+                <a:avLst/>
+              </a:prstGeom>
+              <a:solidFill>
+                <a:schemeClr val="accent4">
+                  <a:lumMod val="60000"/>
+                  <a:lumOff val="40000"/>
+                </a:schemeClr>
+              </a:solidFill>
+              <a:ln>
+                <a:noFill/>
+              </a:ln>
+            </p:spPr>
+            <p:style>
+              <a:lnRef idx="2">
+                <a:schemeClr val="accent1">
+                  <a:shade val="50000"/>
+                </a:schemeClr>
+              </a:lnRef>
+              <a:fillRef idx="1">
+                <a:schemeClr val="accent1"/>
+              </a:fillRef>
+              <a:effectRef idx="0">
+                <a:schemeClr val="accent1"/>
+              </a:effectRef>
+              <a:fontRef idx="minor">
+                <a:schemeClr val="lt1"/>
+              </a:fontRef>
+            </p:style>
+            <p:txBody>
+              <a:bodyPr rtlCol="0" anchor="ctr"/>
+              <a:lstStyle/>
+              <a:p>
+                <a:pPr algn="ctr"/>
+                <a:endParaRPr lang="zh-CN" altLang="en-US" dirty="0">
+                  <a:solidFill>
+                    <a:schemeClr val="tx1"/>
+                  </a:solidFill>
+                  <a:latin typeface="Times New Roman" panose="02020603050405020304" pitchFamily="18" charset="0"/>
+                  <a:cs typeface="Times New Roman" panose="02020603050405020304" pitchFamily="18" charset="0"/>
+                </a:endParaRPr>
+              </a:p>
+            </p:txBody>
+          </p:sp>
+        </p:grpSp>
+        <p:grpSp>
+          <p:nvGrpSpPr>
+            <p:cNvPr id="105" name="组合 104">
+              <a:extLst>
+                <a:ext uri="{FF2B5EF4-FFF2-40B4-BE49-F238E27FC236}">
+                  <a16:creationId xmlns:a16="http://schemas.microsoft.com/office/drawing/2014/main" id="{1F1C8F98-4286-46E8-A092-87E2850C1ABA}"/>
+                </a:ext>
+              </a:extLst>
+            </p:cNvPr>
+            <p:cNvGrpSpPr/>
+            <p:nvPr/>
+          </p:nvGrpSpPr>
+          <p:grpSpPr>
+            <a:xfrm>
+              <a:off x="6657122" y="217364"/>
+              <a:ext cx="576000" cy="576000"/>
+              <a:chOff x="3004779" y="3756375"/>
+              <a:chExt cx="576000" cy="576000"/>
+            </a:xfrm>
+          </p:grpSpPr>
+          <p:sp>
+            <p:nvSpPr>
+              <p:cNvPr id="111" name="矩形 110">
+                <a:extLst>
+                  <a:ext uri="{FF2B5EF4-FFF2-40B4-BE49-F238E27FC236}">
+                    <a16:creationId xmlns:a16="http://schemas.microsoft.com/office/drawing/2014/main" id="{F9B6F9F1-C80D-46BB-9CC6-6EF684BFCC8E}"/>
+                  </a:ext>
+                </a:extLst>
+              </p:cNvPr>
+              <p:cNvSpPr/>
+              <p:nvPr/>
+            </p:nvSpPr>
+            <p:spPr>
+              <a:xfrm>
+                <a:off x="3004779" y="3756375"/>
+                <a:ext cx="288000" cy="576000"/>
+              </a:xfrm>
+              <a:prstGeom prst="rect">
+                <a:avLst/>
+              </a:prstGeom>
+              <a:solidFill>
+                <a:schemeClr val="accent4">
+                  <a:lumMod val="60000"/>
+                  <a:lumOff val="40000"/>
+                </a:schemeClr>
+              </a:solidFill>
+              <a:ln>
+                <a:noFill/>
+              </a:ln>
+            </p:spPr>
+            <p:style>
+              <a:lnRef idx="2">
+                <a:schemeClr val="accent1">
+                  <a:shade val="50000"/>
+                </a:schemeClr>
+              </a:lnRef>
+              <a:fillRef idx="1">
+                <a:schemeClr val="accent1"/>
+              </a:fillRef>
+              <a:effectRef idx="0">
+                <a:schemeClr val="accent1"/>
+              </a:effectRef>
+              <a:fontRef idx="minor">
+                <a:schemeClr val="lt1"/>
+              </a:fontRef>
+            </p:style>
+            <p:txBody>
+              <a:bodyPr rtlCol="0" anchor="ctr"/>
+              <a:lstStyle/>
+              <a:p>
+                <a:pPr algn="ctr"/>
+                <a:endParaRPr lang="zh-CN" altLang="en-US" dirty="0">
+                  <a:solidFill>
+                    <a:schemeClr val="tx1"/>
+                  </a:solidFill>
+                  <a:latin typeface="Times New Roman" panose="02020603050405020304" pitchFamily="18" charset="0"/>
+                  <a:cs typeface="Times New Roman" panose="02020603050405020304" pitchFamily="18" charset="0"/>
+                </a:endParaRPr>
+              </a:p>
+            </p:txBody>
+          </p:sp>
+          <p:sp>
+            <p:nvSpPr>
+              <p:cNvPr id="112" name="矩形 111">
+                <a:extLst>
+                  <a:ext uri="{FF2B5EF4-FFF2-40B4-BE49-F238E27FC236}">
+                    <a16:creationId xmlns:a16="http://schemas.microsoft.com/office/drawing/2014/main" id="{0CD36D77-A18F-4B4B-A73F-EF5B8A7AD9DB}"/>
+                  </a:ext>
+                </a:extLst>
+              </p:cNvPr>
+              <p:cNvSpPr/>
+              <p:nvPr/>
+            </p:nvSpPr>
+            <p:spPr>
+              <a:xfrm>
+                <a:off x="3292779" y="3756375"/>
+                <a:ext cx="288000" cy="576000"/>
+              </a:xfrm>
+              <a:prstGeom prst="rect">
+                <a:avLst/>
+              </a:prstGeom>
+              <a:solidFill>
+                <a:schemeClr val="accent4">
+                  <a:lumMod val="60000"/>
+                  <a:lumOff val="40000"/>
+                </a:schemeClr>
+              </a:solidFill>
+              <a:ln>
+                <a:noFill/>
+              </a:ln>
+            </p:spPr>
+            <p:style>
+              <a:lnRef idx="2">
+                <a:schemeClr val="accent1">
+                  <a:shade val="50000"/>
+                </a:schemeClr>
+              </a:lnRef>
+              <a:fillRef idx="1">
+                <a:schemeClr val="accent1"/>
+              </a:fillRef>
+              <a:effectRef idx="0">
+                <a:schemeClr val="accent1"/>
+              </a:effectRef>
+              <a:fontRef idx="minor">
+                <a:schemeClr val="lt1"/>
+              </a:fontRef>
+            </p:style>
+            <p:txBody>
+              <a:bodyPr rtlCol="0" anchor="ctr"/>
+              <a:lstStyle/>
+              <a:p>
+                <a:pPr algn="ctr"/>
+                <a:endParaRPr lang="zh-CN" altLang="en-US" dirty="0">
+                  <a:solidFill>
+                    <a:schemeClr val="tx1"/>
+                  </a:solidFill>
+                  <a:latin typeface="Times New Roman" panose="02020603050405020304" pitchFamily="18" charset="0"/>
+                  <a:cs typeface="Times New Roman" panose="02020603050405020304" pitchFamily="18" charset="0"/>
+                </a:endParaRPr>
+              </a:p>
+            </p:txBody>
+          </p:sp>
+        </p:grpSp>
+        <p:cxnSp>
+          <p:nvCxnSpPr>
+            <p:cNvPr id="106" name="直接箭头连接符 105">
+              <a:extLst>
+                <a:ext uri="{FF2B5EF4-FFF2-40B4-BE49-F238E27FC236}">
+                  <a16:creationId xmlns:a16="http://schemas.microsoft.com/office/drawing/2014/main" id="{017DACFE-6EC6-4203-A7BE-240CB52A6056}"/>
+                </a:ext>
+              </a:extLst>
+            </p:cNvPr>
+            <p:cNvCxnSpPr>
+              <a:stCxn id="114" idx="3"/>
+              <a:endCxn id="111" idx="1"/>
+            </p:cNvCxnSpPr>
+            <p:nvPr/>
+          </p:nvCxnSpPr>
+          <p:spPr>
+            <a:xfrm>
+              <a:off x="6092223" y="505364"/>
+              <a:ext cx="564899" cy="0"/>
+            </a:xfrm>
+            <a:prstGeom prst="straightConnector1">
+              <a:avLst/>
+            </a:prstGeom>
+            <a:ln w="19050">
+              <a:tailEnd type="triangle"/>
+            </a:ln>
+          </p:spPr>
+          <p:style>
+            <a:lnRef idx="1">
+              <a:schemeClr val="accent6"/>
+            </a:lnRef>
+            <a:fillRef idx="0">
+              <a:schemeClr val="accent6"/>
+            </a:fillRef>
+            <a:effectRef idx="0">
+              <a:schemeClr val="accent6"/>
+            </a:effectRef>
+            <a:fontRef idx="minor">
+              <a:schemeClr val="tx1"/>
+            </a:fontRef>
+          </p:style>
+        </p:cxnSp>
+        <p:sp>
+          <p:nvSpPr>
+            <p:cNvPr id="107" name="文本框 106">
+              <a:extLst>
+                <a:ext uri="{FF2B5EF4-FFF2-40B4-BE49-F238E27FC236}">
+                  <a16:creationId xmlns:a16="http://schemas.microsoft.com/office/drawing/2014/main" id="{57587FDB-8540-4126-ACE4-ED2CD6759C5F}"/>
+                </a:ext>
+              </a:extLst>
+            </p:cNvPr>
+            <p:cNvSpPr txBox="1"/>
+            <p:nvPr/>
+          </p:nvSpPr>
+          <p:spPr>
+            <a:xfrm>
+              <a:off x="4120402" y="785877"/>
+              <a:ext cx="1042444" cy="307777"/>
+            </a:xfrm>
+            <a:prstGeom prst="rect">
+              <a:avLst/>
+            </a:prstGeom>
+            <a:noFill/>
+          </p:spPr>
+          <p:txBody>
+            <a:bodyPr wrap="square" rtlCol="0">
+              <a:spAutoFit/>
+            </a:bodyPr>
+            <a:lstStyle/>
+            <a:p>
+              <a:pPr algn="ctr"/>
+              <a:r>
+                <a:rPr lang="en-US" altLang="zh-CN" sz="1400" dirty="0">
+                  <a:latin typeface="Times New Roman" panose="02020603050405020304" pitchFamily="18" charset="0"/>
+                  <a:cs typeface="Times New Roman" panose="02020603050405020304" pitchFamily="18" charset="0"/>
+                </a:rPr>
+                <a:t>NF A (2ms)</a:t>
+              </a:r>
+              <a:endParaRPr lang="zh-CN" altLang="en-US" sz="1400" dirty="0">
+                <a:latin typeface="Times New Roman" panose="02020603050405020304" pitchFamily="18" charset="0"/>
+                <a:cs typeface="Times New Roman" panose="02020603050405020304" pitchFamily="18" charset="0"/>
+              </a:endParaRPr>
+            </a:p>
+          </p:txBody>
+        </p:sp>
+        <p:sp>
+          <p:nvSpPr>
+            <p:cNvPr id="108" name="文本框 107">
+              <a:extLst>
+                <a:ext uri="{FF2B5EF4-FFF2-40B4-BE49-F238E27FC236}">
+                  <a16:creationId xmlns:a16="http://schemas.microsoft.com/office/drawing/2014/main" id="{33452037-814B-4956-A339-FD8BC783A56E}"/>
+                </a:ext>
+              </a:extLst>
+            </p:cNvPr>
+            <p:cNvSpPr txBox="1"/>
+            <p:nvPr/>
+          </p:nvSpPr>
+          <p:spPr>
+            <a:xfrm>
+              <a:off x="5283001" y="806423"/>
+              <a:ext cx="1042444" cy="307777"/>
+            </a:xfrm>
+            <a:prstGeom prst="rect">
+              <a:avLst/>
+            </a:prstGeom>
+            <a:noFill/>
+          </p:spPr>
+          <p:txBody>
+            <a:bodyPr wrap="square" rtlCol="0">
+              <a:spAutoFit/>
+            </a:bodyPr>
+            <a:lstStyle/>
+            <a:p>
+              <a:pPr algn="ctr"/>
+              <a:r>
+                <a:rPr lang="en-US" altLang="zh-CN" sz="1400" dirty="0">
+                  <a:latin typeface="Times New Roman" panose="02020603050405020304" pitchFamily="18" charset="0"/>
+                  <a:cs typeface="Times New Roman" panose="02020603050405020304" pitchFamily="18" charset="0"/>
+                </a:rPr>
+                <a:t>NF B (2ms)</a:t>
+              </a:r>
+              <a:endParaRPr lang="zh-CN" altLang="en-US" sz="1400" dirty="0">
+                <a:latin typeface="Times New Roman" panose="02020603050405020304" pitchFamily="18" charset="0"/>
+                <a:cs typeface="Times New Roman" panose="02020603050405020304" pitchFamily="18" charset="0"/>
+              </a:endParaRPr>
+            </a:p>
+          </p:txBody>
+        </p:sp>
+        <p:sp>
+          <p:nvSpPr>
+            <p:cNvPr id="109" name="文本框 108">
+              <a:extLst>
+                <a:ext uri="{FF2B5EF4-FFF2-40B4-BE49-F238E27FC236}">
+                  <a16:creationId xmlns:a16="http://schemas.microsoft.com/office/drawing/2014/main" id="{58D0D824-C61F-4F4E-93B7-C2BD25949A72}"/>
+                </a:ext>
+              </a:extLst>
+            </p:cNvPr>
+            <p:cNvSpPr txBox="1"/>
+            <p:nvPr/>
+          </p:nvSpPr>
+          <p:spPr>
+            <a:xfrm>
+              <a:off x="6445600" y="806423"/>
+              <a:ext cx="1042444" cy="307777"/>
+            </a:xfrm>
+            <a:prstGeom prst="rect">
+              <a:avLst/>
+            </a:prstGeom>
+            <a:noFill/>
+          </p:spPr>
+          <p:txBody>
+            <a:bodyPr wrap="square" rtlCol="0">
+              <a:spAutoFit/>
+            </a:bodyPr>
+            <a:lstStyle/>
+            <a:p>
+              <a:pPr algn="ctr"/>
+              <a:r>
+                <a:rPr lang="en-US" altLang="zh-CN" sz="1400" dirty="0">
+                  <a:latin typeface="Times New Roman" panose="02020603050405020304" pitchFamily="18" charset="0"/>
+                  <a:cs typeface="Times New Roman" panose="02020603050405020304" pitchFamily="18" charset="0"/>
+                </a:rPr>
+                <a:t>NF C (1ms)</a:t>
+              </a:r>
+              <a:endParaRPr lang="zh-CN" altLang="en-US" sz="1400" dirty="0">
+                <a:latin typeface="Times New Roman" panose="02020603050405020304" pitchFamily="18" charset="0"/>
+                <a:cs typeface="Times New Roman" panose="02020603050405020304" pitchFamily="18" charset="0"/>
+              </a:endParaRPr>
+            </a:p>
+          </p:txBody>
+        </p:sp>
+        <p:cxnSp>
+          <p:nvCxnSpPr>
+            <p:cNvPr id="110" name="直接箭头连接符 109">
+              <a:extLst>
+                <a:ext uri="{FF2B5EF4-FFF2-40B4-BE49-F238E27FC236}">
+                  <a16:creationId xmlns:a16="http://schemas.microsoft.com/office/drawing/2014/main" id="{1745DE7E-D013-437C-B982-7B4E66409EFA}"/>
+                </a:ext>
+              </a:extLst>
+            </p:cNvPr>
+            <p:cNvCxnSpPr>
+              <a:endCxn id="113" idx="1"/>
+            </p:cNvCxnSpPr>
+            <p:nvPr/>
+          </p:nvCxnSpPr>
+          <p:spPr>
+            <a:xfrm>
+              <a:off x="4951325" y="505364"/>
+              <a:ext cx="564898" cy="0"/>
+            </a:xfrm>
+            <a:prstGeom prst="straightConnector1">
+              <a:avLst/>
+            </a:prstGeom>
+            <a:ln w="19050">
+              <a:tailEnd type="triangle"/>
+            </a:ln>
+          </p:spPr>
+          <p:style>
+            <a:lnRef idx="1">
+              <a:schemeClr val="accent6"/>
+            </a:lnRef>
+            <a:fillRef idx="0">
+              <a:schemeClr val="accent6"/>
+            </a:fillRef>
+            <a:effectRef idx="0">
+              <a:schemeClr val="accent6"/>
+            </a:effectRef>
+            <a:fontRef idx="minor">
+              <a:schemeClr val="tx1"/>
+            </a:fontRef>
+          </p:style>
+        </p:cxnSp>
+      </p:grpSp>
+      <p:grpSp>
+        <p:nvGrpSpPr>
+          <p:cNvPr id="117" name="组合 116">
+            <a:extLst>
+              <a:ext uri="{FF2B5EF4-FFF2-40B4-BE49-F238E27FC236}">
+                <a16:creationId xmlns:a16="http://schemas.microsoft.com/office/drawing/2014/main" id="{8DE63212-0BBB-4386-9990-4737B285BB27}"/>
+              </a:ext>
+            </a:extLst>
+          </p:cNvPr>
+          <p:cNvGrpSpPr/>
+          <p:nvPr/>
+        </p:nvGrpSpPr>
+        <p:grpSpPr>
+          <a:xfrm>
+            <a:off x="5258286" y="1851169"/>
+            <a:ext cx="1778702" cy="2259217"/>
+            <a:chOff x="738238" y="862290"/>
+            <a:chExt cx="1778702" cy="2259217"/>
+          </a:xfrm>
+        </p:grpSpPr>
+        <p:sp>
+          <p:nvSpPr>
+            <p:cNvPr id="118" name="矩形 117">
+              <a:extLst>
+                <a:ext uri="{FF2B5EF4-FFF2-40B4-BE49-F238E27FC236}">
+                  <a16:creationId xmlns:a16="http://schemas.microsoft.com/office/drawing/2014/main" id="{FD96179F-37D1-4DA8-B24F-5F3B406050DD}"/>
+                </a:ext>
+              </a:extLst>
+            </p:cNvPr>
+            <p:cNvSpPr/>
+            <p:nvPr/>
+          </p:nvSpPr>
+          <p:spPr>
+            <a:xfrm>
+              <a:off x="738238" y="862290"/>
+              <a:ext cx="1002735" cy="1917950"/>
+            </a:xfrm>
+            <a:prstGeom prst="rect">
+              <a:avLst/>
+            </a:prstGeom>
+            <a:solidFill>
+              <a:schemeClr val="bg1">
+                <a:lumMod val="85000"/>
+              </a:schemeClr>
+            </a:solidFill>
+            <a:ln>
+              <a:solidFill>
+                <a:schemeClr val="bg2"/>
+              </a:solidFill>
+            </a:ln>
+          </p:spPr>
+          <p:style>
+            <a:lnRef idx="2">
+              <a:schemeClr val="accent3">
+                <a:shade val="50000"/>
+              </a:schemeClr>
+            </a:lnRef>
+            <a:fillRef idx="1">
+              <a:schemeClr val="accent3"/>
+            </a:fillRef>
+            <a:effectRef idx="0">
+              <a:schemeClr val="accent3"/>
+            </a:effectRef>
+            <a:fontRef idx="minor">
+              <a:schemeClr val="lt1"/>
+            </a:fontRef>
+          </p:style>
+          <p:txBody>
+            <a:bodyPr rtlCol="0" anchor="ctr"/>
+            <a:lstStyle/>
+            <a:p>
+              <a:pPr algn="ctr"/>
+              <a:endParaRPr lang="zh-CN" altLang="en-US"/>
+            </a:p>
+          </p:txBody>
+        </p:sp>
+        <p:grpSp>
+          <p:nvGrpSpPr>
+            <p:cNvPr id="119" name="组合 118">
+              <a:extLst>
+                <a:ext uri="{FF2B5EF4-FFF2-40B4-BE49-F238E27FC236}">
+                  <a16:creationId xmlns:a16="http://schemas.microsoft.com/office/drawing/2014/main" id="{52F4B62C-5269-467F-A09D-95F2B168C2FE}"/>
+                </a:ext>
+              </a:extLst>
+            </p:cNvPr>
+            <p:cNvGrpSpPr/>
+            <p:nvPr/>
+          </p:nvGrpSpPr>
+          <p:grpSpPr>
+            <a:xfrm>
+              <a:off x="962129" y="1461632"/>
+              <a:ext cx="576000" cy="576000"/>
+              <a:chOff x="789279" y="4255952"/>
+              <a:chExt cx="576000" cy="576000"/>
+            </a:xfrm>
+          </p:grpSpPr>
+          <p:sp>
+            <p:nvSpPr>
+              <p:cNvPr id="130" name="矩形 129">
+                <a:extLst>
+                  <a:ext uri="{FF2B5EF4-FFF2-40B4-BE49-F238E27FC236}">
+                    <a16:creationId xmlns:a16="http://schemas.microsoft.com/office/drawing/2014/main" id="{95ACC4B5-2BE8-4331-BF68-D476A79A56A1}"/>
+                  </a:ext>
+                </a:extLst>
+              </p:cNvPr>
+              <p:cNvSpPr/>
+              <p:nvPr/>
+            </p:nvSpPr>
+            <p:spPr>
+              <a:xfrm>
+                <a:off x="789279" y="4255952"/>
+                <a:ext cx="288000" cy="576000"/>
+              </a:xfrm>
+              <a:prstGeom prst="rect">
+                <a:avLst/>
+              </a:prstGeom>
+              <a:ln>
+                <a:noFill/>
+              </a:ln>
+            </p:spPr>
+            <p:style>
+              <a:lnRef idx="2">
+                <a:schemeClr val="accent6">
+                  <a:shade val="50000"/>
+                </a:schemeClr>
+              </a:lnRef>
+              <a:fillRef idx="1">
+                <a:schemeClr val="accent6"/>
+              </a:fillRef>
+              <a:effectRef idx="0">
+                <a:schemeClr val="accent6"/>
+              </a:effectRef>
+              <a:fontRef idx="minor">
+                <a:schemeClr val="lt1"/>
+              </a:fontRef>
+            </p:style>
+            <p:txBody>
+              <a:bodyPr rtlCol="0" anchor="ctr"/>
+              <a:lstStyle/>
+              <a:p>
+                <a:pPr algn="ctr"/>
+                <a:endParaRPr lang="zh-CN" altLang="en-US" sz="1100" dirty="0">
+                  <a:latin typeface="Times New Roman" panose="02020603050405020304" pitchFamily="18" charset="0"/>
+                  <a:cs typeface="Times New Roman" panose="02020603050405020304" pitchFamily="18" charset="0"/>
+                </a:endParaRPr>
+              </a:p>
+            </p:txBody>
+          </p:sp>
+          <p:sp>
+            <p:nvSpPr>
+              <p:cNvPr id="131" name="矩形 130">
+                <a:extLst>
+                  <a:ext uri="{FF2B5EF4-FFF2-40B4-BE49-F238E27FC236}">
+                    <a16:creationId xmlns:a16="http://schemas.microsoft.com/office/drawing/2014/main" id="{330619DA-635F-4F69-A940-CBB3A496824D}"/>
+                  </a:ext>
+                </a:extLst>
+              </p:cNvPr>
+              <p:cNvSpPr/>
+              <p:nvPr/>
+            </p:nvSpPr>
+            <p:spPr>
+              <a:xfrm>
+                <a:off x="1077279" y="4255952"/>
+                <a:ext cx="288000" cy="576000"/>
+              </a:xfrm>
+              <a:prstGeom prst="rect">
+                <a:avLst/>
+              </a:prstGeom>
+              <a:ln>
+                <a:noFill/>
+              </a:ln>
+            </p:spPr>
+            <p:style>
+              <a:lnRef idx="2">
+                <a:schemeClr val="accent6">
+                  <a:shade val="50000"/>
+                </a:schemeClr>
+              </a:lnRef>
+              <a:fillRef idx="1">
+                <a:schemeClr val="accent6"/>
+              </a:fillRef>
+              <a:effectRef idx="0">
+                <a:schemeClr val="accent6"/>
+              </a:effectRef>
+              <a:fontRef idx="minor">
+                <a:schemeClr val="lt1"/>
+              </a:fontRef>
+            </p:style>
+            <p:txBody>
+              <a:bodyPr rtlCol="0" anchor="ctr"/>
+              <a:lstStyle/>
+              <a:p>
+                <a:pPr algn="ctr"/>
+                <a:endParaRPr lang="zh-CN" altLang="en-US" sz="1100" dirty="0">
+                  <a:latin typeface="Times New Roman" panose="02020603050405020304" pitchFamily="18" charset="0"/>
+                  <a:cs typeface="Times New Roman" panose="02020603050405020304" pitchFamily="18" charset="0"/>
+                </a:endParaRPr>
+              </a:p>
+            </p:txBody>
+          </p:sp>
+        </p:grpSp>
+        <p:grpSp>
+          <p:nvGrpSpPr>
+            <p:cNvPr id="120" name="组合 119">
+              <a:extLst>
+                <a:ext uri="{FF2B5EF4-FFF2-40B4-BE49-F238E27FC236}">
+                  <a16:creationId xmlns:a16="http://schemas.microsoft.com/office/drawing/2014/main" id="{BBBB0D70-6DC5-4D9D-89D7-024517CB1BF0}"/>
+                </a:ext>
+              </a:extLst>
+            </p:cNvPr>
+            <p:cNvGrpSpPr/>
+            <p:nvPr/>
+          </p:nvGrpSpPr>
+          <p:grpSpPr>
+            <a:xfrm>
+              <a:off x="962129" y="2107728"/>
+              <a:ext cx="576000" cy="576000"/>
+              <a:chOff x="1966230" y="3750048"/>
+              <a:chExt cx="576000" cy="576000"/>
+            </a:xfrm>
+          </p:grpSpPr>
+          <p:sp>
+            <p:nvSpPr>
+              <p:cNvPr id="128" name="矩形 127">
+                <a:extLst>
+                  <a:ext uri="{FF2B5EF4-FFF2-40B4-BE49-F238E27FC236}">
+                    <a16:creationId xmlns:a16="http://schemas.microsoft.com/office/drawing/2014/main" id="{129AAAC3-9F2D-45F4-B6D3-55A48114538F}"/>
+                  </a:ext>
+                </a:extLst>
+              </p:cNvPr>
+              <p:cNvSpPr/>
+              <p:nvPr/>
+            </p:nvSpPr>
+            <p:spPr>
+              <a:xfrm>
+                <a:off x="1966230" y="3750048"/>
+                <a:ext cx="288000" cy="576000"/>
+              </a:xfrm>
+              <a:prstGeom prst="rect">
+                <a:avLst/>
+              </a:prstGeom>
+              <a:ln>
+                <a:noFill/>
+              </a:ln>
+            </p:spPr>
+            <p:style>
+              <a:lnRef idx="2">
+                <a:schemeClr val="accent6">
+                  <a:shade val="50000"/>
+                </a:schemeClr>
+              </a:lnRef>
+              <a:fillRef idx="1">
+                <a:schemeClr val="accent6"/>
+              </a:fillRef>
+              <a:effectRef idx="0">
+                <a:schemeClr val="accent6"/>
+              </a:effectRef>
+              <a:fontRef idx="minor">
+                <a:schemeClr val="lt1"/>
+              </a:fontRef>
+            </p:style>
+            <p:txBody>
+              <a:bodyPr rtlCol="0" anchor="ctr"/>
+              <a:lstStyle/>
+              <a:p>
+                <a:pPr algn="ctr"/>
+                <a:endParaRPr lang="zh-CN" altLang="en-US" sz="1100" dirty="0">
+                  <a:latin typeface="Times New Roman" panose="02020603050405020304" pitchFamily="18" charset="0"/>
+                  <a:cs typeface="Times New Roman" panose="02020603050405020304" pitchFamily="18" charset="0"/>
+                </a:endParaRPr>
+              </a:p>
+            </p:txBody>
+          </p:sp>
+          <p:sp>
+            <p:nvSpPr>
+              <p:cNvPr id="129" name="矩形 128">
+                <a:extLst>
+                  <a:ext uri="{FF2B5EF4-FFF2-40B4-BE49-F238E27FC236}">
+                    <a16:creationId xmlns:a16="http://schemas.microsoft.com/office/drawing/2014/main" id="{F68A5C93-8A55-4469-9CAA-1F16AEF0AFA2}"/>
+                  </a:ext>
+                </a:extLst>
+              </p:cNvPr>
+              <p:cNvSpPr/>
+              <p:nvPr/>
+            </p:nvSpPr>
+            <p:spPr>
+              <a:xfrm>
+                <a:off x="2254230" y="3750048"/>
+                <a:ext cx="288000" cy="576000"/>
+              </a:xfrm>
+              <a:prstGeom prst="rect">
+                <a:avLst/>
+              </a:prstGeom>
+              <a:solidFill>
+                <a:schemeClr val="accent4">
+                  <a:lumMod val="60000"/>
+                  <a:lumOff val="40000"/>
+                </a:schemeClr>
+              </a:solidFill>
+              <a:ln>
+                <a:noFill/>
+              </a:ln>
+            </p:spPr>
+            <p:style>
+              <a:lnRef idx="2">
+                <a:schemeClr val="accent1">
+                  <a:shade val="50000"/>
+                </a:schemeClr>
+              </a:lnRef>
+              <a:fillRef idx="1">
+                <a:schemeClr val="accent1"/>
+              </a:fillRef>
+              <a:effectRef idx="0">
+                <a:schemeClr val="accent1"/>
+              </a:effectRef>
+              <a:fontRef idx="minor">
+                <a:schemeClr val="lt1"/>
+              </a:fontRef>
+            </p:style>
+            <p:txBody>
+              <a:bodyPr rtlCol="0" anchor="ctr"/>
+              <a:lstStyle/>
+              <a:p>
+                <a:pPr algn="ctr"/>
+                <a:endParaRPr lang="zh-CN" altLang="en-US" dirty="0">
+                  <a:solidFill>
+                    <a:schemeClr val="tx1"/>
+                  </a:solidFill>
+                  <a:latin typeface="Times New Roman" panose="02020603050405020304" pitchFamily="18" charset="0"/>
+                  <a:cs typeface="Times New Roman" panose="02020603050405020304" pitchFamily="18" charset="0"/>
+                </a:endParaRPr>
+              </a:p>
+            </p:txBody>
+          </p:sp>
+        </p:grpSp>
+        <p:grpSp>
+          <p:nvGrpSpPr>
+            <p:cNvPr id="121" name="组合 120">
+              <a:extLst>
+                <a:ext uri="{FF2B5EF4-FFF2-40B4-BE49-F238E27FC236}">
+                  <a16:creationId xmlns:a16="http://schemas.microsoft.com/office/drawing/2014/main" id="{31A4CD16-6C1A-4655-B06D-538CD68C4511}"/>
+                </a:ext>
+              </a:extLst>
+            </p:cNvPr>
+            <p:cNvGrpSpPr/>
+            <p:nvPr/>
+          </p:nvGrpSpPr>
+          <p:grpSpPr>
+            <a:xfrm>
+              <a:off x="1940940" y="1752279"/>
+              <a:ext cx="576000" cy="576000"/>
+              <a:chOff x="2872613" y="3970599"/>
+              <a:chExt cx="576000" cy="576000"/>
+            </a:xfrm>
+          </p:grpSpPr>
+          <p:sp>
+            <p:nvSpPr>
+              <p:cNvPr id="126" name="矩形 125">
+                <a:extLst>
+                  <a:ext uri="{FF2B5EF4-FFF2-40B4-BE49-F238E27FC236}">
+                    <a16:creationId xmlns:a16="http://schemas.microsoft.com/office/drawing/2014/main" id="{ED80829A-156B-43F3-BDA6-D79C1AED4BB4}"/>
+                  </a:ext>
+                </a:extLst>
+              </p:cNvPr>
+              <p:cNvSpPr/>
+              <p:nvPr/>
+            </p:nvSpPr>
+            <p:spPr>
+              <a:xfrm>
+                <a:off x="2872613" y="3970599"/>
+                <a:ext cx="288000" cy="576000"/>
+              </a:xfrm>
+              <a:prstGeom prst="rect">
+                <a:avLst/>
+              </a:prstGeom>
+              <a:solidFill>
+                <a:schemeClr val="accent4">
+                  <a:lumMod val="60000"/>
+                  <a:lumOff val="40000"/>
+                </a:schemeClr>
+              </a:solidFill>
+              <a:ln>
+                <a:noFill/>
+              </a:ln>
+            </p:spPr>
+            <p:style>
+              <a:lnRef idx="2">
+                <a:schemeClr val="accent1">
+                  <a:shade val="50000"/>
+                </a:schemeClr>
+              </a:lnRef>
+              <a:fillRef idx="1">
+                <a:schemeClr val="accent1"/>
+              </a:fillRef>
+              <a:effectRef idx="0">
+                <a:schemeClr val="accent1"/>
+              </a:effectRef>
+              <a:fontRef idx="minor">
+                <a:schemeClr val="lt1"/>
+              </a:fontRef>
+            </p:style>
+            <p:txBody>
+              <a:bodyPr rtlCol="0" anchor="ctr"/>
+              <a:lstStyle/>
+              <a:p>
+                <a:pPr algn="ctr"/>
+                <a:endParaRPr lang="zh-CN" altLang="en-US" dirty="0">
+                  <a:solidFill>
+                    <a:schemeClr val="tx1"/>
+                  </a:solidFill>
+                  <a:latin typeface="Times New Roman" panose="02020603050405020304" pitchFamily="18" charset="0"/>
+                  <a:cs typeface="Times New Roman" panose="02020603050405020304" pitchFamily="18" charset="0"/>
+                </a:endParaRPr>
+              </a:p>
+            </p:txBody>
+          </p:sp>
+          <p:sp>
+            <p:nvSpPr>
+              <p:cNvPr id="127" name="矩形 126">
+                <a:extLst>
+                  <a:ext uri="{FF2B5EF4-FFF2-40B4-BE49-F238E27FC236}">
+                    <a16:creationId xmlns:a16="http://schemas.microsoft.com/office/drawing/2014/main" id="{89D706E6-2727-412D-AECE-29D02D253C10}"/>
+                  </a:ext>
+                </a:extLst>
+              </p:cNvPr>
+              <p:cNvSpPr/>
+              <p:nvPr/>
+            </p:nvSpPr>
+            <p:spPr>
+              <a:xfrm>
+                <a:off x="3160613" y="3970599"/>
+                <a:ext cx="288000" cy="576000"/>
+              </a:xfrm>
+              <a:prstGeom prst="rect">
+                <a:avLst/>
+              </a:prstGeom>
+              <a:solidFill>
+                <a:schemeClr val="accent4">
+                  <a:lumMod val="60000"/>
+                  <a:lumOff val="40000"/>
+                </a:schemeClr>
+              </a:solidFill>
+              <a:ln>
+                <a:noFill/>
+              </a:ln>
+            </p:spPr>
+            <p:style>
+              <a:lnRef idx="2">
+                <a:schemeClr val="accent1">
+                  <a:shade val="50000"/>
+                </a:schemeClr>
+              </a:lnRef>
+              <a:fillRef idx="1">
+                <a:schemeClr val="accent1"/>
+              </a:fillRef>
+              <a:effectRef idx="0">
+                <a:schemeClr val="accent1"/>
+              </a:effectRef>
+              <a:fontRef idx="minor">
+                <a:schemeClr val="lt1"/>
+              </a:fontRef>
+            </p:style>
+            <p:txBody>
+              <a:bodyPr rtlCol="0" anchor="ctr"/>
+              <a:lstStyle/>
+              <a:p>
+                <a:pPr algn="ctr"/>
+                <a:endParaRPr lang="zh-CN" altLang="en-US" dirty="0">
+                  <a:solidFill>
+                    <a:schemeClr val="tx1"/>
+                  </a:solidFill>
+                  <a:latin typeface="Times New Roman" panose="02020603050405020304" pitchFamily="18" charset="0"/>
+                  <a:cs typeface="Times New Roman" panose="02020603050405020304" pitchFamily="18" charset="0"/>
+                </a:endParaRPr>
+              </a:p>
+            </p:txBody>
+          </p:sp>
+        </p:grpSp>
+        <p:sp>
+          <p:nvSpPr>
+            <p:cNvPr id="122" name="文本框 121">
+              <a:extLst>
+                <a:ext uri="{FF2B5EF4-FFF2-40B4-BE49-F238E27FC236}">
+                  <a16:creationId xmlns:a16="http://schemas.microsoft.com/office/drawing/2014/main" id="{F531F9D5-887B-415C-9D41-F7A78F1EE5D4}"/>
+                </a:ext>
+              </a:extLst>
+            </p:cNvPr>
+            <p:cNvSpPr txBox="1"/>
+            <p:nvPr/>
+          </p:nvSpPr>
+          <p:spPr>
+            <a:xfrm>
+              <a:off x="815546" y="2813730"/>
+              <a:ext cx="1524485" cy="307777"/>
+            </a:xfrm>
+            <a:prstGeom prst="rect">
+              <a:avLst/>
+            </a:prstGeom>
+            <a:noFill/>
+          </p:spPr>
+          <p:txBody>
+            <a:bodyPr wrap="square" rtlCol="0">
+              <a:spAutoFit/>
+            </a:bodyPr>
+            <a:lstStyle/>
+            <a:p>
+              <a:pPr algn="ctr"/>
+              <a:r>
+                <a:rPr lang="en-US" altLang="zh-CN" sz="1400" dirty="0">
+                  <a:latin typeface="Times New Roman" panose="02020603050405020304" pitchFamily="18" charset="0"/>
+                  <a:cs typeface="Times New Roman" panose="02020603050405020304" pitchFamily="18" charset="0"/>
+                </a:rPr>
+                <a:t>Total latency: 3ms</a:t>
+              </a:r>
+              <a:endParaRPr lang="zh-CN" altLang="en-US" sz="1400" dirty="0">
+                <a:latin typeface="Times New Roman" panose="02020603050405020304" pitchFamily="18" charset="0"/>
+                <a:cs typeface="Times New Roman" panose="02020603050405020304" pitchFamily="18" charset="0"/>
+              </a:endParaRPr>
+            </a:p>
+          </p:txBody>
+        </p:sp>
+        <p:sp>
+          <p:nvSpPr>
+            <p:cNvPr id="123" name="文本框 122">
+              <a:extLst>
+                <a:ext uri="{FF2B5EF4-FFF2-40B4-BE49-F238E27FC236}">
+                  <a16:creationId xmlns:a16="http://schemas.microsoft.com/office/drawing/2014/main" id="{A01A5100-9FB4-4986-B304-742D9082DB7B}"/>
+                </a:ext>
+              </a:extLst>
+            </p:cNvPr>
+            <p:cNvSpPr txBox="1"/>
+            <p:nvPr/>
+          </p:nvSpPr>
+          <p:spPr>
+            <a:xfrm>
+              <a:off x="815546" y="885965"/>
+              <a:ext cx="929377" cy="523220"/>
+            </a:xfrm>
+            <a:prstGeom prst="rect">
+              <a:avLst/>
+            </a:prstGeom>
+            <a:noFill/>
+          </p:spPr>
+          <p:txBody>
+            <a:bodyPr wrap="square" rtlCol="0">
+              <a:spAutoFit/>
+            </a:bodyPr>
+            <a:lstStyle/>
+            <a:p>
+              <a:pPr algn="ctr"/>
+              <a:r>
+                <a:rPr lang="en-US" altLang="zh-CN" sz="1400" dirty="0">
+                  <a:latin typeface="Times New Roman" panose="02020603050405020304" pitchFamily="18" charset="0"/>
+                  <a:cs typeface="Times New Roman" panose="02020603050405020304" pitchFamily="18" charset="0"/>
+                </a:rPr>
+                <a:t>Running in parallel</a:t>
+              </a:r>
+              <a:endParaRPr lang="zh-CN" altLang="en-US" sz="1400" dirty="0">
+                <a:latin typeface="Times New Roman" panose="02020603050405020304" pitchFamily="18" charset="0"/>
+                <a:cs typeface="Times New Roman" panose="02020603050405020304" pitchFamily="18" charset="0"/>
+              </a:endParaRPr>
+            </a:p>
+          </p:txBody>
+        </p:sp>
+        <p:cxnSp>
+          <p:nvCxnSpPr>
+            <p:cNvPr id="124" name="直接箭头连接符 123">
+              <a:extLst>
+                <a:ext uri="{FF2B5EF4-FFF2-40B4-BE49-F238E27FC236}">
+                  <a16:creationId xmlns:a16="http://schemas.microsoft.com/office/drawing/2014/main" id="{D2C3082D-5194-4291-A44A-A7D73004FD24}"/>
+                </a:ext>
+              </a:extLst>
+            </p:cNvPr>
+            <p:cNvCxnSpPr>
+              <a:stCxn id="131" idx="3"/>
+              <a:endCxn id="126" idx="1"/>
+            </p:cNvCxnSpPr>
+            <p:nvPr/>
+          </p:nvCxnSpPr>
+          <p:spPr>
+            <a:xfrm>
+              <a:off x="1538129" y="1749632"/>
+              <a:ext cx="402811" cy="290647"/>
+            </a:xfrm>
+            <a:prstGeom prst="straightConnector1">
+              <a:avLst/>
+            </a:prstGeom>
+            <a:ln w="19050">
+              <a:tailEnd type="triangle"/>
+            </a:ln>
+          </p:spPr>
+          <p:style>
+            <a:lnRef idx="1">
+              <a:schemeClr val="accent6"/>
+            </a:lnRef>
+            <a:fillRef idx="0">
+              <a:schemeClr val="accent6"/>
+            </a:fillRef>
+            <a:effectRef idx="0">
+              <a:schemeClr val="accent6"/>
+            </a:effectRef>
+            <a:fontRef idx="minor">
+              <a:schemeClr val="tx1"/>
+            </a:fontRef>
+          </p:style>
+        </p:cxnSp>
+        <p:cxnSp>
+          <p:nvCxnSpPr>
+            <p:cNvPr id="125" name="直接箭头连接符 124">
+              <a:extLst>
+                <a:ext uri="{FF2B5EF4-FFF2-40B4-BE49-F238E27FC236}">
+                  <a16:creationId xmlns:a16="http://schemas.microsoft.com/office/drawing/2014/main" id="{589D16F1-6699-42CC-9671-C957A51A0241}"/>
+                </a:ext>
+              </a:extLst>
+            </p:cNvPr>
+            <p:cNvCxnSpPr>
+              <a:stCxn id="129" idx="3"/>
+              <a:endCxn id="126" idx="1"/>
+            </p:cNvCxnSpPr>
+            <p:nvPr/>
+          </p:nvCxnSpPr>
+          <p:spPr>
+            <a:xfrm flipV="1">
+              <a:off x="1538129" y="2040279"/>
+              <a:ext cx="402811" cy="355449"/>
+            </a:xfrm>
+            <a:prstGeom prst="straightConnector1">
+              <a:avLst/>
+            </a:prstGeom>
+            <a:ln w="19050">
+              <a:tailEnd type="triangle"/>
+            </a:ln>
+          </p:spPr>
+          <p:style>
+            <a:lnRef idx="1">
+              <a:schemeClr val="accent6"/>
+            </a:lnRef>
+            <a:fillRef idx="0">
+              <a:schemeClr val="accent6"/>
+            </a:fillRef>
+            <a:effectRef idx="0">
+              <a:schemeClr val="accent6"/>
+            </a:effectRef>
+            <a:fontRef idx="minor">
+              <a:schemeClr val="tx1"/>
+            </a:fontRef>
+          </p:style>
+        </p:cxnSp>
+      </p:grpSp>
+      <p:grpSp>
+        <p:nvGrpSpPr>
+          <p:cNvPr id="132" name="组合 131">
+            <a:extLst>
+              <a:ext uri="{FF2B5EF4-FFF2-40B4-BE49-F238E27FC236}">
+                <a16:creationId xmlns:a16="http://schemas.microsoft.com/office/drawing/2014/main" id="{A34D6886-353A-4F4B-894C-5D9C2174966E}"/>
+              </a:ext>
+            </a:extLst>
+          </p:cNvPr>
+          <p:cNvGrpSpPr/>
+          <p:nvPr/>
+        </p:nvGrpSpPr>
+        <p:grpSpPr>
+          <a:xfrm rot="5400000">
+            <a:off x="6424152" y="2318519"/>
+            <a:ext cx="2550955" cy="1524485"/>
+            <a:chOff x="8313415" y="1425579"/>
+            <a:chExt cx="2550955" cy="1524485"/>
+          </a:xfrm>
+        </p:grpSpPr>
+        <p:grpSp>
+          <p:nvGrpSpPr>
+            <p:cNvPr id="133" name="组合 132">
+              <a:extLst>
+                <a:ext uri="{FF2B5EF4-FFF2-40B4-BE49-F238E27FC236}">
+                  <a16:creationId xmlns:a16="http://schemas.microsoft.com/office/drawing/2014/main" id="{E91AF25C-7474-40D0-BFE6-E7D5A506D19B}"/>
+                </a:ext>
+              </a:extLst>
+            </p:cNvPr>
+            <p:cNvGrpSpPr/>
+            <p:nvPr/>
+          </p:nvGrpSpPr>
+          <p:grpSpPr>
+            <a:xfrm>
+              <a:off x="8313415" y="1940232"/>
+              <a:ext cx="576000" cy="576000"/>
+              <a:chOff x="722982" y="3756375"/>
+              <a:chExt cx="576000" cy="576000"/>
+            </a:xfrm>
+          </p:grpSpPr>
+          <p:sp>
+            <p:nvSpPr>
+              <p:cNvPr id="143" name="矩形 142">
+                <a:extLst>
+                  <a:ext uri="{FF2B5EF4-FFF2-40B4-BE49-F238E27FC236}">
+                    <a16:creationId xmlns:a16="http://schemas.microsoft.com/office/drawing/2014/main" id="{96D4353C-7600-4B9A-89A2-4E3CE4CEB248}"/>
+                  </a:ext>
+                </a:extLst>
+              </p:cNvPr>
+              <p:cNvSpPr/>
+              <p:nvPr/>
+            </p:nvSpPr>
+            <p:spPr>
+              <a:xfrm>
+                <a:off x="722982" y="3756375"/>
+                <a:ext cx="288000" cy="576000"/>
+              </a:xfrm>
+              <a:prstGeom prst="rect">
+                <a:avLst/>
+              </a:prstGeom>
+              <a:ln>
+                <a:noFill/>
+              </a:ln>
+            </p:spPr>
+            <p:style>
+              <a:lnRef idx="2">
+                <a:schemeClr val="accent6">
+                  <a:shade val="50000"/>
+                </a:schemeClr>
+              </a:lnRef>
+              <a:fillRef idx="1">
+                <a:schemeClr val="accent6"/>
+              </a:fillRef>
+              <a:effectRef idx="0">
+                <a:schemeClr val="accent6"/>
+              </a:effectRef>
+              <a:fontRef idx="minor">
+                <a:schemeClr val="lt1"/>
+              </a:fontRef>
+            </p:style>
+            <p:txBody>
+              <a:bodyPr rtlCol="0" anchor="ctr"/>
+              <a:lstStyle/>
+              <a:p>
+                <a:pPr algn="ctr"/>
+                <a:endParaRPr lang="zh-CN" altLang="en-US" sz="1100" dirty="0">
+                  <a:latin typeface="Times New Roman" panose="02020603050405020304" pitchFamily="18" charset="0"/>
+                  <a:cs typeface="Times New Roman" panose="02020603050405020304" pitchFamily="18" charset="0"/>
+                </a:endParaRPr>
+              </a:p>
+            </p:txBody>
+          </p:sp>
+          <p:sp>
+            <p:nvSpPr>
+              <p:cNvPr id="144" name="矩形 143">
+                <a:extLst>
+                  <a:ext uri="{FF2B5EF4-FFF2-40B4-BE49-F238E27FC236}">
+                    <a16:creationId xmlns:a16="http://schemas.microsoft.com/office/drawing/2014/main" id="{DB800DC4-C72E-472D-9498-F0723DF79C0A}"/>
+                  </a:ext>
+                </a:extLst>
+              </p:cNvPr>
+              <p:cNvSpPr/>
+              <p:nvPr/>
+            </p:nvSpPr>
+            <p:spPr>
+              <a:xfrm>
+                <a:off x="1010982" y="3756375"/>
+                <a:ext cx="288000" cy="576000"/>
+              </a:xfrm>
+              <a:prstGeom prst="rect">
+                <a:avLst/>
+              </a:prstGeom>
+              <a:ln>
+                <a:noFill/>
+              </a:ln>
+            </p:spPr>
+            <p:style>
+              <a:lnRef idx="2">
+                <a:schemeClr val="accent6">
+                  <a:shade val="50000"/>
+                </a:schemeClr>
+              </a:lnRef>
+              <a:fillRef idx="1">
+                <a:schemeClr val="accent6"/>
+              </a:fillRef>
+              <a:effectRef idx="0">
+                <a:schemeClr val="accent6"/>
+              </a:effectRef>
+              <a:fontRef idx="minor">
+                <a:schemeClr val="lt1"/>
+              </a:fontRef>
+            </p:style>
+            <p:txBody>
+              <a:bodyPr rtlCol="0" anchor="ctr"/>
+              <a:lstStyle/>
+              <a:p>
+                <a:pPr algn="ctr"/>
+                <a:endParaRPr lang="zh-CN" altLang="en-US" sz="1100" dirty="0">
+                  <a:latin typeface="Times New Roman" panose="02020603050405020304" pitchFamily="18" charset="0"/>
+                  <a:cs typeface="Times New Roman" panose="02020603050405020304" pitchFamily="18" charset="0"/>
+                </a:endParaRPr>
+              </a:p>
+            </p:txBody>
+          </p:sp>
+        </p:grpSp>
+        <p:grpSp>
+          <p:nvGrpSpPr>
+            <p:cNvPr id="134" name="组合 133">
+              <a:extLst>
+                <a:ext uri="{FF2B5EF4-FFF2-40B4-BE49-F238E27FC236}">
+                  <a16:creationId xmlns:a16="http://schemas.microsoft.com/office/drawing/2014/main" id="{65480A35-3E95-4C34-AAB6-D04F65D99C8E}"/>
+                </a:ext>
+              </a:extLst>
+            </p:cNvPr>
+            <p:cNvGrpSpPr/>
+            <p:nvPr/>
+          </p:nvGrpSpPr>
+          <p:grpSpPr>
+            <a:xfrm>
+              <a:off x="9141619" y="1940232"/>
+              <a:ext cx="576000" cy="576000"/>
+              <a:chOff x="1587239" y="3756375"/>
+              <a:chExt cx="576000" cy="576000"/>
+            </a:xfrm>
+          </p:grpSpPr>
+          <p:sp>
+            <p:nvSpPr>
+              <p:cNvPr id="141" name="矩形 140">
+                <a:extLst>
+                  <a:ext uri="{FF2B5EF4-FFF2-40B4-BE49-F238E27FC236}">
+                    <a16:creationId xmlns:a16="http://schemas.microsoft.com/office/drawing/2014/main" id="{F0A86D75-897B-4F0F-8B2C-83282B17D15F}"/>
+                  </a:ext>
+                </a:extLst>
+              </p:cNvPr>
+              <p:cNvSpPr/>
+              <p:nvPr/>
+            </p:nvSpPr>
+            <p:spPr>
+              <a:xfrm>
+                <a:off x="1587239" y="3756375"/>
+                <a:ext cx="288000" cy="576000"/>
+              </a:xfrm>
+              <a:prstGeom prst="rect">
+                <a:avLst/>
+              </a:prstGeom>
+              <a:ln>
+                <a:noFill/>
+              </a:ln>
+            </p:spPr>
+            <p:style>
+              <a:lnRef idx="2">
+                <a:schemeClr val="accent6">
+                  <a:shade val="50000"/>
+                </a:schemeClr>
+              </a:lnRef>
+              <a:fillRef idx="1">
+                <a:schemeClr val="accent6"/>
+              </a:fillRef>
+              <a:effectRef idx="0">
+                <a:schemeClr val="accent6"/>
+              </a:effectRef>
+              <a:fontRef idx="minor">
+                <a:schemeClr val="lt1"/>
+              </a:fontRef>
+            </p:style>
+            <p:txBody>
+              <a:bodyPr rtlCol="0" anchor="ctr"/>
+              <a:lstStyle/>
+              <a:p>
+                <a:pPr algn="ctr"/>
+                <a:endParaRPr lang="zh-CN" altLang="en-US" sz="1100" dirty="0">
+                  <a:latin typeface="Times New Roman" panose="02020603050405020304" pitchFamily="18" charset="0"/>
+                  <a:cs typeface="Times New Roman" panose="02020603050405020304" pitchFamily="18" charset="0"/>
+                </a:endParaRPr>
+              </a:p>
+            </p:txBody>
+          </p:sp>
+          <p:sp>
+            <p:nvSpPr>
+              <p:cNvPr id="142" name="矩形 141">
+                <a:extLst>
+                  <a:ext uri="{FF2B5EF4-FFF2-40B4-BE49-F238E27FC236}">
+                    <a16:creationId xmlns:a16="http://schemas.microsoft.com/office/drawing/2014/main" id="{B9426E53-4B1D-430A-ADA3-F3F61177FFB5}"/>
+                  </a:ext>
+                </a:extLst>
+              </p:cNvPr>
+              <p:cNvSpPr/>
+              <p:nvPr/>
+            </p:nvSpPr>
+            <p:spPr>
+              <a:xfrm>
+                <a:off x="1875239" y="3756375"/>
+                <a:ext cx="288000" cy="576000"/>
+              </a:xfrm>
+              <a:prstGeom prst="rect">
+                <a:avLst/>
+              </a:prstGeom>
+              <a:solidFill>
+                <a:schemeClr val="accent4">
+                  <a:lumMod val="60000"/>
+                  <a:lumOff val="40000"/>
+                </a:schemeClr>
+              </a:solidFill>
+              <a:ln>
+                <a:noFill/>
+              </a:ln>
+            </p:spPr>
+            <p:style>
+              <a:lnRef idx="2">
+                <a:schemeClr val="accent1">
+                  <a:shade val="50000"/>
+                </a:schemeClr>
+              </a:lnRef>
+              <a:fillRef idx="1">
+                <a:schemeClr val="accent1"/>
+              </a:fillRef>
+              <a:effectRef idx="0">
+                <a:schemeClr val="accent1"/>
+              </a:effectRef>
+              <a:fontRef idx="minor">
+                <a:schemeClr val="lt1"/>
+              </a:fontRef>
+            </p:style>
+            <p:txBody>
+              <a:bodyPr rtlCol="0" anchor="ctr"/>
+              <a:lstStyle/>
+              <a:p>
+                <a:pPr algn="ctr"/>
+                <a:endParaRPr lang="zh-CN" altLang="en-US" dirty="0">
+                  <a:solidFill>
+                    <a:schemeClr val="tx1"/>
+                  </a:solidFill>
+                  <a:latin typeface="Times New Roman" panose="02020603050405020304" pitchFamily="18" charset="0"/>
+                  <a:cs typeface="Times New Roman" panose="02020603050405020304" pitchFamily="18" charset="0"/>
+                </a:endParaRPr>
+              </a:p>
+            </p:txBody>
+          </p:sp>
+        </p:grpSp>
+        <p:grpSp>
+          <p:nvGrpSpPr>
+            <p:cNvPr id="135" name="组合 134">
+              <a:extLst>
+                <a:ext uri="{FF2B5EF4-FFF2-40B4-BE49-F238E27FC236}">
+                  <a16:creationId xmlns:a16="http://schemas.microsoft.com/office/drawing/2014/main" id="{2B46EC24-4A8C-4388-A77F-A03B74F62F99}"/>
+                </a:ext>
+              </a:extLst>
+            </p:cNvPr>
+            <p:cNvGrpSpPr/>
+            <p:nvPr/>
+          </p:nvGrpSpPr>
+          <p:grpSpPr>
+            <a:xfrm>
+              <a:off x="9971679" y="1940232"/>
+              <a:ext cx="576001" cy="576000"/>
+              <a:chOff x="2381246" y="3756375"/>
+              <a:chExt cx="576001" cy="576000"/>
+            </a:xfrm>
+          </p:grpSpPr>
+          <p:sp>
+            <p:nvSpPr>
+              <p:cNvPr id="139" name="矩形 138">
+                <a:extLst>
+                  <a:ext uri="{FF2B5EF4-FFF2-40B4-BE49-F238E27FC236}">
+                    <a16:creationId xmlns:a16="http://schemas.microsoft.com/office/drawing/2014/main" id="{D3FB9E0C-3499-4F72-A2EB-C5CFF4A8C83F}"/>
+                  </a:ext>
+                </a:extLst>
+              </p:cNvPr>
+              <p:cNvSpPr/>
+              <p:nvPr/>
+            </p:nvSpPr>
+            <p:spPr>
+              <a:xfrm>
+                <a:off x="2381246" y="3756375"/>
+                <a:ext cx="288000" cy="576000"/>
+              </a:xfrm>
+              <a:prstGeom prst="rect">
+                <a:avLst/>
+              </a:prstGeom>
+              <a:solidFill>
+                <a:schemeClr val="accent4">
+                  <a:lumMod val="60000"/>
+                  <a:lumOff val="40000"/>
+                </a:schemeClr>
+              </a:solidFill>
+              <a:ln>
+                <a:noFill/>
+              </a:ln>
+            </p:spPr>
+            <p:style>
+              <a:lnRef idx="2">
+                <a:schemeClr val="accent1">
+                  <a:shade val="50000"/>
+                </a:schemeClr>
+              </a:lnRef>
+              <a:fillRef idx="1">
+                <a:schemeClr val="accent1"/>
+              </a:fillRef>
+              <a:effectRef idx="0">
+                <a:schemeClr val="accent1"/>
+              </a:effectRef>
+              <a:fontRef idx="minor">
+                <a:schemeClr val="lt1"/>
+              </a:fontRef>
+            </p:style>
+            <p:txBody>
+              <a:bodyPr rtlCol="0" anchor="ctr"/>
+              <a:lstStyle/>
+              <a:p>
+                <a:pPr algn="ctr"/>
+                <a:endParaRPr lang="zh-CN" altLang="en-US" dirty="0">
+                  <a:solidFill>
+                    <a:schemeClr val="tx1"/>
+                  </a:solidFill>
+                  <a:latin typeface="Times New Roman" panose="02020603050405020304" pitchFamily="18" charset="0"/>
+                  <a:cs typeface="Times New Roman" panose="02020603050405020304" pitchFamily="18" charset="0"/>
+                </a:endParaRPr>
+              </a:p>
+            </p:txBody>
+          </p:sp>
+          <p:sp>
+            <p:nvSpPr>
+              <p:cNvPr id="140" name="矩形 139">
+                <a:extLst>
+                  <a:ext uri="{FF2B5EF4-FFF2-40B4-BE49-F238E27FC236}">
+                    <a16:creationId xmlns:a16="http://schemas.microsoft.com/office/drawing/2014/main" id="{2B8BCA26-EA91-4F84-856F-99A534EAFB73}"/>
+                  </a:ext>
+                </a:extLst>
+              </p:cNvPr>
+              <p:cNvSpPr/>
+              <p:nvPr/>
+            </p:nvSpPr>
+            <p:spPr>
+              <a:xfrm>
+                <a:off x="2669247" y="3756375"/>
+                <a:ext cx="288000" cy="576000"/>
+              </a:xfrm>
+              <a:prstGeom prst="rect">
+                <a:avLst/>
+              </a:prstGeom>
+              <a:solidFill>
+                <a:schemeClr val="accent4">
+                  <a:lumMod val="60000"/>
+                  <a:lumOff val="40000"/>
+                </a:schemeClr>
+              </a:solidFill>
+              <a:ln>
+                <a:noFill/>
+              </a:ln>
+            </p:spPr>
+            <p:style>
+              <a:lnRef idx="2">
+                <a:schemeClr val="accent1">
+                  <a:shade val="50000"/>
+                </a:schemeClr>
+              </a:lnRef>
+              <a:fillRef idx="1">
+                <a:schemeClr val="accent1"/>
+              </a:fillRef>
+              <a:effectRef idx="0">
+                <a:schemeClr val="accent1"/>
+              </a:effectRef>
+              <a:fontRef idx="minor">
+                <a:schemeClr val="lt1"/>
+              </a:fontRef>
+            </p:style>
+            <p:txBody>
+              <a:bodyPr rtlCol="0" anchor="ctr"/>
+              <a:lstStyle/>
+              <a:p>
+                <a:pPr algn="ctr"/>
+                <a:endParaRPr lang="zh-CN" altLang="en-US" dirty="0">
+                  <a:solidFill>
+                    <a:schemeClr val="tx1"/>
+                  </a:solidFill>
+                  <a:latin typeface="Times New Roman" panose="02020603050405020304" pitchFamily="18" charset="0"/>
+                  <a:cs typeface="Times New Roman" panose="02020603050405020304" pitchFamily="18" charset="0"/>
+                </a:endParaRPr>
+              </a:p>
+            </p:txBody>
+          </p:sp>
+        </p:grpSp>
+        <p:cxnSp>
+          <p:nvCxnSpPr>
+            <p:cNvPr id="136" name="直接箭头连接符 135">
+              <a:extLst>
+                <a:ext uri="{FF2B5EF4-FFF2-40B4-BE49-F238E27FC236}">
+                  <a16:creationId xmlns:a16="http://schemas.microsoft.com/office/drawing/2014/main" id="{E7C69339-DDB7-45D5-9146-0AC2FF065E84}"/>
+                </a:ext>
+              </a:extLst>
+            </p:cNvPr>
+            <p:cNvCxnSpPr>
+              <a:cxnSpLocks/>
+              <a:stCxn id="142" idx="3"/>
+              <a:endCxn id="139" idx="1"/>
+            </p:cNvCxnSpPr>
+            <p:nvPr/>
+          </p:nvCxnSpPr>
+          <p:spPr>
+            <a:xfrm rot="16200000">
+              <a:off x="9844650" y="2101202"/>
+              <a:ext cx="0" cy="254060"/>
+            </a:xfrm>
+            <a:prstGeom prst="straightConnector1">
+              <a:avLst/>
+            </a:prstGeom>
+            <a:ln w="19050">
+              <a:tailEnd type="triangle"/>
+            </a:ln>
+          </p:spPr>
+          <p:style>
+            <a:lnRef idx="1">
+              <a:schemeClr val="accent6"/>
+            </a:lnRef>
+            <a:fillRef idx="0">
+              <a:schemeClr val="accent6"/>
+            </a:fillRef>
+            <a:effectRef idx="0">
+              <a:schemeClr val="accent6"/>
+            </a:effectRef>
+            <a:fontRef idx="minor">
+              <a:schemeClr val="tx1"/>
+            </a:fontRef>
+          </p:style>
+        </p:cxnSp>
+        <p:cxnSp>
+          <p:nvCxnSpPr>
+            <p:cNvPr id="137" name="直接箭头连接符 136">
+              <a:extLst>
+                <a:ext uri="{FF2B5EF4-FFF2-40B4-BE49-F238E27FC236}">
+                  <a16:creationId xmlns:a16="http://schemas.microsoft.com/office/drawing/2014/main" id="{99B782AD-3A2F-48EE-8FA6-C039448DA29C}"/>
+                </a:ext>
+              </a:extLst>
+            </p:cNvPr>
+            <p:cNvCxnSpPr>
+              <a:endCxn id="141" idx="1"/>
+            </p:cNvCxnSpPr>
+            <p:nvPr/>
+          </p:nvCxnSpPr>
+          <p:spPr>
+            <a:xfrm>
+              <a:off x="8576722" y="2228232"/>
+              <a:ext cx="564898" cy="0"/>
+            </a:xfrm>
+            <a:prstGeom prst="straightConnector1">
+              <a:avLst/>
+            </a:prstGeom>
+            <a:ln w="19050">
+              <a:tailEnd type="triangle"/>
+            </a:ln>
+          </p:spPr>
+          <p:style>
+            <a:lnRef idx="1">
+              <a:schemeClr val="accent6"/>
+            </a:lnRef>
+            <a:fillRef idx="0">
+              <a:schemeClr val="accent6"/>
+            </a:fillRef>
+            <a:effectRef idx="0">
+              <a:schemeClr val="accent6"/>
+            </a:effectRef>
+            <a:fontRef idx="minor">
+              <a:schemeClr val="tx1"/>
+            </a:fontRef>
+          </p:style>
+        </p:cxnSp>
+        <p:sp>
+          <p:nvSpPr>
+            <p:cNvPr id="138" name="文本框 137">
+              <a:extLst>
+                <a:ext uri="{FF2B5EF4-FFF2-40B4-BE49-F238E27FC236}">
+                  <a16:creationId xmlns:a16="http://schemas.microsoft.com/office/drawing/2014/main" id="{D1378B29-3567-439E-B347-9CAB2BAE9B9C}"/>
+                </a:ext>
+              </a:extLst>
+            </p:cNvPr>
+            <p:cNvSpPr txBox="1"/>
+            <p:nvPr/>
+          </p:nvSpPr>
+          <p:spPr>
+            <a:xfrm rot="16200000">
+              <a:off x="9948239" y="2033933"/>
+              <a:ext cx="1524485" cy="307777"/>
+            </a:xfrm>
+            <a:prstGeom prst="rect">
+              <a:avLst/>
+            </a:prstGeom>
+            <a:noFill/>
+          </p:spPr>
+          <p:txBody>
+            <a:bodyPr wrap="square" rtlCol="0">
+              <a:spAutoFit/>
+            </a:bodyPr>
+            <a:lstStyle/>
+            <a:p>
+              <a:pPr algn="ctr"/>
+              <a:r>
+                <a:rPr lang="en-US" altLang="zh-CN" sz="1400" dirty="0">
+                  <a:latin typeface="Times New Roman" panose="02020603050405020304" pitchFamily="18" charset="0"/>
+                  <a:cs typeface="Times New Roman" panose="02020603050405020304" pitchFamily="18" charset="0"/>
+                </a:rPr>
+                <a:t>Total latency: 5ms</a:t>
+              </a:r>
+              <a:endParaRPr lang="zh-CN" altLang="en-US" sz="1400" dirty="0">
+                <a:latin typeface="Times New Roman" panose="02020603050405020304" pitchFamily="18" charset="0"/>
+                <a:cs typeface="Times New Roman" panose="02020603050405020304" pitchFamily="18" charset="0"/>
+              </a:endParaRPr>
+            </a:p>
+          </p:txBody>
+        </p:sp>
+      </p:grpSp>
+      <p:cxnSp>
+        <p:nvCxnSpPr>
+          <p:cNvPr id="145" name="直接箭头连接符 144">
+            <a:extLst>
+              <a:ext uri="{FF2B5EF4-FFF2-40B4-BE49-F238E27FC236}">
+                <a16:creationId xmlns:a16="http://schemas.microsoft.com/office/drawing/2014/main" id="{83DFDBAF-2595-414B-A50A-EA75E928CB5D}"/>
+              </a:ext>
+            </a:extLst>
+          </p:cNvPr>
+          <p:cNvCxnSpPr>
+            <a:cxnSpLocks/>
+          </p:cNvCxnSpPr>
+          <p:nvPr/>
+        </p:nvCxnSpPr>
+        <p:spPr>
+          <a:xfrm flipH="1">
+            <a:off x="4288632" y="958975"/>
+            <a:ext cx="1530279" cy="783302"/>
+          </a:xfrm>
+          <a:prstGeom prst="straightConnector1">
+            <a:avLst/>
+          </a:prstGeom>
+          <a:ln w="15875">
+            <a:tailEnd type="arrow"/>
+          </a:ln>
+        </p:spPr>
+        <p:style>
+          <a:lnRef idx="1">
+            <a:schemeClr val="dk1"/>
+          </a:lnRef>
+          <a:fillRef idx="0">
+            <a:schemeClr val="dk1"/>
+          </a:fillRef>
+          <a:effectRef idx="0">
+            <a:schemeClr val="dk1"/>
+          </a:effectRef>
+          <a:fontRef idx="minor">
+            <a:schemeClr val="tx1"/>
+          </a:fontRef>
+        </p:style>
+      </p:cxnSp>
+      <p:cxnSp>
+        <p:nvCxnSpPr>
+          <p:cNvPr id="146" name="直接箭头连接符 145">
+            <a:extLst>
+              <a:ext uri="{FF2B5EF4-FFF2-40B4-BE49-F238E27FC236}">
+                <a16:creationId xmlns:a16="http://schemas.microsoft.com/office/drawing/2014/main" id="{D4CF9782-8DA0-49C9-8346-26149F1CE3C9}"/>
+              </a:ext>
+            </a:extLst>
+          </p:cNvPr>
+          <p:cNvCxnSpPr/>
+          <p:nvPr/>
+        </p:nvCxnSpPr>
+        <p:spPr>
+          <a:xfrm flipH="1">
+            <a:off x="5818909" y="958975"/>
+            <a:ext cx="1" cy="827599"/>
+          </a:xfrm>
+          <a:prstGeom prst="straightConnector1">
+            <a:avLst/>
+          </a:prstGeom>
+          <a:ln w="15875">
+            <a:tailEnd type="arrow"/>
+          </a:ln>
+        </p:spPr>
+        <p:style>
+          <a:lnRef idx="1">
+            <a:schemeClr val="dk1"/>
+          </a:lnRef>
+          <a:fillRef idx="0">
+            <a:schemeClr val="dk1"/>
+          </a:fillRef>
+          <a:effectRef idx="0">
+            <a:schemeClr val="dk1"/>
+          </a:effectRef>
+          <a:fontRef idx="minor">
+            <a:schemeClr val="tx1"/>
+          </a:fontRef>
+        </p:style>
+      </p:cxnSp>
+      <p:cxnSp>
+        <p:nvCxnSpPr>
+          <p:cNvPr id="147" name="直接箭头连接符 146">
+            <a:extLst>
+              <a:ext uri="{FF2B5EF4-FFF2-40B4-BE49-F238E27FC236}">
+                <a16:creationId xmlns:a16="http://schemas.microsoft.com/office/drawing/2014/main" id="{9652D810-52DA-45E6-91A6-6EF1ED83D680}"/>
+              </a:ext>
+            </a:extLst>
+          </p:cNvPr>
+          <p:cNvCxnSpPr>
+            <a:cxnSpLocks/>
+          </p:cNvCxnSpPr>
+          <p:nvPr/>
+        </p:nvCxnSpPr>
+        <p:spPr>
+          <a:xfrm>
+            <a:off x="5815861" y="958975"/>
+            <a:ext cx="1591639" cy="783302"/>
+          </a:xfrm>
+          <a:prstGeom prst="straightConnector1">
+            <a:avLst/>
+          </a:prstGeom>
+          <a:ln w="15875">
+            <a:tailEnd type="arrow"/>
+          </a:ln>
+        </p:spPr>
+        <p:style>
+          <a:lnRef idx="1">
+            <a:schemeClr val="dk1"/>
+          </a:lnRef>
+          <a:fillRef idx="0">
+            <a:schemeClr val="dk1"/>
+          </a:fillRef>
+          <a:effectRef idx="0">
+            <a:schemeClr val="dk1"/>
+          </a:effectRef>
+          <a:fontRef idx="minor">
+            <a:schemeClr val="tx1"/>
+          </a:fontRef>
+        </p:style>
+      </p:cxnSp>
+      <p:sp>
+        <p:nvSpPr>
+          <p:cNvPr id="148" name="文本框 147">
+            <a:extLst>
+              <a:ext uri="{FF2B5EF4-FFF2-40B4-BE49-F238E27FC236}">
+                <a16:creationId xmlns:a16="http://schemas.microsoft.com/office/drawing/2014/main" id="{540D97B7-BAC4-4F88-BFB5-22421A017CFC}"/>
+              </a:ext>
+            </a:extLst>
+          </p:cNvPr>
+          <p:cNvSpPr txBox="1"/>
+          <p:nvPr/>
+        </p:nvSpPr>
+        <p:spPr>
+          <a:xfrm>
+            <a:off x="4039330" y="1110497"/>
+            <a:ext cx="913205" cy="297967"/>
+          </a:xfrm>
+          <a:prstGeom prst="rect">
+            <a:avLst/>
+          </a:prstGeom>
+          <a:noFill/>
+        </p:spPr>
+        <p:txBody>
+          <a:bodyPr wrap="square" rtlCol="0">
+            <a:spAutoFit/>
+          </a:bodyPr>
+          <a:lstStyle/>
+          <a:p>
+            <a:pPr algn="ctr">
+              <a:lnSpc>
+                <a:spcPts val="1680"/>
+              </a:lnSpc>
+            </a:pPr>
+            <a:r>
+              <a:rPr lang="en-US" altLang="zh-CN" sz="1400" dirty="0">
+                <a:latin typeface="Times New Roman" panose="02020603050405020304" pitchFamily="18" charset="0"/>
+                <a:cs typeface="Times New Roman" panose="02020603050405020304" pitchFamily="18" charset="0"/>
+              </a:rPr>
+              <a:t>Strategy 1</a:t>
+            </a:r>
+            <a:endParaRPr lang="zh-CN" altLang="en-US" sz="1400" dirty="0">
+              <a:latin typeface="Times New Roman" panose="02020603050405020304" pitchFamily="18" charset="0"/>
+              <a:cs typeface="Times New Roman" panose="02020603050405020304" pitchFamily="18" charset="0"/>
+            </a:endParaRPr>
+          </a:p>
+        </p:txBody>
+      </p:sp>
+      <p:sp>
+        <p:nvSpPr>
+          <p:cNvPr id="150" name="文本框 149">
+            <a:extLst>
+              <a:ext uri="{FF2B5EF4-FFF2-40B4-BE49-F238E27FC236}">
+                <a16:creationId xmlns:a16="http://schemas.microsoft.com/office/drawing/2014/main" id="{B683FE1F-1585-4096-99F6-E6EA7EE4D0F4}"/>
+              </a:ext>
+            </a:extLst>
+          </p:cNvPr>
+          <p:cNvSpPr txBox="1"/>
+          <p:nvPr/>
+        </p:nvSpPr>
+        <p:spPr>
+          <a:xfrm>
+            <a:off x="6633729" y="1128235"/>
+            <a:ext cx="913205" cy="297967"/>
+          </a:xfrm>
+          <a:prstGeom prst="rect">
+            <a:avLst/>
+          </a:prstGeom>
+          <a:noFill/>
+        </p:spPr>
+        <p:txBody>
+          <a:bodyPr wrap="square" rtlCol="0">
+            <a:spAutoFit/>
+          </a:bodyPr>
+          <a:lstStyle/>
+          <a:p>
+            <a:pPr algn="ctr">
+              <a:lnSpc>
+                <a:spcPts val="1680"/>
+              </a:lnSpc>
+            </a:pPr>
+            <a:r>
+              <a:rPr lang="en-US" altLang="zh-CN" sz="1400" dirty="0">
+                <a:latin typeface="Times New Roman" panose="02020603050405020304" pitchFamily="18" charset="0"/>
+                <a:cs typeface="Times New Roman" panose="02020603050405020304" pitchFamily="18" charset="0"/>
+              </a:rPr>
+              <a:t>Strategy 3</a:t>
+            </a:r>
+            <a:endParaRPr lang="zh-CN" altLang="en-US" sz="1400" dirty="0">
+              <a:latin typeface="Times New Roman" panose="02020603050405020304" pitchFamily="18" charset="0"/>
+              <a:cs typeface="Times New Roman" panose="02020603050405020304" pitchFamily="18" charset="0"/>
+            </a:endParaRPr>
+          </a:p>
+        </p:txBody>
+      </p:sp>
+      <p:grpSp>
+        <p:nvGrpSpPr>
+          <p:cNvPr id="151" name="组合 150">
+            <a:extLst>
+              <a:ext uri="{FF2B5EF4-FFF2-40B4-BE49-F238E27FC236}">
+                <a16:creationId xmlns:a16="http://schemas.microsoft.com/office/drawing/2014/main" id="{B1055108-388B-4C99-B0CB-1920D8E90BBF}"/>
+              </a:ext>
+            </a:extLst>
+          </p:cNvPr>
+          <p:cNvGrpSpPr/>
+          <p:nvPr/>
+        </p:nvGrpSpPr>
+        <p:grpSpPr>
+          <a:xfrm>
+            <a:off x="4664535" y="4855893"/>
+            <a:ext cx="1810146" cy="1917950"/>
+            <a:chOff x="663246" y="867080"/>
+            <a:chExt cx="1810146" cy="1917950"/>
+          </a:xfrm>
+        </p:grpSpPr>
+        <p:sp>
+          <p:nvSpPr>
+            <p:cNvPr id="152" name="矩形 151">
+              <a:extLst>
+                <a:ext uri="{FF2B5EF4-FFF2-40B4-BE49-F238E27FC236}">
+                  <a16:creationId xmlns:a16="http://schemas.microsoft.com/office/drawing/2014/main" id="{3B0FF78C-A244-4428-BB8D-537EA98C5A57}"/>
+                </a:ext>
+              </a:extLst>
+            </p:cNvPr>
+            <p:cNvSpPr/>
+            <p:nvPr/>
+          </p:nvSpPr>
+          <p:spPr>
+            <a:xfrm>
+              <a:off x="663246" y="867080"/>
+              <a:ext cx="1002735" cy="1917950"/>
+            </a:xfrm>
+            <a:prstGeom prst="rect">
+              <a:avLst/>
+            </a:prstGeom>
+            <a:solidFill>
+              <a:schemeClr val="bg1">
+                <a:lumMod val="85000"/>
+              </a:schemeClr>
+            </a:solidFill>
+            <a:ln>
+              <a:solidFill>
+                <a:schemeClr val="bg2"/>
+              </a:solidFill>
+            </a:ln>
+          </p:spPr>
+          <p:style>
+            <a:lnRef idx="2">
+              <a:schemeClr val="accent3">
+                <a:shade val="50000"/>
+              </a:schemeClr>
+            </a:lnRef>
+            <a:fillRef idx="1">
+              <a:schemeClr val="accent3"/>
+            </a:fillRef>
+            <a:effectRef idx="0">
+              <a:schemeClr val="accent3"/>
+            </a:effectRef>
+            <a:fontRef idx="minor">
+              <a:schemeClr val="lt1"/>
+            </a:fontRef>
+          </p:style>
+          <p:txBody>
+            <a:bodyPr rtlCol="0" anchor="ctr"/>
+            <a:lstStyle/>
+            <a:p>
+              <a:pPr algn="ctr"/>
+              <a:endParaRPr lang="zh-CN" altLang="en-US"/>
+            </a:p>
+          </p:txBody>
+        </p:sp>
+        <p:grpSp>
+          <p:nvGrpSpPr>
+            <p:cNvPr id="153" name="组合 152">
+              <a:extLst>
+                <a:ext uri="{FF2B5EF4-FFF2-40B4-BE49-F238E27FC236}">
+                  <a16:creationId xmlns:a16="http://schemas.microsoft.com/office/drawing/2014/main" id="{47251862-7485-4DD4-B624-A73249847DC5}"/>
+                </a:ext>
+              </a:extLst>
+            </p:cNvPr>
+            <p:cNvGrpSpPr/>
+            <p:nvPr/>
+          </p:nvGrpSpPr>
+          <p:grpSpPr>
+            <a:xfrm>
+              <a:off x="895832" y="1460986"/>
+              <a:ext cx="576000" cy="576000"/>
+              <a:chOff x="722982" y="4255306"/>
+              <a:chExt cx="576000" cy="576000"/>
+            </a:xfrm>
+          </p:grpSpPr>
+          <p:sp>
+            <p:nvSpPr>
+              <p:cNvPr id="163" name="矩形 162">
+                <a:extLst>
+                  <a:ext uri="{FF2B5EF4-FFF2-40B4-BE49-F238E27FC236}">
+                    <a16:creationId xmlns:a16="http://schemas.microsoft.com/office/drawing/2014/main" id="{89C116CD-BF8B-44F9-AE27-F59A11993F71}"/>
+                  </a:ext>
+                </a:extLst>
+              </p:cNvPr>
+              <p:cNvSpPr/>
+              <p:nvPr/>
+            </p:nvSpPr>
+            <p:spPr>
+              <a:xfrm>
+                <a:off x="722982" y="4255306"/>
+                <a:ext cx="288000" cy="576000"/>
+              </a:xfrm>
+              <a:prstGeom prst="rect">
+                <a:avLst/>
+              </a:prstGeom>
+              <a:ln>
+                <a:noFill/>
+              </a:ln>
+            </p:spPr>
+            <p:style>
+              <a:lnRef idx="2">
+                <a:schemeClr val="accent6">
+                  <a:shade val="50000"/>
+                </a:schemeClr>
+              </a:lnRef>
+              <a:fillRef idx="1">
+                <a:schemeClr val="accent6"/>
+              </a:fillRef>
+              <a:effectRef idx="0">
+                <a:schemeClr val="accent6"/>
+              </a:effectRef>
+              <a:fontRef idx="minor">
+                <a:schemeClr val="lt1"/>
+              </a:fontRef>
+            </p:style>
+            <p:txBody>
+              <a:bodyPr rtlCol="0" anchor="ctr"/>
+              <a:lstStyle/>
+              <a:p>
+                <a:pPr algn="ctr"/>
+                <a:endParaRPr lang="zh-CN" altLang="en-US" sz="1100" dirty="0">
+                  <a:latin typeface="Times New Roman" panose="02020603050405020304" pitchFamily="18" charset="0"/>
+                  <a:cs typeface="Times New Roman" panose="02020603050405020304" pitchFamily="18" charset="0"/>
+                </a:endParaRPr>
+              </a:p>
+            </p:txBody>
+          </p:sp>
+          <p:sp>
+            <p:nvSpPr>
+              <p:cNvPr id="164" name="矩形 163">
+                <a:extLst>
+                  <a:ext uri="{FF2B5EF4-FFF2-40B4-BE49-F238E27FC236}">
+                    <a16:creationId xmlns:a16="http://schemas.microsoft.com/office/drawing/2014/main" id="{553A596F-EC8E-4833-AA2E-38CD91D22B61}"/>
+                  </a:ext>
+                </a:extLst>
+              </p:cNvPr>
+              <p:cNvSpPr/>
+              <p:nvPr/>
+            </p:nvSpPr>
+            <p:spPr>
+              <a:xfrm>
+                <a:off x="1010982" y="4255306"/>
+                <a:ext cx="288000" cy="576000"/>
+              </a:xfrm>
+              <a:prstGeom prst="rect">
+                <a:avLst/>
+              </a:prstGeom>
+              <a:ln>
+                <a:noFill/>
+              </a:ln>
+            </p:spPr>
+            <p:style>
+              <a:lnRef idx="2">
+                <a:schemeClr val="accent6">
+                  <a:shade val="50000"/>
+                </a:schemeClr>
+              </a:lnRef>
+              <a:fillRef idx="1">
+                <a:schemeClr val="accent6"/>
+              </a:fillRef>
+              <a:effectRef idx="0">
+                <a:schemeClr val="accent6"/>
+              </a:effectRef>
+              <a:fontRef idx="minor">
+                <a:schemeClr val="lt1"/>
+              </a:fontRef>
+            </p:style>
+            <p:txBody>
+              <a:bodyPr rtlCol="0" anchor="ctr"/>
+              <a:lstStyle/>
+              <a:p>
+                <a:pPr algn="ctr"/>
+                <a:endParaRPr lang="zh-CN" altLang="en-US" sz="1100" dirty="0">
+                  <a:latin typeface="Times New Roman" panose="02020603050405020304" pitchFamily="18" charset="0"/>
+                  <a:cs typeface="Times New Roman" panose="02020603050405020304" pitchFamily="18" charset="0"/>
+                </a:endParaRPr>
+              </a:p>
+            </p:txBody>
+          </p:sp>
+        </p:grpSp>
+        <p:grpSp>
+          <p:nvGrpSpPr>
+            <p:cNvPr id="154" name="组合 153">
+              <a:extLst>
+                <a:ext uri="{FF2B5EF4-FFF2-40B4-BE49-F238E27FC236}">
+                  <a16:creationId xmlns:a16="http://schemas.microsoft.com/office/drawing/2014/main" id="{C45203B1-2CEB-48D0-B139-58BB240D2E58}"/>
+                </a:ext>
+              </a:extLst>
+            </p:cNvPr>
+            <p:cNvGrpSpPr/>
+            <p:nvPr/>
+          </p:nvGrpSpPr>
+          <p:grpSpPr>
+            <a:xfrm>
+              <a:off x="895832" y="2114055"/>
+              <a:ext cx="576000" cy="576000"/>
+              <a:chOff x="1899933" y="3756375"/>
+              <a:chExt cx="576000" cy="576000"/>
+            </a:xfrm>
+          </p:grpSpPr>
+          <p:sp>
+            <p:nvSpPr>
+              <p:cNvPr id="161" name="矩形 160">
+                <a:extLst>
+                  <a:ext uri="{FF2B5EF4-FFF2-40B4-BE49-F238E27FC236}">
+                    <a16:creationId xmlns:a16="http://schemas.microsoft.com/office/drawing/2014/main" id="{5E0C1E87-2F06-4E34-B33B-9A92CA54CDFD}"/>
+                  </a:ext>
+                </a:extLst>
+              </p:cNvPr>
+              <p:cNvSpPr/>
+              <p:nvPr/>
+            </p:nvSpPr>
+            <p:spPr>
+              <a:xfrm>
+                <a:off x="1899933" y="3756375"/>
+                <a:ext cx="288000" cy="576000"/>
+              </a:xfrm>
+              <a:prstGeom prst="rect">
+                <a:avLst/>
+              </a:prstGeom>
+              <a:ln>
+                <a:noFill/>
+              </a:ln>
+            </p:spPr>
+            <p:style>
+              <a:lnRef idx="2">
+                <a:schemeClr val="accent6">
+                  <a:shade val="50000"/>
+                </a:schemeClr>
+              </a:lnRef>
+              <a:fillRef idx="1">
+                <a:schemeClr val="accent6"/>
+              </a:fillRef>
+              <a:effectRef idx="0">
+                <a:schemeClr val="accent6"/>
+              </a:effectRef>
+              <a:fontRef idx="minor">
+                <a:schemeClr val="lt1"/>
+              </a:fontRef>
+            </p:style>
+            <p:txBody>
+              <a:bodyPr rtlCol="0" anchor="ctr"/>
+              <a:lstStyle/>
+              <a:p>
+                <a:pPr algn="ctr"/>
+                <a:endParaRPr lang="zh-CN" altLang="en-US" sz="1100" dirty="0">
+                  <a:latin typeface="Times New Roman" panose="02020603050405020304" pitchFamily="18" charset="0"/>
+                  <a:cs typeface="Times New Roman" panose="02020603050405020304" pitchFamily="18" charset="0"/>
+                </a:endParaRPr>
+              </a:p>
+            </p:txBody>
+          </p:sp>
+          <p:sp>
+            <p:nvSpPr>
+              <p:cNvPr id="162" name="矩形 161">
+                <a:extLst>
+                  <a:ext uri="{FF2B5EF4-FFF2-40B4-BE49-F238E27FC236}">
+                    <a16:creationId xmlns:a16="http://schemas.microsoft.com/office/drawing/2014/main" id="{447B41CC-BC1E-465D-9CA5-3FD560CDEF7B}"/>
+                  </a:ext>
+                </a:extLst>
+              </p:cNvPr>
+              <p:cNvSpPr/>
+              <p:nvPr/>
+            </p:nvSpPr>
+            <p:spPr>
+              <a:xfrm>
+                <a:off x="2187933" y="3756375"/>
+                <a:ext cx="288000" cy="576000"/>
+              </a:xfrm>
+              <a:prstGeom prst="rect">
+                <a:avLst/>
+              </a:prstGeom>
+              <a:solidFill>
+                <a:schemeClr val="accent4">
+                  <a:lumMod val="60000"/>
+                  <a:lumOff val="40000"/>
+                </a:schemeClr>
+              </a:solidFill>
+              <a:ln>
+                <a:noFill/>
+              </a:ln>
+            </p:spPr>
+            <p:style>
+              <a:lnRef idx="2">
+                <a:schemeClr val="accent1">
+                  <a:shade val="50000"/>
+                </a:schemeClr>
+              </a:lnRef>
+              <a:fillRef idx="1">
+                <a:schemeClr val="accent1"/>
+              </a:fillRef>
+              <a:effectRef idx="0">
+                <a:schemeClr val="accent1"/>
+              </a:effectRef>
+              <a:fontRef idx="minor">
+                <a:schemeClr val="lt1"/>
+              </a:fontRef>
+            </p:style>
+            <p:txBody>
+              <a:bodyPr rtlCol="0" anchor="ctr"/>
+              <a:lstStyle/>
+              <a:p>
+                <a:pPr algn="ctr"/>
+                <a:endParaRPr lang="zh-CN" altLang="en-US" dirty="0">
+                  <a:solidFill>
+                    <a:schemeClr val="tx1"/>
+                  </a:solidFill>
+                  <a:latin typeface="Times New Roman" panose="02020603050405020304" pitchFamily="18" charset="0"/>
+                  <a:cs typeface="Times New Roman" panose="02020603050405020304" pitchFamily="18" charset="0"/>
+                </a:endParaRPr>
+              </a:p>
+            </p:txBody>
+          </p:sp>
+        </p:grpSp>
+        <p:grpSp>
+          <p:nvGrpSpPr>
+            <p:cNvPr id="155" name="组合 154">
+              <a:extLst>
+                <a:ext uri="{FF2B5EF4-FFF2-40B4-BE49-F238E27FC236}">
+                  <a16:creationId xmlns:a16="http://schemas.microsoft.com/office/drawing/2014/main" id="{05BD908F-F761-469F-82FC-C0F045188917}"/>
+                </a:ext>
+              </a:extLst>
+            </p:cNvPr>
+            <p:cNvGrpSpPr/>
+            <p:nvPr/>
+          </p:nvGrpSpPr>
+          <p:grpSpPr>
+            <a:xfrm>
+              <a:off x="1897392" y="1753152"/>
+              <a:ext cx="576000" cy="576000"/>
+              <a:chOff x="2829065" y="3971472"/>
+              <a:chExt cx="576000" cy="576000"/>
+            </a:xfrm>
+          </p:grpSpPr>
+          <p:sp>
+            <p:nvSpPr>
+              <p:cNvPr id="159" name="矩形 158">
+                <a:extLst>
+                  <a:ext uri="{FF2B5EF4-FFF2-40B4-BE49-F238E27FC236}">
+                    <a16:creationId xmlns:a16="http://schemas.microsoft.com/office/drawing/2014/main" id="{1A163FCD-23C3-4626-8641-19DCEC8C68EF}"/>
+                  </a:ext>
+                </a:extLst>
+              </p:cNvPr>
+              <p:cNvSpPr/>
+              <p:nvPr/>
+            </p:nvSpPr>
+            <p:spPr>
+              <a:xfrm>
+                <a:off x="2829065" y="3971472"/>
+                <a:ext cx="288000" cy="576000"/>
+              </a:xfrm>
+              <a:prstGeom prst="rect">
+                <a:avLst/>
+              </a:prstGeom>
+              <a:solidFill>
+                <a:schemeClr val="accent4">
+                  <a:lumMod val="60000"/>
+                  <a:lumOff val="40000"/>
+                </a:schemeClr>
+              </a:solidFill>
+              <a:ln>
+                <a:noFill/>
+              </a:ln>
+            </p:spPr>
+            <p:style>
+              <a:lnRef idx="2">
+                <a:schemeClr val="accent1">
+                  <a:shade val="50000"/>
+                </a:schemeClr>
+              </a:lnRef>
+              <a:fillRef idx="1">
+                <a:schemeClr val="accent1"/>
+              </a:fillRef>
+              <a:effectRef idx="0">
+                <a:schemeClr val="accent1"/>
+              </a:effectRef>
+              <a:fontRef idx="minor">
+                <a:schemeClr val="lt1"/>
+              </a:fontRef>
+            </p:style>
+            <p:txBody>
+              <a:bodyPr rtlCol="0" anchor="ctr"/>
+              <a:lstStyle/>
+              <a:p>
+                <a:pPr algn="ctr"/>
+                <a:endParaRPr lang="zh-CN" altLang="en-US" dirty="0">
+                  <a:solidFill>
+                    <a:schemeClr val="tx1"/>
+                  </a:solidFill>
+                  <a:latin typeface="Times New Roman" panose="02020603050405020304" pitchFamily="18" charset="0"/>
+                  <a:cs typeface="Times New Roman" panose="02020603050405020304" pitchFamily="18" charset="0"/>
+                </a:endParaRPr>
+              </a:p>
+            </p:txBody>
+          </p:sp>
+          <p:sp>
+            <p:nvSpPr>
+              <p:cNvPr id="160" name="矩形 159">
+                <a:extLst>
+                  <a:ext uri="{FF2B5EF4-FFF2-40B4-BE49-F238E27FC236}">
+                    <a16:creationId xmlns:a16="http://schemas.microsoft.com/office/drawing/2014/main" id="{B14BFD6B-8AFD-4BC1-ABC0-9CCF89AF08C6}"/>
+                  </a:ext>
+                </a:extLst>
+              </p:cNvPr>
+              <p:cNvSpPr/>
+              <p:nvPr/>
+            </p:nvSpPr>
+            <p:spPr>
+              <a:xfrm>
+                <a:off x="3117065" y="3971472"/>
+                <a:ext cx="288000" cy="576000"/>
+              </a:xfrm>
+              <a:prstGeom prst="rect">
+                <a:avLst/>
+              </a:prstGeom>
+              <a:solidFill>
+                <a:schemeClr val="accent4">
+                  <a:lumMod val="60000"/>
+                  <a:lumOff val="40000"/>
+                </a:schemeClr>
+              </a:solidFill>
+              <a:ln>
+                <a:noFill/>
+              </a:ln>
+            </p:spPr>
+            <p:style>
+              <a:lnRef idx="2">
+                <a:schemeClr val="accent1">
+                  <a:shade val="50000"/>
+                </a:schemeClr>
+              </a:lnRef>
+              <a:fillRef idx="1">
+                <a:schemeClr val="accent1"/>
+              </a:fillRef>
+              <a:effectRef idx="0">
+                <a:schemeClr val="accent1"/>
+              </a:effectRef>
+              <a:fontRef idx="minor">
+                <a:schemeClr val="lt1"/>
+              </a:fontRef>
+            </p:style>
+            <p:txBody>
+              <a:bodyPr rtlCol="0" anchor="ctr"/>
+              <a:lstStyle/>
+              <a:p>
+                <a:pPr algn="ctr"/>
+                <a:endParaRPr lang="zh-CN" altLang="en-US" dirty="0">
+                  <a:solidFill>
+                    <a:schemeClr val="tx1"/>
+                  </a:solidFill>
+                  <a:latin typeface="Times New Roman" panose="02020603050405020304" pitchFamily="18" charset="0"/>
+                  <a:cs typeface="Times New Roman" panose="02020603050405020304" pitchFamily="18" charset="0"/>
+                </a:endParaRPr>
+              </a:p>
+            </p:txBody>
+          </p:sp>
+        </p:grpSp>
+        <p:sp>
+          <p:nvSpPr>
+            <p:cNvPr id="156" name="文本框 155">
+              <a:extLst>
+                <a:ext uri="{FF2B5EF4-FFF2-40B4-BE49-F238E27FC236}">
+                  <a16:creationId xmlns:a16="http://schemas.microsoft.com/office/drawing/2014/main" id="{EAF17B37-1419-4AC5-BE2C-16432955AB06}"/>
+                </a:ext>
+              </a:extLst>
+            </p:cNvPr>
+            <p:cNvSpPr txBox="1"/>
+            <p:nvPr/>
+          </p:nvSpPr>
+          <p:spPr>
+            <a:xfrm>
+              <a:off x="719143" y="884189"/>
+              <a:ext cx="929377" cy="523220"/>
+            </a:xfrm>
+            <a:prstGeom prst="rect">
+              <a:avLst/>
+            </a:prstGeom>
+            <a:noFill/>
+          </p:spPr>
+          <p:txBody>
+            <a:bodyPr wrap="square" rtlCol="0">
+              <a:spAutoFit/>
+            </a:bodyPr>
+            <a:lstStyle/>
+            <a:p>
+              <a:pPr algn="ctr"/>
+              <a:r>
+                <a:rPr lang="en-US" altLang="zh-CN" sz="1400" dirty="0">
+                  <a:latin typeface="Times New Roman" panose="02020603050405020304" pitchFamily="18" charset="0"/>
+                  <a:cs typeface="Times New Roman" panose="02020603050405020304" pitchFamily="18" charset="0"/>
+                </a:rPr>
+                <a:t>Running in parallel</a:t>
+              </a:r>
+              <a:endParaRPr lang="zh-CN" altLang="en-US" sz="1400" dirty="0">
+                <a:latin typeface="Times New Roman" panose="02020603050405020304" pitchFamily="18" charset="0"/>
+                <a:cs typeface="Times New Roman" panose="02020603050405020304" pitchFamily="18" charset="0"/>
+              </a:endParaRPr>
+            </a:p>
+          </p:txBody>
+        </p:sp>
+        <p:cxnSp>
+          <p:nvCxnSpPr>
+            <p:cNvPr id="157" name="直接箭头连接符 156">
+              <a:extLst>
+                <a:ext uri="{FF2B5EF4-FFF2-40B4-BE49-F238E27FC236}">
+                  <a16:creationId xmlns:a16="http://schemas.microsoft.com/office/drawing/2014/main" id="{C18220E1-8111-4D9C-B3EE-A517C311200E}"/>
+                </a:ext>
+              </a:extLst>
+            </p:cNvPr>
+            <p:cNvCxnSpPr>
+              <a:stCxn id="164" idx="3"/>
+              <a:endCxn id="159" idx="1"/>
+            </p:cNvCxnSpPr>
+            <p:nvPr/>
+          </p:nvCxnSpPr>
+          <p:spPr>
+            <a:xfrm>
+              <a:off x="1471832" y="1748986"/>
+              <a:ext cx="425560" cy="292166"/>
+            </a:xfrm>
+            <a:prstGeom prst="straightConnector1">
+              <a:avLst/>
+            </a:prstGeom>
+            <a:ln w="19050">
+              <a:tailEnd type="triangle"/>
+            </a:ln>
+          </p:spPr>
+          <p:style>
+            <a:lnRef idx="1">
+              <a:schemeClr val="accent6"/>
+            </a:lnRef>
+            <a:fillRef idx="0">
+              <a:schemeClr val="accent6"/>
+            </a:fillRef>
+            <a:effectRef idx="0">
+              <a:schemeClr val="accent6"/>
+            </a:effectRef>
+            <a:fontRef idx="minor">
+              <a:schemeClr val="tx1"/>
+            </a:fontRef>
+          </p:style>
+        </p:cxnSp>
+        <p:cxnSp>
+          <p:nvCxnSpPr>
+            <p:cNvPr id="158" name="直接箭头连接符 157">
+              <a:extLst>
+                <a:ext uri="{FF2B5EF4-FFF2-40B4-BE49-F238E27FC236}">
+                  <a16:creationId xmlns:a16="http://schemas.microsoft.com/office/drawing/2014/main" id="{97BAC545-1195-4CB8-A031-C6EF4A8295E9}"/>
+                </a:ext>
+              </a:extLst>
+            </p:cNvPr>
+            <p:cNvCxnSpPr>
+              <a:stCxn id="162" idx="3"/>
+              <a:endCxn id="159" idx="1"/>
+            </p:cNvCxnSpPr>
+            <p:nvPr/>
+          </p:nvCxnSpPr>
+          <p:spPr>
+            <a:xfrm flipV="1">
+              <a:off x="1471832" y="2041152"/>
+              <a:ext cx="425560" cy="360903"/>
+            </a:xfrm>
+            <a:prstGeom prst="straightConnector1">
+              <a:avLst/>
+            </a:prstGeom>
+            <a:ln w="19050">
+              <a:tailEnd type="triangle"/>
+            </a:ln>
+          </p:spPr>
+          <p:style>
+            <a:lnRef idx="1">
+              <a:schemeClr val="accent6"/>
+            </a:lnRef>
+            <a:fillRef idx="0">
+              <a:schemeClr val="accent6"/>
+            </a:fillRef>
+            <a:effectRef idx="0">
+              <a:schemeClr val="accent6"/>
+            </a:effectRef>
+            <a:fontRef idx="minor">
+              <a:schemeClr val="tx1"/>
+            </a:fontRef>
+          </p:style>
+        </p:cxnSp>
+      </p:grpSp>
+      <p:cxnSp>
+        <p:nvCxnSpPr>
+          <p:cNvPr id="165" name="直接箭头连接符 164">
+            <a:extLst>
+              <a:ext uri="{FF2B5EF4-FFF2-40B4-BE49-F238E27FC236}">
+                <a16:creationId xmlns:a16="http://schemas.microsoft.com/office/drawing/2014/main" id="{80D21A48-0B88-4CD7-8173-A7EA4EDE96D5}"/>
+              </a:ext>
+            </a:extLst>
+          </p:cNvPr>
+          <p:cNvCxnSpPr>
+            <a:cxnSpLocks/>
+          </p:cNvCxnSpPr>
+          <p:nvPr/>
+        </p:nvCxnSpPr>
+        <p:spPr>
+          <a:xfrm flipH="1">
+            <a:off x="5956795" y="4185093"/>
+            <a:ext cx="7179" cy="863414"/>
+          </a:xfrm>
+          <a:prstGeom prst="straightConnector1">
+            <a:avLst/>
+          </a:prstGeom>
+          <a:ln w="15875">
+            <a:tailEnd type="arrow"/>
+          </a:ln>
+        </p:spPr>
+        <p:style>
+          <a:lnRef idx="1">
+            <a:schemeClr val="dk1"/>
+          </a:lnRef>
+          <a:fillRef idx="0">
+            <a:schemeClr val="dk1"/>
+          </a:fillRef>
+          <a:effectRef idx="0">
+            <a:schemeClr val="dk1"/>
+          </a:effectRef>
+          <a:fontRef idx="minor">
+            <a:schemeClr val="tx1"/>
+          </a:fontRef>
+        </p:style>
+      </p:cxnSp>
+      <p:sp>
+        <p:nvSpPr>
+          <p:cNvPr id="85" name="文本框 84">
+            <a:extLst>
+              <a:ext uri="{FF2B5EF4-FFF2-40B4-BE49-F238E27FC236}">
+                <a16:creationId xmlns:a16="http://schemas.microsoft.com/office/drawing/2014/main" id="{01BFE5EE-1EBC-4ACA-8924-EEAE4DC5C6A9}"/>
+              </a:ext>
+            </a:extLst>
+          </p:cNvPr>
+          <p:cNvSpPr txBox="1"/>
+          <p:nvPr/>
+        </p:nvSpPr>
+        <p:spPr>
+          <a:xfrm>
+            <a:off x="4547712" y="4256915"/>
+            <a:ext cx="2468148" cy="584775"/>
+          </a:xfrm>
+          <a:prstGeom prst="rect">
+            <a:avLst/>
+          </a:prstGeom>
+          <a:solidFill>
+            <a:schemeClr val="bg1"/>
+          </a:solidFill>
+        </p:spPr>
+        <p:txBody>
+          <a:bodyPr wrap="square" rtlCol="0">
+            <a:spAutoFit/>
+          </a:bodyPr>
+          <a:lstStyle/>
+          <a:p>
+            <a:pPr algn="ctr"/>
+            <a:r>
+              <a:rPr lang="en-US" altLang="zh-CN" sz="1600" dirty="0">
+                <a:latin typeface="Times New Roman" panose="02020603050405020304" pitchFamily="18" charset="0"/>
+                <a:cs typeface="Times New Roman" panose="02020603050405020304" pitchFamily="18" charset="0"/>
+              </a:rPr>
+              <a:t>Obtain optimal solution </a:t>
+            </a:r>
+          </a:p>
+          <a:p>
+            <a:pPr algn="ctr"/>
+            <a:r>
+              <a:rPr lang="en-US" altLang="zh-CN" sz="1600" dirty="0">
+                <a:latin typeface="Times New Roman" panose="02020603050405020304" pitchFamily="18" charset="0"/>
+                <a:cs typeface="Times New Roman" panose="02020603050405020304" pitchFamily="18" charset="0"/>
+              </a:rPr>
+              <a:t>by traversing</a:t>
+            </a:r>
+            <a:endParaRPr lang="zh-CN" altLang="en-US" sz="1600" dirty="0">
+              <a:latin typeface="Times New Roman" panose="02020603050405020304" pitchFamily="18" charset="0"/>
+              <a:cs typeface="Times New Roman" panose="02020603050405020304" pitchFamily="18" charset="0"/>
+            </a:endParaRPr>
+          </a:p>
+        </p:txBody>
+      </p:sp>
+      <p:sp>
+        <p:nvSpPr>
+          <p:cNvPr id="149" name="文本框 148">
+            <a:extLst>
+              <a:ext uri="{FF2B5EF4-FFF2-40B4-BE49-F238E27FC236}">
+                <a16:creationId xmlns:a16="http://schemas.microsoft.com/office/drawing/2014/main" id="{BA7E3C4B-0545-4EB1-B8AA-936AE8815D0C}"/>
+              </a:ext>
+            </a:extLst>
+          </p:cNvPr>
+          <p:cNvSpPr txBox="1"/>
+          <p:nvPr/>
+        </p:nvSpPr>
+        <p:spPr>
+          <a:xfrm>
+            <a:off x="5365416" y="1219502"/>
+            <a:ext cx="913205" cy="297967"/>
+          </a:xfrm>
+          <a:prstGeom prst="rect">
+            <a:avLst/>
+          </a:prstGeom>
+          <a:solidFill>
+            <a:schemeClr val="bg1"/>
+          </a:solidFill>
+        </p:spPr>
+        <p:txBody>
+          <a:bodyPr wrap="square" rtlCol="0">
+            <a:spAutoFit/>
+          </a:bodyPr>
+          <a:lstStyle/>
+          <a:p>
+            <a:pPr algn="ctr">
+              <a:lnSpc>
+                <a:spcPts val="1680"/>
+              </a:lnSpc>
+            </a:pPr>
+            <a:r>
+              <a:rPr lang="en-US" altLang="zh-CN" sz="1400" dirty="0">
+                <a:latin typeface="Times New Roman" panose="02020603050405020304" pitchFamily="18" charset="0"/>
+                <a:cs typeface="Times New Roman" panose="02020603050405020304" pitchFamily="18" charset="0"/>
+              </a:rPr>
+              <a:t>Strategy 2</a:t>
+            </a:r>
+            <a:endParaRPr lang="zh-CN" altLang="en-US" sz="1400" dirty="0">
+              <a:latin typeface="Times New Roman" panose="02020603050405020304" pitchFamily="18" charset="0"/>
+              <a:cs typeface="Times New Roman" panose="02020603050405020304" pitchFamily="18" charset="0"/>
+            </a:endParaRPr>
+          </a:p>
+        </p:txBody>
+      </p:sp>
+    </p:spTree>
+    <p:extLst>
+      <p:ext uri="{BB962C8B-B14F-4D97-AF65-F5344CB8AC3E}">
+        <p14:creationId xmlns:p14="http://schemas.microsoft.com/office/powerpoint/2010/main" val="2499180160"/>
+      </p:ext>
+    </p:extLst>
+  </p:cSld>
+  <p:clrMapOvr>
+    <a:masterClrMapping/>
+  </p:clrMapOvr>
+</p:sld>
+</file>
+
+<file path=ppt/slides/slide2.xml><?xml version="1.0" encoding="utf-8"?>
 <p:sld xmlns:a="http://schemas.openxmlformats.org/drawingml/2006/main" xmlns:r="http://schemas.openxmlformats.org/officeDocument/2006/relationships" xmlns:p="http://schemas.openxmlformats.org/presentationml/2006/main" show="0">
   <p:cSld>
     <p:spTree>
@@ -10431,7 +13964,7 @@
 </p:sld>
 </file>
 
-<file path=ppt/slides/slide2.xml><?xml version="1.0" encoding="utf-8"?>
+<file path=ppt/slides/slide3.xml><?xml version="1.0" encoding="utf-8"?>
 <p:sld xmlns:a="http://schemas.openxmlformats.org/drawingml/2006/main" xmlns:r="http://schemas.openxmlformats.org/officeDocument/2006/relationships" xmlns:p="http://schemas.openxmlformats.org/presentationml/2006/main" show="0">
   <p:cSld>
     <p:spTree>
@@ -15575,7 +19108,7 @@
 </p:sld>
 </file>
 
-<file path=ppt/slides/slide3.xml><?xml version="1.0" encoding="utf-8"?>
+<file path=ppt/slides/slide4.xml><?xml version="1.0" encoding="utf-8"?>
 <p:sld xmlns:a="http://schemas.openxmlformats.org/drawingml/2006/main" xmlns:r="http://schemas.openxmlformats.org/officeDocument/2006/relationships" xmlns:p="http://schemas.openxmlformats.org/presentationml/2006/main">
   <p:cSld>
     <p:spTree>
@@ -16932,7 +20465,7 @@
 </p:sld>
 </file>
 
-<file path=ppt/slides/slide4.xml><?xml version="1.0" encoding="utf-8"?>
+<file path=ppt/slides/slide5.xml><?xml version="1.0" encoding="utf-8"?>
 <p:sld xmlns:a="http://schemas.openxmlformats.org/drawingml/2006/main" xmlns:r="http://schemas.openxmlformats.org/officeDocument/2006/relationships" xmlns:p="http://schemas.openxmlformats.org/presentationml/2006/main">
   <p:cSld>
     <p:spTree>
@@ -18912,7 +22445,7 @@
 </p:sld>
 </file>
 
-<file path=ppt/slides/slide5.xml><?xml version="1.0" encoding="utf-8"?>
+<file path=ppt/slides/slide6.xml><?xml version="1.0" encoding="utf-8"?>
 <p:sld xmlns:a="http://schemas.openxmlformats.org/drawingml/2006/main" xmlns:r="http://schemas.openxmlformats.org/officeDocument/2006/relationships" xmlns:p="http://schemas.openxmlformats.org/presentationml/2006/main" show="0">
   <p:cSld>
     <p:spTree>
@@ -24242,7 +27775,7 @@
 </p:sld>
 </file>
 
-<file path=ppt/slides/slide6.xml><?xml version="1.0" encoding="utf-8"?>
+<file path=ppt/slides/slide7.xml><?xml version="1.0" encoding="utf-8"?>
 <p:sld xmlns:a="http://schemas.openxmlformats.org/drawingml/2006/main" xmlns:r="http://schemas.openxmlformats.org/officeDocument/2006/relationships" xmlns:p="http://schemas.openxmlformats.org/presentationml/2006/main" show="0">
   <p:cSld>
     <p:spTree>
@@ -29567,7 +33100,7 @@
 </p:sld>
 </file>
 
-<file path=ppt/slides/slide7.xml><?xml version="1.0" encoding="utf-8"?>
+<file path=ppt/slides/slide8.xml><?xml version="1.0" encoding="utf-8"?>
 <p:sld xmlns:a="http://schemas.openxmlformats.org/drawingml/2006/main" xmlns:r="http://schemas.openxmlformats.org/officeDocument/2006/relationships" xmlns:p="http://schemas.openxmlformats.org/presentationml/2006/main" show="0">
   <p:cSld>
     <p:spTree>

--- a/docs/Figure2.pptx
+++ b/docs/Figure2.pptx
@@ -276,7 +276,7 @@
           <a:p>
             <a:fld id="{DDA058EC-E564-4FAA-9823-230C53E76A76}" type="datetimeFigureOut">
               <a:rPr lang="zh-CN" altLang="en-US" smtClean="0"/>
-              <a:t>2019/7/31</a:t>
+              <a:t>2019/8/1</a:t>
             </a:fld>
             <a:endParaRPr lang="zh-CN" altLang="en-US"/>
           </a:p>
@@ -444,7 +444,7 @@
           <a:p>
             <a:fld id="{DDA058EC-E564-4FAA-9823-230C53E76A76}" type="datetimeFigureOut">
               <a:rPr lang="zh-CN" altLang="en-US" smtClean="0"/>
-              <a:t>2019/7/31</a:t>
+              <a:t>2019/8/1</a:t>
             </a:fld>
             <a:endParaRPr lang="zh-CN" altLang="en-US"/>
           </a:p>
@@ -622,7 +622,7 @@
           <a:p>
             <a:fld id="{DDA058EC-E564-4FAA-9823-230C53E76A76}" type="datetimeFigureOut">
               <a:rPr lang="zh-CN" altLang="en-US" smtClean="0"/>
-              <a:t>2019/7/31</a:t>
+              <a:t>2019/8/1</a:t>
             </a:fld>
             <a:endParaRPr lang="zh-CN" altLang="en-US"/>
           </a:p>
@@ -790,7 +790,7 @@
           <a:p>
             <a:fld id="{DDA058EC-E564-4FAA-9823-230C53E76A76}" type="datetimeFigureOut">
               <a:rPr lang="zh-CN" altLang="en-US" smtClean="0"/>
-              <a:t>2019/7/31</a:t>
+              <a:t>2019/8/1</a:t>
             </a:fld>
             <a:endParaRPr lang="zh-CN" altLang="en-US"/>
           </a:p>
@@ -1035,7 +1035,7 @@
           <a:p>
             <a:fld id="{DDA058EC-E564-4FAA-9823-230C53E76A76}" type="datetimeFigureOut">
               <a:rPr lang="zh-CN" altLang="en-US" smtClean="0"/>
-              <a:t>2019/7/31</a:t>
+              <a:t>2019/8/1</a:t>
             </a:fld>
             <a:endParaRPr lang="zh-CN" altLang="en-US"/>
           </a:p>
@@ -1264,7 +1264,7 @@
           <a:p>
             <a:fld id="{DDA058EC-E564-4FAA-9823-230C53E76A76}" type="datetimeFigureOut">
               <a:rPr lang="zh-CN" altLang="en-US" smtClean="0"/>
-              <a:t>2019/7/31</a:t>
+              <a:t>2019/8/1</a:t>
             </a:fld>
             <a:endParaRPr lang="zh-CN" altLang="en-US"/>
           </a:p>
@@ -1628,7 +1628,7 @@
           <a:p>
             <a:fld id="{DDA058EC-E564-4FAA-9823-230C53E76A76}" type="datetimeFigureOut">
               <a:rPr lang="zh-CN" altLang="en-US" smtClean="0"/>
-              <a:t>2019/7/31</a:t>
+              <a:t>2019/8/1</a:t>
             </a:fld>
             <a:endParaRPr lang="zh-CN" altLang="en-US"/>
           </a:p>
@@ -1745,7 +1745,7 @@
           <a:p>
             <a:fld id="{DDA058EC-E564-4FAA-9823-230C53E76A76}" type="datetimeFigureOut">
               <a:rPr lang="zh-CN" altLang="en-US" smtClean="0"/>
-              <a:t>2019/7/31</a:t>
+              <a:t>2019/8/1</a:t>
             </a:fld>
             <a:endParaRPr lang="zh-CN" altLang="en-US"/>
           </a:p>
@@ -1840,7 +1840,7 @@
           <a:p>
             <a:fld id="{DDA058EC-E564-4FAA-9823-230C53E76A76}" type="datetimeFigureOut">
               <a:rPr lang="zh-CN" altLang="en-US" smtClean="0"/>
-              <a:t>2019/7/31</a:t>
+              <a:t>2019/8/1</a:t>
             </a:fld>
             <a:endParaRPr lang="zh-CN" altLang="en-US"/>
           </a:p>
@@ -2115,7 +2115,7 @@
           <a:p>
             <a:fld id="{DDA058EC-E564-4FAA-9823-230C53E76A76}" type="datetimeFigureOut">
               <a:rPr lang="zh-CN" altLang="en-US" smtClean="0"/>
-              <a:t>2019/7/31</a:t>
+              <a:t>2019/8/1</a:t>
             </a:fld>
             <a:endParaRPr lang="zh-CN" altLang="en-US"/>
           </a:p>
@@ -2367,7 +2367,7 @@
           <a:p>
             <a:fld id="{DDA058EC-E564-4FAA-9823-230C53E76A76}" type="datetimeFigureOut">
               <a:rPr lang="zh-CN" altLang="en-US" smtClean="0"/>
-              <a:t>2019/7/31</a:t>
+              <a:t>2019/8/1</a:t>
             </a:fld>
             <a:endParaRPr lang="zh-CN" altLang="en-US"/>
           </a:p>
@@ -2578,7 +2578,7 @@
           <a:p>
             <a:fld id="{DDA058EC-E564-4FAA-9823-230C53E76A76}" type="datetimeFigureOut">
               <a:rPr lang="zh-CN" altLang="en-US" smtClean="0"/>
-              <a:t>2019/7/31</a:t>
+              <a:t>2019/8/1</a:t>
             </a:fld>
             <a:endParaRPr lang="zh-CN" altLang="en-US"/>
           </a:p>
@@ -10552,6 +10552,14 @@
   <p:clrMapOvr>
     <a:masterClrMapping/>
   </p:clrMapOvr>
+  <mc:AlternateContent xmlns:mc="http://schemas.openxmlformats.org/markup-compatibility/2006">
+    <mc:Choice xmlns:p14="http://schemas.microsoft.com/office/powerpoint/2010/main" Requires="p14">
+      <p:transition spd="slow" p14:dur="2000"/>
+    </mc:Choice>
+    <mc:Fallback>
+      <p:transition spd="slow"/>
+    </mc:Fallback>
+  </mc:AlternateContent>
 </p:sld>
 </file>
 
@@ -10587,7 +10595,7 @@
           <p:nvPr>
             <p:extLst>
               <p:ext uri="{D42A27DB-BD31-4B8C-83A1-F6EECF244321}">
-                <p14:modId xmlns:p14="http://schemas.microsoft.com/office/powerpoint/2010/main" val="3263628265"/>
+                <p14:modId xmlns:p14="http://schemas.microsoft.com/office/powerpoint/2010/main" val="1187471376"/>
               </p:ext>
             </p:extLst>
           </p:nvPr>
@@ -10705,25 +10713,43 @@
                           <a:ea typeface="等线" panose="02010600030101010101" pitchFamily="2" charset="-122"/>
                           <a:cs typeface="Times New Roman" panose="02020603050405020304" pitchFamily="18" charset="0"/>
                         </a:rPr>
-                        <a:t>(NF1</a:t>
+                        <a:t>&lt;</a:t>
                       </a:r>
                       <a:r>
-                        <a:rPr lang="en-US" altLang="zh-CN" sz="2500" kern="100" baseline="0" dirty="0">
+                        <a:rPr lang="en-US" altLang="zh-CN" sz="2500" kern="100" dirty="0" smtClean="0">
                           <a:effectLst/>
                           <a:latin typeface="Times New Roman" panose="02020603050405020304" pitchFamily="18" charset="0"/>
                           <a:ea typeface="等线" panose="02010600030101010101" pitchFamily="2" charset="-122"/>
                           <a:cs typeface="Times New Roman" panose="02020603050405020304" pitchFamily="18" charset="0"/>
                         </a:rPr>
-                        <a:t>’s Action, NF2’s Action, Conflict or Not</a:t>
+                        <a:t>NF1 </a:t>
                       </a:r>
                       <a:r>
-                        <a:rPr lang="en-US" altLang="zh-CN" sz="2500" kern="100" dirty="0">
+                        <a:rPr lang="en-US" altLang="zh-CN" sz="2500" kern="100" baseline="0" dirty="0" smtClean="0">
                           <a:effectLst/>
                           <a:latin typeface="Times New Roman" panose="02020603050405020304" pitchFamily="18" charset="0"/>
                           <a:ea typeface="等线" panose="02010600030101010101" pitchFamily="2" charset="-122"/>
                           <a:cs typeface="Times New Roman" panose="02020603050405020304" pitchFamily="18" charset="0"/>
                         </a:rPr>
-                        <a:t>)</a:t>
+                        <a:t>Operation, NF2 Operation, </a:t>
+                      </a:r>
+                      <a:r>
+                        <a:rPr lang="en-US" altLang="zh-CN" sz="2500" kern="100" baseline="0" dirty="0" err="1" smtClean="0">
+                          <a:effectLst/>
+                          <a:latin typeface="Times New Roman" panose="02020603050405020304" pitchFamily="18" charset="0"/>
+                          <a:ea typeface="等线" panose="02010600030101010101" pitchFamily="2" charset="-122"/>
+                          <a:cs typeface="Times New Roman" panose="02020603050405020304" pitchFamily="18" charset="0"/>
+                        </a:rPr>
+                        <a:t>ConflictField</a:t>
+                      </a:r>
+                      <a:r>
+                        <a:rPr lang="en-US" altLang="zh-CN" sz="2500" kern="100" baseline="0" dirty="0" smtClean="0">
+                          <a:effectLst/>
+                          <a:latin typeface="Times New Roman" panose="02020603050405020304" pitchFamily="18" charset="0"/>
+                          <a:ea typeface="等线" panose="02010600030101010101" pitchFamily="2" charset="-122"/>
+                          <a:cs typeface="Times New Roman" panose="02020603050405020304" pitchFamily="18" charset="0"/>
+                        </a:rPr>
+                        <a:t>&gt;</a:t>
                       </a:r>
                       <a:endParaRPr lang="zh-CN" sz="2500" kern="100" dirty="0">
                         <a:effectLst/>
@@ -11645,6 +11671,14 @@
   <p:clrMapOvr>
     <a:masterClrMapping/>
   </p:clrMapOvr>
+  <mc:AlternateContent xmlns:mc="http://schemas.openxmlformats.org/markup-compatibility/2006">
+    <mc:Choice xmlns:p14="http://schemas.microsoft.com/office/powerpoint/2010/main" Requires="p14">
+      <p:transition spd="slow" p14:dur="2000"/>
+    </mc:Choice>
+    <mc:Fallback>
+      <p:transition spd="slow"/>
+    </mc:Fallback>
+  </mc:AlternateContent>
 </p:sld>
 </file>
 
@@ -15177,6 +15211,14 @@
   <p:clrMapOvr>
     <a:masterClrMapping/>
   </p:clrMapOvr>
+  <mc:AlternateContent xmlns:mc="http://schemas.openxmlformats.org/markup-compatibility/2006">
+    <mc:Choice xmlns:p14="http://schemas.microsoft.com/office/powerpoint/2010/main" Requires="p14">
+      <p:transition spd="slow" p14:dur="2000"/>
+    </mc:Choice>
+    <mc:Fallback>
+      <p:transition spd="slow"/>
+    </mc:Fallback>
+  </mc:AlternateContent>
 </p:sld>
 </file>
 
@@ -22671,6 +22713,14 @@
   <p:clrMapOvr>
     <a:masterClrMapping/>
   </p:clrMapOvr>
+  <mc:AlternateContent xmlns:mc="http://schemas.openxmlformats.org/markup-compatibility/2006">
+    <mc:Choice xmlns:p14="http://schemas.microsoft.com/office/powerpoint/2010/main" Requires="p14">
+      <p:transition spd="slow" p14:dur="2000"/>
+    </mc:Choice>
+    <mc:Fallback>
+      <p:transition spd="slow"/>
+    </mc:Fallback>
+  </mc:AlternateContent>
 </p:sld>
 </file>
 
@@ -27815,6 +27865,14 @@
   <p:clrMapOvr>
     <a:masterClrMapping/>
   </p:clrMapOvr>
+  <mc:AlternateContent xmlns:mc="http://schemas.openxmlformats.org/markup-compatibility/2006">
+    <mc:Choice xmlns:p14="http://schemas.microsoft.com/office/powerpoint/2010/main" Requires="p14">
+      <p:transition spd="slow" p14:dur="2000"/>
+    </mc:Choice>
+    <mc:Fallback>
+      <p:transition spd="slow"/>
+    </mc:Fallback>
+  </mc:AlternateContent>
 </p:sld>
 </file>
 
@@ -29172,6 +29230,14 @@
   <p:clrMapOvr>
     <a:masterClrMapping/>
   </p:clrMapOvr>
+  <mc:AlternateContent xmlns:mc="http://schemas.openxmlformats.org/markup-compatibility/2006">
+    <mc:Choice xmlns:p14="http://schemas.microsoft.com/office/powerpoint/2010/main" Requires="p14">
+      <p:transition spd="slow" p14:dur="2000"/>
+    </mc:Choice>
+    <mc:Fallback>
+      <p:transition spd="slow"/>
+    </mc:Fallback>
+  </mc:AlternateContent>
 </p:sld>
 </file>
 
@@ -31241,6 +31307,14 @@
   <p:clrMapOvr>
     <a:masterClrMapping/>
   </p:clrMapOvr>
+  <mc:AlternateContent xmlns:mc="http://schemas.openxmlformats.org/markup-compatibility/2006">
+    <mc:Choice xmlns:p14="http://schemas.microsoft.com/office/powerpoint/2010/main" Requires="p14">
+      <p:transition spd="slow" p14:dur="2000"/>
+    </mc:Choice>
+    <mc:Fallback>
+      <p:transition spd="slow"/>
+    </mc:Fallback>
+  </mc:AlternateContent>
 </p:sld>
 </file>
 
@@ -36571,6 +36645,14 @@
   <p:clrMapOvr>
     <a:masterClrMapping/>
   </p:clrMapOvr>
+  <mc:AlternateContent xmlns:mc="http://schemas.openxmlformats.org/markup-compatibility/2006">
+    <mc:Choice xmlns:p14="http://schemas.microsoft.com/office/powerpoint/2010/main" Requires="p14">
+      <p:transition spd="slow" p14:dur="2000"/>
+    </mc:Choice>
+    <mc:Fallback>
+      <p:transition spd="slow"/>
+    </mc:Fallback>
+  </mc:AlternateContent>
 </p:sld>
 </file>
 
@@ -41896,6 +41978,14 @@
   <p:clrMapOvr>
     <a:masterClrMapping/>
   </p:clrMapOvr>
+  <mc:AlternateContent xmlns:mc="http://schemas.openxmlformats.org/markup-compatibility/2006">
+    <mc:Choice xmlns:p14="http://schemas.microsoft.com/office/powerpoint/2010/main" Requires="p14">
+      <p:transition spd="slow" p14:dur="2000"/>
+    </mc:Choice>
+    <mc:Fallback>
+      <p:transition spd="slow"/>
+    </mc:Fallback>
+  </mc:AlternateContent>
 </p:sld>
 </file>
 
